--- a/Slides_NataliaSensWeise.pptx
+++ b/Slides_NataliaSensWeise.pptx
@@ -17,22 +17,27 @@
     <p:sldId id="286" r:id="rId11"/>
     <p:sldId id="263" r:id="rId12"/>
     <p:sldId id="269" r:id="rId13"/>
-    <p:sldId id="264" r:id="rId14"/>
-    <p:sldId id="270" r:id="rId15"/>
-    <p:sldId id="271" r:id="rId16"/>
-    <p:sldId id="272" r:id="rId17"/>
-    <p:sldId id="274" r:id="rId18"/>
-    <p:sldId id="265" r:id="rId19"/>
-    <p:sldId id="278" r:id="rId20"/>
-    <p:sldId id="279" r:id="rId21"/>
-    <p:sldId id="280" r:id="rId22"/>
-    <p:sldId id="281" r:id="rId23"/>
-    <p:sldId id="282" r:id="rId24"/>
-    <p:sldId id="283" r:id="rId25"/>
-    <p:sldId id="284" r:id="rId26"/>
-    <p:sldId id="285" r:id="rId27"/>
-    <p:sldId id="267" r:id="rId28"/>
-    <p:sldId id="268" r:id="rId29"/>
+    <p:sldId id="270" r:id="rId14"/>
+    <p:sldId id="271" r:id="rId15"/>
+    <p:sldId id="272" r:id="rId16"/>
+    <p:sldId id="274" r:id="rId17"/>
+    <p:sldId id="265" r:id="rId18"/>
+    <p:sldId id="278" r:id="rId19"/>
+    <p:sldId id="279" r:id="rId20"/>
+    <p:sldId id="280" r:id="rId21"/>
+    <p:sldId id="281" r:id="rId22"/>
+    <p:sldId id="282" r:id="rId23"/>
+    <p:sldId id="283" r:id="rId24"/>
+    <p:sldId id="284" r:id="rId25"/>
+    <p:sldId id="285" r:id="rId26"/>
+    <p:sldId id="267" r:id="rId27"/>
+    <p:sldId id="287" r:id="rId28"/>
+    <p:sldId id="288" r:id="rId29"/>
+    <p:sldId id="290" r:id="rId30"/>
+    <p:sldId id="289" r:id="rId31"/>
+    <p:sldId id="291" r:id="rId32"/>
+    <p:sldId id="268" r:id="rId33"/>
+    <p:sldId id="292" r:id="rId34"/>
   </p:sldIdLst>
   <p:sldSz cx="9144000" cy="6858000" type="screen4x3"/>
   <p:notesSz cx="6858000" cy="9144000"/>
@@ -4900,14 +4905,14 @@
             <p:ph idx="1"/>
             <p:extLst>
               <p:ext uri="{D42A27DB-BD31-4B8C-83A1-F6EECF244321}">
-                <p14:modId xmlns:p14="http://schemas.microsoft.com/office/powerpoint/2010/main" val="2813282400"/>
+                <p14:modId xmlns:p14="http://schemas.microsoft.com/office/powerpoint/2010/main" val="248231223"/>
               </p:ext>
             </p:extLst>
           </p:nvPr>
         </p:nvGraphicFramePr>
         <p:xfrm>
           <a:off x="467544" y="2132856"/>
-          <a:ext cx="8229600" cy="2160141"/>
+          <a:ext cx="8229600" cy="2208177"/>
         </p:xfrm>
         <a:graphic>
           <a:graphicData uri="http://schemas.openxmlformats.org/drawingml/2006/table">
@@ -4973,9 +4978,9 @@
                     <a:lstStyle/>
                     <a:p>
                       <a:r>
-                        <a:rPr lang="pt-BR" sz="1600" dirty="0">
-                          <a:effectLst/>
-                          <a:latin typeface="Times New Roman" panose="02020603050405020304" pitchFamily="18" charset="0"/>
+                        <a:rPr lang="pt-BR" sz="1800" dirty="0">
+                          <a:effectLst/>
+                          <a:latin typeface="+mn-lt"/>
                           <a:ea typeface="Times New Roman" panose="02020603050405020304" pitchFamily="18" charset="0"/>
                         </a:rPr>
                         <a:t>RNF01</a:t>
@@ -4990,12 +4995,60 @@
                     <a:lstStyle/>
                     <a:p>
                       <a:r>
-                        <a:rPr lang="pt-BR" sz="1600">
-                          <a:effectLst/>
-                          <a:latin typeface="Times New Roman" panose="02020603050405020304" pitchFamily="18" charset="0"/>
-                          <a:ea typeface="Times New Roman" panose="02020603050405020304" pitchFamily="18" charset="0"/>
-                        </a:rPr>
-                        <a:t>utilizar o motor de jogos Unity em conjunto com a Integrated Development Environment (IDE) Visual Studio</a:t>
+                        <a:rPr lang="pt-BR" sz="1800" dirty="0">
+                          <a:effectLst/>
+                          <a:latin typeface="+mn-lt"/>
+                          <a:ea typeface="Times New Roman" panose="02020603050405020304" pitchFamily="18" charset="0"/>
+                        </a:rPr>
+                        <a:t>utilizar o motor de jogos Unity em conjunto com a </a:t>
+                      </a:r>
+                      <a:r>
+                        <a:rPr lang="pt-BR" sz="1800" dirty="0" err="1">
+                          <a:effectLst/>
+                          <a:latin typeface="+mn-lt"/>
+                          <a:ea typeface="Times New Roman" panose="02020603050405020304" pitchFamily="18" charset="0"/>
+                        </a:rPr>
+                        <a:t>Integrated</a:t>
+                      </a:r>
+                      <a:r>
+                        <a:rPr lang="pt-BR" sz="1800" dirty="0">
+                          <a:effectLst/>
+                          <a:latin typeface="+mn-lt"/>
+                          <a:ea typeface="Times New Roman" panose="02020603050405020304" pitchFamily="18" charset="0"/>
+                        </a:rPr>
+                        <a:t> </a:t>
+                      </a:r>
+                      <a:r>
+                        <a:rPr lang="pt-BR" sz="1800" dirty="0" err="1">
+                          <a:effectLst/>
+                          <a:latin typeface="+mn-lt"/>
+                          <a:ea typeface="Times New Roman" panose="02020603050405020304" pitchFamily="18" charset="0"/>
+                        </a:rPr>
+                        <a:t>Development</a:t>
+                      </a:r>
+                      <a:r>
+                        <a:rPr lang="pt-BR" sz="1800" dirty="0">
+                          <a:effectLst/>
+                          <a:latin typeface="+mn-lt"/>
+                          <a:ea typeface="Times New Roman" panose="02020603050405020304" pitchFamily="18" charset="0"/>
+                        </a:rPr>
+                        <a:t> </a:t>
+                      </a:r>
+                      <a:r>
+                        <a:rPr lang="pt-BR" sz="1800" dirty="0" err="1">
+                          <a:effectLst/>
+                          <a:latin typeface="+mn-lt"/>
+                          <a:ea typeface="Times New Roman" panose="02020603050405020304" pitchFamily="18" charset="0"/>
+                        </a:rPr>
+                        <a:t>Environment</a:t>
+                      </a:r>
+                      <a:r>
+                        <a:rPr lang="pt-BR" sz="1800" dirty="0">
+                          <a:effectLst/>
+                          <a:latin typeface="+mn-lt"/>
+                          <a:ea typeface="Times New Roman" panose="02020603050405020304" pitchFamily="18" charset="0"/>
+                        </a:rPr>
+                        <a:t> (IDE) Visual Studio</a:t>
                       </a:r>
                     </a:p>
                   </a:txBody>
@@ -5014,9 +5067,9 @@
                     <a:lstStyle/>
                     <a:p>
                       <a:r>
-                        <a:rPr lang="pt-BR" sz="1600">
-                          <a:effectLst/>
-                          <a:latin typeface="Times New Roman" panose="02020603050405020304" pitchFamily="18" charset="0"/>
+                        <a:rPr lang="pt-BR" sz="1800">
+                          <a:effectLst/>
+                          <a:latin typeface="+mn-lt"/>
                           <a:ea typeface="Times New Roman" panose="02020603050405020304" pitchFamily="18" charset="0"/>
                         </a:rPr>
                         <a:t>RNF02</a:t>
@@ -5031,9 +5084,9 @@
                     <a:lstStyle/>
                     <a:p>
                       <a:r>
-                        <a:rPr lang="pt-BR" sz="1600">
-                          <a:effectLst/>
-                          <a:latin typeface="Times New Roman" panose="02020603050405020304" pitchFamily="18" charset="0"/>
+                        <a:rPr lang="pt-BR" sz="1800">
+                          <a:effectLst/>
+                          <a:latin typeface="+mn-lt"/>
                           <a:ea typeface="Times New Roman" panose="02020603050405020304" pitchFamily="18" charset="0"/>
                         </a:rPr>
                         <a:t>utilizar a linguagem de programação C# para implementação</a:t>
@@ -5055,9 +5108,9 @@
                     <a:lstStyle/>
                     <a:p>
                       <a:r>
-                        <a:rPr lang="pt-BR" sz="1600">
-                          <a:effectLst/>
-                          <a:latin typeface="Times New Roman" panose="02020603050405020304" pitchFamily="18" charset="0"/>
+                        <a:rPr lang="pt-BR" sz="1800">
+                          <a:effectLst/>
+                          <a:latin typeface="+mn-lt"/>
                           <a:ea typeface="Times New Roman" panose="02020603050405020304" pitchFamily="18" charset="0"/>
                         </a:rPr>
                         <a:t>RNF03</a:t>
@@ -5072,9 +5125,9 @@
                     <a:lstStyle/>
                     <a:p>
                       <a:r>
-                        <a:rPr lang="pt-BR" sz="1600" dirty="0">
-                          <a:effectLst/>
-                          <a:latin typeface="Times New Roman" panose="02020603050405020304" pitchFamily="18" charset="0"/>
+                        <a:rPr lang="pt-BR" sz="1800" dirty="0">
+                          <a:effectLst/>
+                          <a:latin typeface="+mn-lt"/>
                           <a:ea typeface="Times New Roman" panose="02020603050405020304" pitchFamily="18" charset="0"/>
                         </a:rPr>
                         <a:t>ser desenvolvido para plataforma desktop (apenas para Windows) e web</a:t>
@@ -5494,111 +5547,6 @@
 </file>
 
 <file path=ppt/slides/slide13.xml><?xml version="1.0" encoding="utf-8"?>
-<p:sld xmlns:a="http://schemas.openxmlformats.org/drawingml/2006/main" xmlns:r="http://schemas.openxmlformats.org/officeDocument/2006/relationships" xmlns:p="http://schemas.openxmlformats.org/presentationml/2006/main">
-  <p:cSld>
-    <p:spTree>
-      <p:nvGrpSpPr>
-        <p:cNvPr id="1" name=""/>
-        <p:cNvGrpSpPr/>
-        <p:nvPr/>
-      </p:nvGrpSpPr>
-      <p:grpSpPr>
-        <a:xfrm>
-          <a:off x="0" y="0"/>
-          <a:ext cx="0" cy="0"/>
-          <a:chOff x="0" y="0"/>
-          <a:chExt cx="0" cy="0"/>
-        </a:xfrm>
-      </p:grpSpPr>
-      <p:sp>
-        <p:nvSpPr>
-          <p:cNvPr id="2" name="Título 1"/>
-          <p:cNvSpPr>
-            <a:spLocks noGrp="1"/>
-          </p:cNvSpPr>
-          <p:nvPr>
-            <p:ph type="title"/>
-          </p:nvPr>
-        </p:nvSpPr>
-        <p:spPr/>
-        <p:txBody>
-          <a:bodyPr/>
-          <a:lstStyle/>
-          <a:p>
-            <a:r>
-              <a:rPr lang="pt-BR" dirty="0"/>
-              <a:t>Especificação</a:t>
-            </a:r>
-          </a:p>
-        </p:txBody>
-      </p:sp>
-      <p:sp>
-        <p:nvSpPr>
-          <p:cNvPr id="3" name="Espaço Reservado para Conteúdo 2"/>
-          <p:cNvSpPr>
-            <a:spLocks noGrp="1"/>
-          </p:cNvSpPr>
-          <p:nvPr>
-            <p:ph idx="1"/>
-          </p:nvPr>
-        </p:nvSpPr>
-        <p:spPr/>
-        <p:txBody>
-          <a:bodyPr>
-            <a:normAutofit lnSpcReduction="10000"/>
-          </a:bodyPr>
-          <a:lstStyle/>
-          <a:p>
-            <a:r>
-              <a:rPr lang="pt-BR" dirty="0"/>
-              <a:t>(Apresentar os principais diagramas desenvolvidos na especificação e que permitem compreender os elementos essenciais do trabalho</a:t>
-            </a:r>
-          </a:p>
-          <a:p>
-            <a:pPr lvl="1"/>
-            <a:r>
-              <a:rPr lang="pt-BR" dirty="0"/>
-              <a:t>Pelo menos um estrutural</a:t>
-            </a:r>
-          </a:p>
-          <a:p>
-            <a:pPr lvl="1"/>
-            <a:r>
-              <a:rPr lang="pt-BR" dirty="0"/>
-              <a:t>Pelo menos um comportamental)</a:t>
-            </a:r>
-          </a:p>
-          <a:p>
-            <a:r>
-              <a:rPr lang="pt-BR" dirty="0"/>
-              <a:t>(Cuidado com a legibilidade das figuras – redesenhe-as caso necessário)</a:t>
-            </a:r>
-          </a:p>
-          <a:p>
-            <a:r>
-              <a:rPr lang="pt-BR" dirty="0"/>
-              <a:t>(Tempo estimado – 5 minutos)</a:t>
-            </a:r>
-          </a:p>
-          <a:p>
-            <a:endParaRPr lang="pt-BR" dirty="0"/>
-          </a:p>
-        </p:txBody>
-      </p:sp>
-    </p:spTree>
-    <p:extLst>
-      <p:ext uri="{BB962C8B-B14F-4D97-AF65-F5344CB8AC3E}">
-        <p14:creationId xmlns:p14="http://schemas.microsoft.com/office/powerpoint/2010/main" val="2007070856"/>
-      </p:ext>
-    </p:extLst>
-  </p:cSld>
-  <p:clrMapOvr>
-    <a:masterClrMapping/>
-  </p:clrMapOvr>
-</p:sld>
-</file>
-
-<file path=ppt/slides/slide14.xml><?xml version="1.0" encoding="utf-8"?>
 <p:sld xmlns:a="http://schemas.openxmlformats.org/drawingml/2006/main" xmlns:r="http://schemas.openxmlformats.org/officeDocument/2006/relationships" xmlns:p="http://schemas.openxmlformats.org/presentationml/2006/main">
   <p:cSld>
     <p:spTree>
@@ -6086,7 +6034,7 @@
 </p:sld>
 </file>
 
-<file path=ppt/slides/slide15.xml><?xml version="1.0" encoding="utf-8"?>
+<file path=ppt/slides/slide14.xml><?xml version="1.0" encoding="utf-8"?>
 <p:sld xmlns:a="http://schemas.openxmlformats.org/drawingml/2006/main" xmlns:r="http://schemas.openxmlformats.org/officeDocument/2006/relationships" xmlns:p="http://schemas.openxmlformats.org/presentationml/2006/main">
   <p:cSld>
     <p:spTree>
@@ -6610,7 +6558,7 @@
 </p:sld>
 </file>
 
-<file path=ppt/slides/slide16.xml><?xml version="1.0" encoding="utf-8"?>
+<file path=ppt/slides/slide15.xml><?xml version="1.0" encoding="utf-8"?>
 <p:sld xmlns:a="http://schemas.openxmlformats.org/drawingml/2006/main" xmlns:r="http://schemas.openxmlformats.org/officeDocument/2006/relationships" xmlns:p="http://schemas.openxmlformats.org/presentationml/2006/main">
   <p:cSld>
     <p:spTree>
@@ -7098,7 +7046,7 @@
 </p:sld>
 </file>
 
-<file path=ppt/slides/slide17.xml><?xml version="1.0" encoding="utf-8"?>
+<file path=ppt/slides/slide16.xml><?xml version="1.0" encoding="utf-8"?>
 <p:sld xmlns:a="http://schemas.openxmlformats.org/drawingml/2006/main" xmlns:r="http://schemas.openxmlformats.org/officeDocument/2006/relationships" xmlns:p="http://schemas.openxmlformats.org/presentationml/2006/main">
   <p:cSld>
     <p:spTree>
@@ -7592,6 +7540,134 @@
 </p:sld>
 </file>
 
+<file path=ppt/slides/slide17.xml><?xml version="1.0" encoding="utf-8"?>
+<p:sld xmlns:a="http://schemas.openxmlformats.org/drawingml/2006/main" xmlns:r="http://schemas.openxmlformats.org/officeDocument/2006/relationships" xmlns:p="http://schemas.openxmlformats.org/presentationml/2006/main">
+  <p:cSld>
+    <p:spTree>
+      <p:nvGrpSpPr>
+        <p:cNvPr id="1" name=""/>
+        <p:cNvGrpSpPr/>
+        <p:nvPr/>
+      </p:nvGrpSpPr>
+      <p:grpSpPr>
+        <a:xfrm>
+          <a:off x="0" y="0"/>
+          <a:ext cx="0" cy="0"/>
+          <a:chOff x="0" y="0"/>
+          <a:chExt cx="0" cy="0"/>
+        </a:xfrm>
+      </p:grpSpPr>
+      <p:sp>
+        <p:nvSpPr>
+          <p:cNvPr id="2" name="Título 1"/>
+          <p:cNvSpPr>
+            <a:spLocks noGrp="1"/>
+          </p:cNvSpPr>
+          <p:nvPr>
+            <p:ph type="title"/>
+          </p:nvPr>
+        </p:nvSpPr>
+        <p:spPr/>
+        <p:txBody>
+          <a:bodyPr/>
+          <a:lstStyle/>
+          <a:p>
+            <a:r>
+              <a:rPr lang="pt-BR" dirty="0"/>
+              <a:t>Implementação</a:t>
+            </a:r>
+          </a:p>
+        </p:txBody>
+      </p:sp>
+      <p:sp>
+        <p:nvSpPr>
+          <p:cNvPr id="3" name="Espaço Reservado para Conteúdo 2"/>
+          <p:cNvSpPr>
+            <a:spLocks noGrp="1"/>
+          </p:cNvSpPr>
+          <p:nvPr>
+            <p:ph idx="1"/>
+          </p:nvPr>
+        </p:nvSpPr>
+        <p:spPr/>
+        <p:txBody>
+          <a:bodyPr>
+            <a:normAutofit lnSpcReduction="10000"/>
+          </a:bodyPr>
+          <a:lstStyle/>
+          <a:p>
+            <a:r>
+              <a:rPr lang="pt-BR" dirty="0"/>
+              <a:t>Softwares usados: Unity 2022.1.13f, IDE Visual Studio 2019 16.11.34, Draw.io 1.0 e </a:t>
+            </a:r>
+            <a:r>
+              <a:rPr lang="pt-BR" dirty="0" err="1"/>
+              <a:t>Paint</a:t>
+            </a:r>
+            <a:r>
+              <a:rPr lang="pt-BR" dirty="0"/>
+              <a:t> 3D;</a:t>
+            </a:r>
+          </a:p>
+          <a:p>
+            <a:r>
+              <a:rPr lang="pt-BR" dirty="0"/>
+              <a:t>Principais funcionalidades:</a:t>
+            </a:r>
+          </a:p>
+          <a:p>
+            <a:pPr lvl="1"/>
+            <a:r>
+              <a:rPr lang="pt-BR" dirty="0"/>
+              <a:t>Tutorial;</a:t>
+            </a:r>
+          </a:p>
+          <a:p>
+            <a:pPr lvl="1"/>
+            <a:r>
+              <a:rPr lang="pt-BR" dirty="0"/>
+              <a:t>Troca de tema;</a:t>
+            </a:r>
+          </a:p>
+          <a:p>
+            <a:pPr lvl="1"/>
+            <a:r>
+              <a:rPr lang="pt-BR" dirty="0"/>
+              <a:t>Exercícios;</a:t>
+            </a:r>
+          </a:p>
+          <a:p>
+            <a:pPr lvl="1"/>
+            <a:r>
+              <a:rPr lang="pt-BR" dirty="0"/>
+              <a:t>Importação/Exportação;</a:t>
+            </a:r>
+          </a:p>
+          <a:p>
+            <a:pPr lvl="1"/>
+            <a:r>
+              <a:rPr lang="pt-BR" dirty="0"/>
+              <a:t>Hierarquia de objetos.</a:t>
+            </a:r>
+          </a:p>
+          <a:p>
+            <a:endParaRPr lang="pt-BR" dirty="0"/>
+          </a:p>
+        </p:txBody>
+      </p:sp>
+    </p:spTree>
+    <p:extLst>
+      <p:ext uri="{BB962C8B-B14F-4D97-AF65-F5344CB8AC3E}">
+        <p14:creationId xmlns:p14="http://schemas.microsoft.com/office/powerpoint/2010/main" val="3063325790"/>
+      </p:ext>
+    </p:extLst>
+  </p:cSld>
+  <p:clrMapOvr>
+    <a:masterClrMapping/>
+  </p:clrMapOvr>
+</p:sld>
+</file>
+
 <file path=ppt/slides/slide18.xml><?xml version="1.0" encoding="utf-8"?>
 <p:sld xmlns:a="http://schemas.openxmlformats.org/drawingml/2006/main" xmlns:r="http://schemas.openxmlformats.org/officeDocument/2006/relationships" xmlns:p="http://schemas.openxmlformats.org/presentationml/2006/main">
   <p:cSld>
@@ -7644,134 +7720,6 @@
         <p:spPr/>
         <p:txBody>
           <a:bodyPr>
-            <a:normAutofit lnSpcReduction="10000"/>
-          </a:bodyPr>
-          <a:lstStyle/>
-          <a:p>
-            <a:r>
-              <a:rPr lang="pt-BR" dirty="0"/>
-              <a:t>Softwares usados: Unity 2022.1.13f, IDE Visual Studio 2019 16.11.34, Draw.io 1.0 e </a:t>
-            </a:r>
-            <a:r>
-              <a:rPr lang="pt-BR" dirty="0" err="1"/>
-              <a:t>Paint</a:t>
-            </a:r>
-            <a:r>
-              <a:rPr lang="pt-BR" dirty="0"/>
-              <a:t> 3D;</a:t>
-            </a:r>
-          </a:p>
-          <a:p>
-            <a:r>
-              <a:rPr lang="pt-BR" dirty="0"/>
-              <a:t>Principais funcionalidades:</a:t>
-            </a:r>
-          </a:p>
-          <a:p>
-            <a:pPr lvl="1"/>
-            <a:r>
-              <a:rPr lang="pt-BR" dirty="0"/>
-              <a:t>Tutorial;</a:t>
-            </a:r>
-          </a:p>
-          <a:p>
-            <a:pPr lvl="1"/>
-            <a:r>
-              <a:rPr lang="pt-BR" dirty="0"/>
-              <a:t>Troca de tema;</a:t>
-            </a:r>
-          </a:p>
-          <a:p>
-            <a:pPr lvl="1"/>
-            <a:r>
-              <a:rPr lang="pt-BR" dirty="0"/>
-              <a:t>Exercícios;</a:t>
-            </a:r>
-          </a:p>
-          <a:p>
-            <a:pPr lvl="1"/>
-            <a:r>
-              <a:rPr lang="pt-BR" dirty="0"/>
-              <a:t>Importação/Exportação;</a:t>
-            </a:r>
-          </a:p>
-          <a:p>
-            <a:pPr lvl="1"/>
-            <a:r>
-              <a:rPr lang="pt-BR" dirty="0"/>
-              <a:t>Hierarquia de objetos.</a:t>
-            </a:r>
-          </a:p>
-          <a:p>
-            <a:endParaRPr lang="pt-BR" dirty="0"/>
-          </a:p>
-        </p:txBody>
-      </p:sp>
-    </p:spTree>
-    <p:extLst>
-      <p:ext uri="{BB962C8B-B14F-4D97-AF65-F5344CB8AC3E}">
-        <p14:creationId xmlns:p14="http://schemas.microsoft.com/office/powerpoint/2010/main" val="3063325790"/>
-      </p:ext>
-    </p:extLst>
-  </p:cSld>
-  <p:clrMapOvr>
-    <a:masterClrMapping/>
-  </p:clrMapOvr>
-</p:sld>
-</file>
-
-<file path=ppt/slides/slide19.xml><?xml version="1.0" encoding="utf-8"?>
-<p:sld xmlns:a="http://schemas.openxmlformats.org/drawingml/2006/main" xmlns:r="http://schemas.openxmlformats.org/officeDocument/2006/relationships" xmlns:p="http://schemas.openxmlformats.org/presentationml/2006/main">
-  <p:cSld>
-    <p:spTree>
-      <p:nvGrpSpPr>
-        <p:cNvPr id="1" name=""/>
-        <p:cNvGrpSpPr/>
-        <p:nvPr/>
-      </p:nvGrpSpPr>
-      <p:grpSpPr>
-        <a:xfrm>
-          <a:off x="0" y="0"/>
-          <a:ext cx="0" cy="0"/>
-          <a:chOff x="0" y="0"/>
-          <a:chExt cx="0" cy="0"/>
-        </a:xfrm>
-      </p:grpSpPr>
-      <p:sp>
-        <p:nvSpPr>
-          <p:cNvPr id="2" name="Título 1"/>
-          <p:cNvSpPr>
-            <a:spLocks noGrp="1"/>
-          </p:cNvSpPr>
-          <p:nvPr>
-            <p:ph type="title"/>
-          </p:nvPr>
-        </p:nvSpPr>
-        <p:spPr/>
-        <p:txBody>
-          <a:bodyPr/>
-          <a:lstStyle/>
-          <a:p>
-            <a:r>
-              <a:rPr lang="pt-BR" dirty="0"/>
-              <a:t>Implementação</a:t>
-            </a:r>
-          </a:p>
-        </p:txBody>
-      </p:sp>
-      <p:sp>
-        <p:nvSpPr>
-          <p:cNvPr id="3" name="Espaço Reservado para Conteúdo 2"/>
-          <p:cNvSpPr>
-            <a:spLocks noGrp="1"/>
-          </p:cNvSpPr>
-          <p:nvPr>
-            <p:ph idx="1"/>
-          </p:nvPr>
-        </p:nvSpPr>
-        <p:spPr/>
-        <p:txBody>
-          <a:bodyPr>
             <a:normAutofit/>
           </a:bodyPr>
           <a:lstStyle/>
@@ -7815,7 +7763,7 @@
             <a:pPr lvl="1"/>
             <a:r>
               <a:rPr lang="pt-BR" dirty="0"/>
-              <a:t>Nove etapas: oito são ações e uma é parabenização. </a:t>
+              <a:t>Dois tutoriais de nove etapas cada: oito são ações e uma é parabenização. </a:t>
             </a:r>
           </a:p>
           <a:p>
@@ -7836,166 +7784,7 @@
 </p:sld>
 </file>
 
-<file path=ppt/slides/slide2.xml><?xml version="1.0" encoding="utf-8"?>
-<p:sld xmlns:a="http://schemas.openxmlformats.org/drawingml/2006/main" xmlns:r="http://schemas.openxmlformats.org/officeDocument/2006/relationships" xmlns:p="http://schemas.openxmlformats.org/presentationml/2006/main">
-  <p:cSld>
-    <p:spTree>
-      <p:nvGrpSpPr>
-        <p:cNvPr id="1" name=""/>
-        <p:cNvGrpSpPr/>
-        <p:nvPr/>
-      </p:nvGrpSpPr>
-      <p:grpSpPr>
-        <a:xfrm>
-          <a:off x="0" y="0"/>
-          <a:ext cx="0" cy="0"/>
-          <a:chOff x="0" y="0"/>
-          <a:chExt cx="0" cy="0"/>
-        </a:xfrm>
-      </p:grpSpPr>
-      <p:sp>
-        <p:nvSpPr>
-          <p:cNvPr id="2" name="Título 1"/>
-          <p:cNvSpPr>
-            <a:spLocks noGrp="1"/>
-          </p:cNvSpPr>
-          <p:nvPr>
-            <p:ph type="title"/>
-          </p:nvPr>
-        </p:nvSpPr>
-        <p:spPr/>
-        <p:txBody>
-          <a:bodyPr/>
-          <a:lstStyle/>
-          <a:p>
-            <a:r>
-              <a:rPr lang="pt-BR" dirty="0"/>
-              <a:t>Roteiro</a:t>
-            </a:r>
-          </a:p>
-        </p:txBody>
-      </p:sp>
-      <p:sp>
-        <p:nvSpPr>
-          <p:cNvPr id="3" name="Espaço Reservado para Conteúdo 2"/>
-          <p:cNvSpPr>
-            <a:spLocks noGrp="1"/>
-          </p:cNvSpPr>
-          <p:nvPr>
-            <p:ph idx="1"/>
-          </p:nvPr>
-        </p:nvSpPr>
-        <p:spPr>
-          <a:xfrm>
-            <a:off x="457200" y="1412776"/>
-            <a:ext cx="8229600" cy="4824536"/>
-          </a:xfrm>
-        </p:spPr>
-        <p:txBody>
-          <a:bodyPr>
-            <a:normAutofit fontScale="47500" lnSpcReduction="20000"/>
-          </a:bodyPr>
-          <a:lstStyle/>
-          <a:p>
-            <a:r>
-              <a:rPr lang="pt-BR" sz="5100" dirty="0"/>
-              <a:t>Introdução;</a:t>
-            </a:r>
-          </a:p>
-          <a:p>
-            <a:r>
-              <a:rPr lang="pt-BR" sz="5100" dirty="0"/>
-              <a:t>Objetivos;</a:t>
-            </a:r>
-          </a:p>
-          <a:p>
-            <a:r>
-              <a:rPr lang="pt-BR" sz="5100" dirty="0"/>
-              <a:t>Fundamentação Teórica:</a:t>
-            </a:r>
-          </a:p>
-          <a:p>
-            <a:pPr lvl="1"/>
-            <a:r>
-              <a:rPr lang="pt-BR" sz="5100" dirty="0"/>
-              <a:t>Abstração do espaço 3D;</a:t>
-            </a:r>
-          </a:p>
-          <a:p>
-            <a:pPr lvl="1"/>
-            <a:r>
-              <a:rPr lang="pt-BR" sz="5100" dirty="0"/>
-              <a:t>Computação Gráfica;</a:t>
-            </a:r>
-          </a:p>
-          <a:p>
-            <a:pPr lvl="1"/>
-            <a:r>
-              <a:rPr lang="pt-BR" sz="5100" dirty="0"/>
-              <a:t>Fundamentos na criação de tutoriais;</a:t>
-            </a:r>
-          </a:p>
-          <a:p>
-            <a:r>
-              <a:rPr lang="pt-BR" sz="5100" dirty="0"/>
-              <a:t>Trabalhos Correlatos;</a:t>
-            </a:r>
-          </a:p>
-          <a:p>
-            <a:r>
-              <a:rPr lang="pt-BR" sz="5100" dirty="0"/>
-              <a:t>Versão Anterior do Software;</a:t>
-            </a:r>
-          </a:p>
-          <a:p>
-            <a:r>
-              <a:rPr lang="pt-BR" sz="5100" dirty="0"/>
-              <a:t>Requisitos;</a:t>
-            </a:r>
-          </a:p>
-          <a:p>
-            <a:r>
-              <a:rPr lang="pt-BR" sz="5100" dirty="0"/>
-              <a:t>Especificação;</a:t>
-            </a:r>
-          </a:p>
-          <a:p>
-            <a:r>
-              <a:rPr lang="pt-BR" sz="5100" dirty="0"/>
-              <a:t>Implementação;</a:t>
-            </a:r>
-          </a:p>
-          <a:p>
-            <a:r>
-              <a:rPr lang="pt-BR" sz="5100" dirty="0"/>
-              <a:t>Análise dos Resultados;</a:t>
-            </a:r>
-          </a:p>
-          <a:p>
-            <a:r>
-              <a:rPr lang="pt-BR" sz="5100" dirty="0"/>
-              <a:t>Conclusões e Sugestões.</a:t>
-            </a:r>
-          </a:p>
-          <a:p>
-            <a:endParaRPr lang="pt-BR" dirty="0"/>
-          </a:p>
-        </p:txBody>
-      </p:sp>
-    </p:spTree>
-    <p:extLst>
-      <p:ext uri="{BB962C8B-B14F-4D97-AF65-F5344CB8AC3E}">
-        <p14:creationId xmlns:p14="http://schemas.microsoft.com/office/powerpoint/2010/main" val="2472996622"/>
-      </p:ext>
-    </p:extLst>
-  </p:cSld>
-  <p:clrMapOvr>
-    <a:masterClrMapping/>
-  </p:clrMapOvr>
-</p:sld>
-</file>
-
-<file path=ppt/slides/slide20.xml><?xml version="1.0" encoding="utf-8"?>
+<file path=ppt/slides/slide19.xml><?xml version="1.0" encoding="utf-8"?>
 <p:sld xmlns:a="http://schemas.openxmlformats.org/drawingml/2006/main" xmlns:r="http://schemas.openxmlformats.org/officeDocument/2006/relationships" xmlns:p="http://schemas.openxmlformats.org/presentationml/2006/main">
   <p:cSld>
     <p:spTree>
@@ -9305,7 +9094,7 @@
         <p:spPr bwMode="auto">
           <a:xfrm>
             <a:off x="2731817" y="475332"/>
-            <a:ext cx="3680366" cy="276999"/>
+            <a:ext cx="3723648" cy="276999"/>
           </a:xfrm>
           <a:prstGeom prst="rect">
             <a:avLst/>
@@ -9493,7 +9282,166 @@
 </p:sld>
 </file>
 
-<file path=ppt/slides/slide21.xml><?xml version="1.0" encoding="utf-8"?>
+<file path=ppt/slides/slide2.xml><?xml version="1.0" encoding="utf-8"?>
+<p:sld xmlns:a="http://schemas.openxmlformats.org/drawingml/2006/main" xmlns:r="http://schemas.openxmlformats.org/officeDocument/2006/relationships" xmlns:p="http://schemas.openxmlformats.org/presentationml/2006/main">
+  <p:cSld>
+    <p:spTree>
+      <p:nvGrpSpPr>
+        <p:cNvPr id="1" name=""/>
+        <p:cNvGrpSpPr/>
+        <p:nvPr/>
+      </p:nvGrpSpPr>
+      <p:grpSpPr>
+        <a:xfrm>
+          <a:off x="0" y="0"/>
+          <a:ext cx="0" cy="0"/>
+          <a:chOff x="0" y="0"/>
+          <a:chExt cx="0" cy="0"/>
+        </a:xfrm>
+      </p:grpSpPr>
+      <p:sp>
+        <p:nvSpPr>
+          <p:cNvPr id="2" name="Título 1"/>
+          <p:cNvSpPr>
+            <a:spLocks noGrp="1"/>
+          </p:cNvSpPr>
+          <p:nvPr>
+            <p:ph type="title"/>
+          </p:nvPr>
+        </p:nvSpPr>
+        <p:spPr/>
+        <p:txBody>
+          <a:bodyPr/>
+          <a:lstStyle/>
+          <a:p>
+            <a:r>
+              <a:rPr lang="pt-BR" dirty="0"/>
+              <a:t>Roteiro</a:t>
+            </a:r>
+          </a:p>
+        </p:txBody>
+      </p:sp>
+      <p:sp>
+        <p:nvSpPr>
+          <p:cNvPr id="3" name="Espaço Reservado para Conteúdo 2"/>
+          <p:cNvSpPr>
+            <a:spLocks noGrp="1"/>
+          </p:cNvSpPr>
+          <p:nvPr>
+            <p:ph idx="1"/>
+          </p:nvPr>
+        </p:nvSpPr>
+        <p:spPr>
+          <a:xfrm>
+            <a:off x="457200" y="1412776"/>
+            <a:ext cx="8229600" cy="4824536"/>
+          </a:xfrm>
+        </p:spPr>
+        <p:txBody>
+          <a:bodyPr>
+            <a:normAutofit fontScale="47500" lnSpcReduction="20000"/>
+          </a:bodyPr>
+          <a:lstStyle/>
+          <a:p>
+            <a:r>
+              <a:rPr lang="pt-BR" sz="5100" dirty="0"/>
+              <a:t>Introdução;</a:t>
+            </a:r>
+          </a:p>
+          <a:p>
+            <a:r>
+              <a:rPr lang="pt-BR" sz="5100" dirty="0"/>
+              <a:t>Objetivos;</a:t>
+            </a:r>
+          </a:p>
+          <a:p>
+            <a:r>
+              <a:rPr lang="pt-BR" sz="5100" dirty="0"/>
+              <a:t>Fundamentação Teórica:</a:t>
+            </a:r>
+          </a:p>
+          <a:p>
+            <a:pPr lvl="1"/>
+            <a:r>
+              <a:rPr lang="pt-BR" sz="5100" dirty="0"/>
+              <a:t>Abstração do espaço 3D;</a:t>
+            </a:r>
+          </a:p>
+          <a:p>
+            <a:pPr lvl="1"/>
+            <a:r>
+              <a:rPr lang="pt-BR" sz="5100" dirty="0"/>
+              <a:t>Computação Gráfica;</a:t>
+            </a:r>
+          </a:p>
+          <a:p>
+            <a:pPr lvl="1"/>
+            <a:r>
+              <a:rPr lang="pt-BR" sz="5100" dirty="0"/>
+              <a:t>Fundamentos na criação de tutoriais;</a:t>
+            </a:r>
+          </a:p>
+          <a:p>
+            <a:r>
+              <a:rPr lang="pt-BR" sz="5100" dirty="0"/>
+              <a:t>Trabalhos Correlatos;</a:t>
+            </a:r>
+          </a:p>
+          <a:p>
+            <a:r>
+              <a:rPr lang="pt-BR" sz="5100" dirty="0"/>
+              <a:t>Versão Anterior do Software;</a:t>
+            </a:r>
+          </a:p>
+          <a:p>
+            <a:r>
+              <a:rPr lang="pt-BR" sz="5100" dirty="0"/>
+              <a:t>Requisitos;</a:t>
+            </a:r>
+          </a:p>
+          <a:p>
+            <a:r>
+              <a:rPr lang="pt-BR" sz="5100" dirty="0"/>
+              <a:t>Especificação;</a:t>
+            </a:r>
+          </a:p>
+          <a:p>
+            <a:r>
+              <a:rPr lang="pt-BR" sz="5100" dirty="0"/>
+              <a:t>Implementação;</a:t>
+            </a:r>
+          </a:p>
+          <a:p>
+            <a:r>
+              <a:rPr lang="pt-BR" sz="5100" dirty="0"/>
+              <a:t>Análise dos Resultados;</a:t>
+            </a:r>
+          </a:p>
+          <a:p>
+            <a:r>
+              <a:rPr lang="pt-BR" sz="5100" dirty="0"/>
+              <a:t>Conclusões e Sugestões.</a:t>
+            </a:r>
+          </a:p>
+          <a:p>
+            <a:endParaRPr lang="pt-BR" dirty="0"/>
+          </a:p>
+        </p:txBody>
+      </p:sp>
+    </p:spTree>
+    <p:extLst>
+      <p:ext uri="{BB962C8B-B14F-4D97-AF65-F5344CB8AC3E}">
+        <p14:creationId xmlns:p14="http://schemas.microsoft.com/office/powerpoint/2010/main" val="2472996622"/>
+      </p:ext>
+    </p:extLst>
+  </p:cSld>
+  <p:clrMapOvr>
+    <a:masterClrMapping/>
+  </p:clrMapOvr>
+</p:sld>
+</file>
+
+<file path=ppt/slides/slide20.xml><?xml version="1.0" encoding="utf-8"?>
 <p:sld xmlns:a="http://schemas.openxmlformats.org/drawingml/2006/main" xmlns:r="http://schemas.openxmlformats.org/officeDocument/2006/relationships" xmlns:p="http://schemas.openxmlformats.org/presentationml/2006/main">
   <p:cSld>
     <p:spTree>
@@ -9865,6 +9813,136 @@
 </p:sld>
 </file>
 
+<file path=ppt/slides/slide21.xml><?xml version="1.0" encoding="utf-8"?>
+<p:sld xmlns:a="http://schemas.openxmlformats.org/drawingml/2006/main" xmlns:r="http://schemas.openxmlformats.org/officeDocument/2006/relationships" xmlns:p="http://schemas.openxmlformats.org/presentationml/2006/main">
+  <p:cSld>
+    <p:spTree>
+      <p:nvGrpSpPr>
+        <p:cNvPr id="1" name=""/>
+        <p:cNvGrpSpPr/>
+        <p:nvPr/>
+      </p:nvGrpSpPr>
+      <p:grpSpPr>
+        <a:xfrm>
+          <a:off x="0" y="0"/>
+          <a:ext cx="0" cy="0"/>
+          <a:chOff x="0" y="0"/>
+          <a:chExt cx="0" cy="0"/>
+        </a:xfrm>
+      </p:grpSpPr>
+      <p:sp>
+        <p:nvSpPr>
+          <p:cNvPr id="2" name="Título 1"/>
+          <p:cNvSpPr>
+            <a:spLocks noGrp="1"/>
+          </p:cNvSpPr>
+          <p:nvPr>
+            <p:ph type="title"/>
+          </p:nvPr>
+        </p:nvSpPr>
+        <p:spPr/>
+        <p:txBody>
+          <a:bodyPr/>
+          <a:lstStyle/>
+          <a:p>
+            <a:r>
+              <a:rPr lang="pt-BR" dirty="0"/>
+              <a:t>Implementação</a:t>
+            </a:r>
+          </a:p>
+        </p:txBody>
+      </p:sp>
+      <p:sp>
+        <p:nvSpPr>
+          <p:cNvPr id="4" name="Espaço Reservado para Conteúdo 3">
+            <a:extLst>
+              <a:ext uri="{FF2B5EF4-FFF2-40B4-BE49-F238E27FC236}">
+                <a16:creationId xmlns:a16="http://schemas.microsoft.com/office/drawing/2014/main" id="{946B77BC-E3F7-B971-2E3E-E964319A3C7A}"/>
+              </a:ext>
+            </a:extLst>
+          </p:cNvPr>
+          <p:cNvSpPr>
+            <a:spLocks noGrp="1"/>
+          </p:cNvSpPr>
+          <p:nvPr>
+            <p:ph idx="1"/>
+          </p:nvPr>
+        </p:nvSpPr>
+        <p:spPr>
+          <a:xfrm>
+            <a:off x="457200" y="1269195"/>
+            <a:ext cx="8229600" cy="4680520"/>
+          </a:xfrm>
+        </p:spPr>
+        <p:txBody>
+          <a:bodyPr>
+            <a:normAutofit fontScale="92500" lnSpcReduction="20000"/>
+          </a:bodyPr>
+          <a:lstStyle/>
+          <a:p>
+            <a:r>
+              <a:rPr lang="pt-BR" sz="2800" b="1" dirty="0"/>
+              <a:t>Exercícios:</a:t>
+            </a:r>
+          </a:p>
+          <a:p>
+            <a:pPr lvl="1"/>
+            <a:r>
+              <a:rPr lang="pt-BR" sz="2600" dirty="0"/>
+              <a:t>Três atividades baseadas em lista do professor de CG: um com foco na câmera, um com foco na hierarquia pai-filho e um com foco na iluminação;</a:t>
+            </a:r>
+          </a:p>
+          <a:p>
+            <a:pPr lvl="1"/>
+            <a:r>
+              <a:rPr lang="pt-BR" sz="2600" dirty="0"/>
+              <a:t>O usuário terá que escolher entre os exercícios, ler o enunciado, fazer a atividade e, quando acabar, clicar no botão responsável por checar a resposta, que retornará quantos porcento o usuário acertou e, caso tenha algum erro, retornará uma mensagem dizendo onde que o usuário deve rever o exercício;</a:t>
+            </a:r>
+          </a:p>
+          <a:p>
+            <a:pPr lvl="1"/>
+            <a:r>
+              <a:rPr lang="pt-BR" sz="2600" dirty="0"/>
+              <a:t>Mensagens: </a:t>
+            </a:r>
+          </a:p>
+          <a:p>
+            <a:pPr lvl="2"/>
+            <a:r>
+              <a:rPr lang="pt-BR" sz="1900" dirty="0">
+                <a:effectLst/>
+                <a:latin typeface="Courier New" panose="02070309020205020404" pitchFamily="49" charset="0"/>
+                <a:ea typeface="Times New Roman" panose="02020603050405020304" pitchFamily="18" charset="0"/>
+                <a:cs typeface="Times New Roman" panose="02020603050405020304" pitchFamily="18" charset="0"/>
+              </a:rPr>
+              <a:t>Verifique a ordem das peças em cena ou se alguma está faltando;</a:t>
+            </a:r>
+          </a:p>
+          <a:p>
+            <a:pPr lvl="2"/>
+            <a:r>
+              <a:rPr lang="pt-BR" sz="1900" dirty="0">
+                <a:latin typeface="Courier New" panose="02070309020205020404" pitchFamily="49" charset="0"/>
+                <a:cs typeface="Courier New" panose="02070309020205020404" pitchFamily="49" charset="0"/>
+              </a:rPr>
+              <a:t>Verifique se as propriedades mencionadas no enunciado foram alteradas corretamente.</a:t>
+            </a:r>
+          </a:p>
+        </p:txBody>
+      </p:sp>
+    </p:spTree>
+    <p:extLst>
+      <p:ext uri="{BB962C8B-B14F-4D97-AF65-F5344CB8AC3E}">
+        <p14:creationId xmlns:p14="http://schemas.microsoft.com/office/powerpoint/2010/main" val="1163447314"/>
+      </p:ext>
+    </p:extLst>
+  </p:cSld>
+  <p:clrMapOvr>
+    <a:masterClrMapping/>
+  </p:clrMapOvr>
+</p:sld>
+</file>
+
 <file path=ppt/slides/slide22.xml><?xml version="1.0" encoding="utf-8"?>
 <p:sld xmlns:a="http://schemas.openxmlformats.org/drawingml/2006/main" xmlns:r="http://schemas.openxmlformats.org/officeDocument/2006/relationships" xmlns:p="http://schemas.openxmlformats.org/presentationml/2006/main">
   <p:cSld>
@@ -9928,74 +10006,54 @@
         </p:spPr>
         <p:txBody>
           <a:bodyPr>
-            <a:normAutofit fontScale="92500" lnSpcReduction="20000"/>
+            <a:normAutofit/>
           </a:bodyPr>
           <a:lstStyle/>
           <a:p>
             <a:r>
               <a:rPr lang="pt-BR" sz="2800" b="1" dirty="0"/>
-              <a:t>Exercícios:</a:t>
+              <a:t>Importação/Exportação de cena:</a:t>
             </a:r>
           </a:p>
           <a:p>
             <a:pPr lvl="1"/>
             <a:r>
-              <a:rPr lang="pt-BR" sz="2600" dirty="0"/>
-              <a:t>Três atividades baseadas em lista do professor de CG: um com foco na câmera, um com foco na hierarquia pai-filho e um com foco na iluminação;</a:t>
-            </a:r>
-          </a:p>
-          <a:p>
-            <a:pPr lvl="1"/>
-            <a:r>
-              <a:rPr lang="pt-BR" sz="2600" dirty="0"/>
-              <a:t>O usuário terá que escolher entre os exercícios, ler o enunciado, fazer a atividade e, quando acabar, clicar no botão responsável por checar a resposta, que retornará quantos porcento o usuário acertou e, caso tenha algum erro, retornará uma mensagem dizendo onde que o usuário deve rever o exercício;</a:t>
-            </a:r>
-          </a:p>
-          <a:p>
-            <a:pPr lvl="1"/>
-            <a:r>
-              <a:rPr lang="pt-BR" sz="2600" dirty="0"/>
-              <a:t>Mensagens: </a:t>
-            </a:r>
-          </a:p>
-          <a:p>
-            <a:pPr lvl="2"/>
-            <a:r>
-              <a:rPr lang="pt-BR" sz="1900" dirty="0">
-                <a:effectLst/>
-                <a:latin typeface="Courier New" panose="02070309020205020404" pitchFamily="49" charset="0"/>
-                <a:ea typeface="Times New Roman" panose="02020603050405020304" pitchFamily="18" charset="0"/>
-                <a:cs typeface="Times New Roman" panose="02020603050405020304" pitchFamily="18" charset="0"/>
-              </a:rPr>
-              <a:t>Verifique a ordem das </a:t>
-            </a:r>
-            <a:r>
-              <a:rPr lang="pt-BR" sz="2200" dirty="0">
-                <a:effectLst/>
-                <a:latin typeface="Courier New" panose="02070309020205020404" pitchFamily="49" charset="0"/>
-                <a:ea typeface="Times New Roman" panose="02020603050405020304" pitchFamily="18" charset="0"/>
-                <a:cs typeface="Times New Roman" panose="02020603050405020304" pitchFamily="18" charset="0"/>
-              </a:rPr>
-              <a:t>peças</a:t>
-            </a:r>
-            <a:r>
-              <a:rPr lang="pt-BR" sz="1900" dirty="0">
-                <a:effectLst/>
-                <a:latin typeface="Courier New" panose="02070309020205020404" pitchFamily="49" charset="0"/>
-                <a:ea typeface="Times New Roman" panose="02020603050405020304" pitchFamily="18" charset="0"/>
-                <a:cs typeface="Times New Roman" panose="02020603050405020304" pitchFamily="18" charset="0"/>
-              </a:rPr>
-              <a:t> em cena ou se alguma está faltando;</a:t>
-            </a:r>
-          </a:p>
-          <a:p>
-            <a:pPr lvl="2"/>
-            <a:r>
-              <a:rPr lang="pt-BR" sz="1900" dirty="0">
+              <a:rPr lang="pt-BR" sz="2400" b="1" dirty="0"/>
+              <a:t>Exportar: </a:t>
+            </a:r>
+            <a:r>
+              <a:rPr lang="pt-BR" sz="2400" dirty="0"/>
+              <a:t>o usuário deverá montar uma cena, para então ir a aba </a:t>
+            </a:r>
+            <a:r>
+              <a:rPr lang="pt-BR" sz="2400" dirty="0">
                 <a:latin typeface="Courier New" panose="02070309020205020404" pitchFamily="49" charset="0"/>
                 <a:cs typeface="Courier New" panose="02070309020205020404" pitchFamily="49" charset="0"/>
               </a:rPr>
-              <a:t>Verifique se as propriedades mencionadas no enunciado foram alteradas corretamente.</a:t>
+              <a:t>Arquivo</a:t>
+            </a:r>
+            <a:r>
+              <a:rPr lang="pt-BR" sz="2400" dirty="0"/>
+              <a:t> e clicar no botão </a:t>
+            </a:r>
+            <a:r>
+              <a:rPr lang="pt-BR" sz="2400" dirty="0">
+                <a:latin typeface="Courier New" panose="02070309020205020404" pitchFamily="49" charset="0"/>
+                <a:cs typeface="Courier New" panose="02070309020205020404" pitchFamily="49" charset="0"/>
+              </a:rPr>
+              <a:t>Exportar</a:t>
+            </a:r>
+            <a:r>
+              <a:rPr lang="pt-BR" sz="2400" dirty="0"/>
+              <a:t>. Na caixa de texto aparecerá a cena em formato JSON, que foi construída com o auxílio da biblioteca </a:t>
+            </a:r>
+            <a:r>
+              <a:rPr lang="pt-BR" sz="2400" dirty="0" err="1"/>
+              <a:t>SimpleJSON</a:t>
+            </a:r>
+            <a:r>
+              <a:rPr lang="pt-BR" sz="2400" dirty="0"/>
+              <a:t>. O objeto da cena é composto por outros objetos, cada um contento chave e objeto com propriedades e valores. A chave de cada um é o nome da peça e as propriedades e valores são as propriedades que o usuário pode editar durante execução do GRADE;</a:t>
             </a:r>
           </a:p>
         </p:txBody>
@@ -10003,7 +10061,7 @@
     </p:spTree>
     <p:extLst>
       <p:ext uri="{BB962C8B-B14F-4D97-AF65-F5344CB8AC3E}">
-        <p14:creationId xmlns:p14="http://schemas.microsoft.com/office/powerpoint/2010/main" val="1163447314"/>
+        <p14:creationId xmlns:p14="http://schemas.microsoft.com/office/powerpoint/2010/main" val="104789569"/>
       </p:ext>
     </p:extLst>
   </p:cSld>
@@ -10089,134 +10147,6 @@
             <a:pPr lvl="1"/>
             <a:r>
               <a:rPr lang="pt-BR" sz="2400" b="1" dirty="0"/>
-              <a:t>Exportar: </a:t>
-            </a:r>
-            <a:r>
-              <a:rPr lang="pt-BR" sz="2400" dirty="0"/>
-              <a:t>o usuário deverá montar uma cena, para então ir a aba </a:t>
-            </a:r>
-            <a:r>
-              <a:rPr lang="pt-BR" sz="2400" dirty="0">
-                <a:latin typeface="Courier New" panose="02070309020205020404" pitchFamily="49" charset="0"/>
-                <a:cs typeface="Courier New" panose="02070309020205020404" pitchFamily="49" charset="0"/>
-              </a:rPr>
-              <a:t>Arquivo</a:t>
-            </a:r>
-            <a:r>
-              <a:rPr lang="pt-BR" sz="2400" dirty="0"/>
-              <a:t> e clicar no botão </a:t>
-            </a:r>
-            <a:r>
-              <a:rPr lang="pt-BR" sz="2400" dirty="0">
-                <a:latin typeface="Courier New" panose="02070309020205020404" pitchFamily="49" charset="0"/>
-                <a:cs typeface="Courier New" panose="02070309020205020404" pitchFamily="49" charset="0"/>
-              </a:rPr>
-              <a:t>Exportar</a:t>
-            </a:r>
-            <a:r>
-              <a:rPr lang="pt-BR" sz="2400" dirty="0"/>
-              <a:t>. Na caixa de texto aparecerá a cena em formato JSON, que foi construída com o auxílio da biblioteca </a:t>
-            </a:r>
-            <a:r>
-              <a:rPr lang="pt-BR" sz="2400" dirty="0" err="1"/>
-              <a:t>SimpleJSON</a:t>
-            </a:r>
-            <a:r>
-              <a:rPr lang="pt-BR" sz="2400" dirty="0"/>
-              <a:t>. O objeto da cena é composto por outros objetos, cada um contento chave e objeto com propriedades e valores. A chave de cada um é o nome da peça e as propriedades e valores são as propriedades que o usuário pode editar durante execução do GRADE;</a:t>
-            </a:r>
-          </a:p>
-        </p:txBody>
-      </p:sp>
-    </p:spTree>
-    <p:extLst>
-      <p:ext uri="{BB962C8B-B14F-4D97-AF65-F5344CB8AC3E}">
-        <p14:creationId xmlns:p14="http://schemas.microsoft.com/office/powerpoint/2010/main" val="104789569"/>
-      </p:ext>
-    </p:extLst>
-  </p:cSld>
-  <p:clrMapOvr>
-    <a:masterClrMapping/>
-  </p:clrMapOvr>
-</p:sld>
-</file>
-
-<file path=ppt/slides/slide24.xml><?xml version="1.0" encoding="utf-8"?>
-<p:sld xmlns:a="http://schemas.openxmlformats.org/drawingml/2006/main" xmlns:r="http://schemas.openxmlformats.org/officeDocument/2006/relationships" xmlns:p="http://schemas.openxmlformats.org/presentationml/2006/main">
-  <p:cSld>
-    <p:spTree>
-      <p:nvGrpSpPr>
-        <p:cNvPr id="1" name=""/>
-        <p:cNvGrpSpPr/>
-        <p:nvPr/>
-      </p:nvGrpSpPr>
-      <p:grpSpPr>
-        <a:xfrm>
-          <a:off x="0" y="0"/>
-          <a:ext cx="0" cy="0"/>
-          <a:chOff x="0" y="0"/>
-          <a:chExt cx="0" cy="0"/>
-        </a:xfrm>
-      </p:grpSpPr>
-      <p:sp>
-        <p:nvSpPr>
-          <p:cNvPr id="2" name="Título 1"/>
-          <p:cNvSpPr>
-            <a:spLocks noGrp="1"/>
-          </p:cNvSpPr>
-          <p:nvPr>
-            <p:ph type="title"/>
-          </p:nvPr>
-        </p:nvSpPr>
-        <p:spPr/>
-        <p:txBody>
-          <a:bodyPr/>
-          <a:lstStyle/>
-          <a:p>
-            <a:r>
-              <a:rPr lang="pt-BR" dirty="0"/>
-              <a:t>Implementação</a:t>
-            </a:r>
-          </a:p>
-        </p:txBody>
-      </p:sp>
-      <p:sp>
-        <p:nvSpPr>
-          <p:cNvPr id="4" name="Espaço Reservado para Conteúdo 3">
-            <a:extLst>
-              <a:ext uri="{FF2B5EF4-FFF2-40B4-BE49-F238E27FC236}">
-                <a16:creationId xmlns:a16="http://schemas.microsoft.com/office/drawing/2014/main" id="{946B77BC-E3F7-B971-2E3E-E964319A3C7A}"/>
-              </a:ext>
-            </a:extLst>
-          </p:cNvPr>
-          <p:cNvSpPr>
-            <a:spLocks noGrp="1"/>
-          </p:cNvSpPr>
-          <p:nvPr>
-            <p:ph idx="1"/>
-          </p:nvPr>
-        </p:nvSpPr>
-        <p:spPr>
-          <a:xfrm>
-            <a:off x="457200" y="1269195"/>
-            <a:ext cx="8229600" cy="4680520"/>
-          </a:xfrm>
-        </p:spPr>
-        <p:txBody>
-          <a:bodyPr>
-            <a:normAutofit/>
-          </a:bodyPr>
-          <a:lstStyle/>
-          <a:p>
-            <a:r>
-              <a:rPr lang="pt-BR" sz="2800" b="1" dirty="0"/>
-              <a:t>Importação/Exportação de cena:</a:t>
-            </a:r>
-          </a:p>
-          <a:p>
-            <a:pPr lvl="1"/>
-            <a:r>
-              <a:rPr lang="pt-BR" sz="2400" b="1" dirty="0"/>
               <a:t>Importar: </a:t>
             </a:r>
             <a:r>
@@ -10261,7 +10191,7 @@
 </p:sld>
 </file>
 
-<file path=ppt/slides/slide25.xml><?xml version="1.0" encoding="utf-8"?>
+<file path=ppt/slides/slide24.xml><?xml version="1.0" encoding="utf-8"?>
 <p:sld xmlns:a="http://schemas.openxmlformats.org/drawingml/2006/main" xmlns:r="http://schemas.openxmlformats.org/officeDocument/2006/relationships" xmlns:p="http://schemas.openxmlformats.org/presentationml/2006/main">
   <p:cSld>
     <p:spTree>
@@ -12355,7 +12285,7 @@
 </p:sld>
 </file>
 
-<file path=ppt/slides/slide26.xml><?xml version="1.0" encoding="utf-8"?>
+<file path=ppt/slides/slide25.xml><?xml version="1.0" encoding="utf-8"?>
 <p:sld xmlns:a="http://schemas.openxmlformats.org/drawingml/2006/main" xmlns:r="http://schemas.openxmlformats.org/officeDocument/2006/relationships" xmlns:p="http://schemas.openxmlformats.org/presentationml/2006/main">
   <p:cSld>
     <p:spTree>
@@ -12725,7 +12655,7 @@
 </p:sld>
 </file>
 
-<file path=ppt/slides/slide27.xml><?xml version="1.0" encoding="utf-8"?>
+<file path=ppt/slides/slide26.xml><?xml version="1.0" encoding="utf-8"?>
 <p:sld xmlns:a="http://schemas.openxmlformats.org/drawingml/2006/main" xmlns:r="http://schemas.openxmlformats.org/officeDocument/2006/relationships" xmlns:p="http://schemas.openxmlformats.org/presentationml/2006/main">
   <p:cSld>
     <p:spTree>
@@ -12781,19 +12711,19 @@
           <a:p>
             <a:r>
               <a:rPr lang="pt-BR" dirty="0"/>
-              <a:t>(Demonstrar os principais resultados e discussões do trabalho)</a:t>
+              <a:t>Testes de funcionalidade saíram conforme esperado;</a:t>
             </a:r>
           </a:p>
           <a:p>
             <a:r>
               <a:rPr lang="pt-BR" dirty="0"/>
-              <a:t>(Apresentar sua comparação com os correlatos)</a:t>
+              <a:t>Analisando as respostas obtidas pelo questionário, grande maioria conseguiu usar a ferramenta e acredita que ela seja muito útil no aprendizado de CG;</a:t>
             </a:r>
           </a:p>
           <a:p>
             <a:r>
               <a:rPr lang="pt-BR" dirty="0"/>
-              <a:t>(Tempo estimado – 4 minutos)</a:t>
+              <a:t>Diversos pontos positivos e negativos foram apontados pelos alunos, além de sugestões.</a:t>
             </a:r>
           </a:p>
           <a:p>
@@ -12805,6 +12735,1193 @@
     <p:extLst>
       <p:ext uri="{BB962C8B-B14F-4D97-AF65-F5344CB8AC3E}">
         <p14:creationId xmlns:p14="http://schemas.microsoft.com/office/powerpoint/2010/main" val="3487219581"/>
+      </p:ext>
+    </p:extLst>
+  </p:cSld>
+  <p:clrMapOvr>
+    <a:masterClrMapping/>
+  </p:clrMapOvr>
+</p:sld>
+</file>
+
+<file path=ppt/slides/slide27.xml><?xml version="1.0" encoding="utf-8"?>
+<p:sld xmlns:a="http://schemas.openxmlformats.org/drawingml/2006/main" xmlns:r="http://schemas.openxmlformats.org/officeDocument/2006/relationships" xmlns:p="http://schemas.openxmlformats.org/presentationml/2006/main">
+  <p:cSld>
+    <p:spTree>
+      <p:nvGrpSpPr>
+        <p:cNvPr id="1" name=""/>
+        <p:cNvGrpSpPr/>
+        <p:nvPr/>
+      </p:nvGrpSpPr>
+      <p:grpSpPr>
+        <a:xfrm>
+          <a:off x="0" y="0"/>
+          <a:ext cx="0" cy="0"/>
+          <a:chOff x="0" y="0"/>
+          <a:chExt cx="0" cy="0"/>
+        </a:xfrm>
+      </p:grpSpPr>
+      <p:graphicFrame>
+        <p:nvGraphicFramePr>
+          <p:cNvPr id="6" name="Espaço Reservado para Conteúdo 5">
+            <a:extLst>
+              <a:ext uri="{FF2B5EF4-FFF2-40B4-BE49-F238E27FC236}">
+                <a16:creationId xmlns:a16="http://schemas.microsoft.com/office/drawing/2014/main" id="{CBBFB4D4-D746-B49C-C0A3-0B23F64BCC23}"/>
+              </a:ext>
+            </a:extLst>
+          </p:cNvPr>
+          <p:cNvGraphicFramePr>
+            <a:graphicFrameLocks noGrp="1"/>
+          </p:cNvGraphicFramePr>
+          <p:nvPr>
+            <p:ph idx="1"/>
+            <p:extLst>
+              <p:ext uri="{D42A27DB-BD31-4B8C-83A1-F6EECF244321}">
+                <p14:modId xmlns:p14="http://schemas.microsoft.com/office/powerpoint/2010/main" val="3529793249"/>
+              </p:ext>
+            </p:extLst>
+          </p:nvPr>
+        </p:nvGraphicFramePr>
+        <p:xfrm>
+          <a:off x="298053" y="706892"/>
+          <a:ext cx="8547894" cy="5203785"/>
+        </p:xfrm>
+        <a:graphic>
+          <a:graphicData uri="http://schemas.openxmlformats.org/drawingml/2006/table">
+            <a:tbl>
+              <a:tblPr firstRow="1" bandRow="1">
+                <a:tableStyleId>{5C22544A-7EE6-4342-B048-85BDC9FD1C3A}</a:tableStyleId>
+              </a:tblPr>
+              <a:tblGrid>
+                <a:gridCol w="6866235">
+                  <a:extLst>
+                    <a:ext uri="{9D8B030D-6E8A-4147-A177-3AD203B41FA5}">
+                      <a16:colId xmlns:a16="http://schemas.microsoft.com/office/drawing/2014/main" val="1187543192"/>
+                    </a:ext>
+                  </a:extLst>
+                </a:gridCol>
+                <a:gridCol w="1681659">
+                  <a:extLst>
+                    <a:ext uri="{9D8B030D-6E8A-4147-A177-3AD203B41FA5}">
+                      <a16:colId xmlns:a16="http://schemas.microsoft.com/office/drawing/2014/main" val="496581804"/>
+                    </a:ext>
+                  </a:extLst>
+                </a:gridCol>
+              </a:tblGrid>
+              <a:tr h="281895">
+                <a:tc>
+                  <a:txBody>
+                    <a:bodyPr/>
+                    <a:lstStyle/>
+                    <a:p>
+                      <a:r>
+                        <a:rPr lang="pt-BR" sz="1600" dirty="0">
+                          <a:solidFill>
+                            <a:schemeClr val="tx1"/>
+                          </a:solidFill>
+                          <a:effectLst/>
+                          <a:latin typeface="+mn-lt"/>
+                          <a:ea typeface="Times New Roman" panose="02020603050405020304" pitchFamily="18" charset="0"/>
+                        </a:rPr>
+                        <a:t>Palavras-chave/termos usados para descrever a aplicação</a:t>
+                      </a:r>
+                    </a:p>
+                  </a:txBody>
+                  <a:tcPr marL="44450" marR="44450" marT="0" marB="0"/>
+                </a:tc>
+                <a:tc>
+                  <a:txBody>
+                    <a:bodyPr/>
+                    <a:lstStyle/>
+                    <a:p>
+                      <a:r>
+                        <a:rPr lang="pt-BR" sz="1600" dirty="0">
+                          <a:solidFill>
+                            <a:schemeClr val="tx1"/>
+                          </a:solidFill>
+                          <a:effectLst/>
+                          <a:latin typeface="+mn-lt"/>
+                          <a:ea typeface="Times New Roman" panose="02020603050405020304" pitchFamily="18" charset="0"/>
+                        </a:rPr>
+                        <a:t>Quantidade de ocorrências</a:t>
+                      </a:r>
+                    </a:p>
+                  </a:txBody>
+                  <a:tcPr marL="44450" marR="44450" marT="0" marB="0"/>
+                </a:tc>
+                <a:extLst>
+                  <a:ext uri="{0D108BD9-81ED-4DB2-BD59-A6C34878D82A}">
+                    <a16:rowId xmlns:a16="http://schemas.microsoft.com/office/drawing/2014/main" val="1271038560"/>
+                  </a:ext>
+                </a:extLst>
+              </a:tr>
+              <a:tr h="281895">
+                <a:tc>
+                  <a:txBody>
+                    <a:bodyPr/>
+                    <a:lstStyle/>
+                    <a:p>
+                      <a:r>
+                        <a:rPr lang="pt-BR" sz="1600" dirty="0">
+                          <a:effectLst/>
+                          <a:latin typeface="+mn-lt"/>
+                          <a:ea typeface="Times New Roman" panose="02020603050405020304" pitchFamily="18" charset="0"/>
+                        </a:rPr>
+                        <a:t>Fácil/simples/prática de usar</a:t>
+                      </a:r>
+                    </a:p>
+                  </a:txBody>
+                  <a:tcPr marL="44450" marR="44450" marT="0" marB="0"/>
+                </a:tc>
+                <a:tc>
+                  <a:txBody>
+                    <a:bodyPr/>
+                    <a:lstStyle/>
+                    <a:p>
+                      <a:r>
+                        <a:rPr lang="pt-BR" sz="1600" dirty="0">
+                          <a:effectLst/>
+                          <a:latin typeface="+mn-lt"/>
+                          <a:ea typeface="Times New Roman" panose="02020603050405020304" pitchFamily="18" charset="0"/>
+                        </a:rPr>
+                        <a:t>10</a:t>
+                      </a:r>
+                    </a:p>
+                  </a:txBody>
+                  <a:tcPr marL="44450" marR="44450" marT="0" marB="0"/>
+                </a:tc>
+                <a:extLst>
+                  <a:ext uri="{0D108BD9-81ED-4DB2-BD59-A6C34878D82A}">
+                    <a16:rowId xmlns:a16="http://schemas.microsoft.com/office/drawing/2014/main" val="106688932"/>
+                  </a:ext>
+                </a:extLst>
+              </a:tr>
+              <a:tr h="281895">
+                <a:tc>
+                  <a:txBody>
+                    <a:bodyPr/>
+                    <a:lstStyle/>
+                    <a:p>
+                      <a:r>
+                        <a:rPr lang="pt-BR" sz="1600">
+                          <a:effectLst/>
+                          <a:latin typeface="+mn-lt"/>
+                          <a:ea typeface="Times New Roman" panose="02020603050405020304" pitchFamily="18" charset="0"/>
+                        </a:rPr>
+                        <a:t>Facilitou no entendimento/aprendizado dos assuntos abordados em aula</a:t>
+                      </a:r>
+                    </a:p>
+                  </a:txBody>
+                  <a:tcPr marL="44450" marR="44450" marT="0" marB="0"/>
+                </a:tc>
+                <a:tc>
+                  <a:txBody>
+                    <a:bodyPr/>
+                    <a:lstStyle/>
+                    <a:p>
+                      <a:r>
+                        <a:rPr lang="pt-BR" sz="1600">
+                          <a:effectLst/>
+                          <a:latin typeface="+mn-lt"/>
+                          <a:ea typeface="Times New Roman" panose="02020603050405020304" pitchFamily="18" charset="0"/>
+                        </a:rPr>
+                        <a:t>10</a:t>
+                      </a:r>
+                    </a:p>
+                  </a:txBody>
+                  <a:tcPr marL="44450" marR="44450" marT="0" marB="0"/>
+                </a:tc>
+                <a:extLst>
+                  <a:ext uri="{0D108BD9-81ED-4DB2-BD59-A6C34878D82A}">
+                    <a16:rowId xmlns:a16="http://schemas.microsoft.com/office/drawing/2014/main" val="3409233710"/>
+                  </a:ext>
+                </a:extLst>
+              </a:tr>
+              <a:tr h="281895">
+                <a:tc>
+                  <a:txBody>
+                    <a:bodyPr/>
+                    <a:lstStyle/>
+                    <a:p>
+                      <a:r>
+                        <a:rPr lang="pt-BR" sz="1600">
+                          <a:effectLst/>
+                          <a:latin typeface="+mn-lt"/>
+                          <a:ea typeface="Times New Roman" panose="02020603050405020304" pitchFamily="18" charset="0"/>
+                        </a:rPr>
+                        <a:t>Intuitiva/fácil de entender</a:t>
+                      </a:r>
+                    </a:p>
+                  </a:txBody>
+                  <a:tcPr marL="44450" marR="44450" marT="0" marB="0"/>
+                </a:tc>
+                <a:tc>
+                  <a:txBody>
+                    <a:bodyPr/>
+                    <a:lstStyle/>
+                    <a:p>
+                      <a:r>
+                        <a:rPr lang="pt-BR" sz="1600" dirty="0">
+                          <a:effectLst/>
+                          <a:latin typeface="+mn-lt"/>
+                          <a:ea typeface="Times New Roman" panose="02020603050405020304" pitchFamily="18" charset="0"/>
+                        </a:rPr>
+                        <a:t>9</a:t>
+                      </a:r>
+                    </a:p>
+                  </a:txBody>
+                  <a:tcPr marL="44450" marR="44450" marT="0" marB="0"/>
+                </a:tc>
+                <a:extLst>
+                  <a:ext uri="{0D108BD9-81ED-4DB2-BD59-A6C34878D82A}">
+                    <a16:rowId xmlns:a16="http://schemas.microsoft.com/office/drawing/2014/main" val="1540037769"/>
+                  </a:ext>
+                </a:extLst>
+              </a:tr>
+              <a:tr h="281895">
+                <a:tc>
+                  <a:txBody>
+                    <a:bodyPr/>
+                    <a:lstStyle/>
+                    <a:p>
+                      <a:r>
+                        <a:rPr lang="pt-BR" sz="1600">
+                          <a:effectLst/>
+                          <a:latin typeface="+mn-lt"/>
+                          <a:ea typeface="Times New Roman" panose="02020603050405020304" pitchFamily="18" charset="0"/>
+                        </a:rPr>
+                        <a:t>Visualização 3d/ apoio visual ajuda a entender/visualização da cena</a:t>
+                      </a:r>
+                    </a:p>
+                  </a:txBody>
+                  <a:tcPr marL="44450" marR="44450" marT="0" marB="0"/>
+                </a:tc>
+                <a:tc>
+                  <a:txBody>
+                    <a:bodyPr/>
+                    <a:lstStyle/>
+                    <a:p>
+                      <a:r>
+                        <a:rPr lang="pt-BR" sz="1600">
+                          <a:effectLst/>
+                          <a:latin typeface="+mn-lt"/>
+                          <a:ea typeface="Times New Roman" panose="02020603050405020304" pitchFamily="18" charset="0"/>
+                        </a:rPr>
+                        <a:t>8</a:t>
+                      </a:r>
+                    </a:p>
+                  </a:txBody>
+                  <a:tcPr marL="44450" marR="44450" marT="0" marB="0"/>
+                </a:tc>
+                <a:extLst>
+                  <a:ext uri="{0D108BD9-81ED-4DB2-BD59-A6C34878D82A}">
+                    <a16:rowId xmlns:a16="http://schemas.microsoft.com/office/drawing/2014/main" val="2488952256"/>
+                  </a:ext>
+                </a:extLst>
+              </a:tr>
+              <a:tr h="281895">
+                <a:tc>
+                  <a:txBody>
+                    <a:bodyPr/>
+                    <a:lstStyle/>
+                    <a:p>
+                      <a:r>
+                        <a:rPr lang="pt-BR" sz="1600">
+                          <a:effectLst/>
+                          <a:latin typeface="+mn-lt"/>
+                          <a:ea typeface="Times New Roman" panose="02020603050405020304" pitchFamily="18" charset="0"/>
+                        </a:rPr>
+                        <a:t>Scracth/sketch/</a:t>
+                      </a:r>
+                      <a:r>
+                        <a:rPr lang="pt-BR" sz="1600" i="1">
+                          <a:effectLst/>
+                          <a:latin typeface="+mn-lt"/>
+                          <a:ea typeface="Times New Roman" panose="02020603050405020304" pitchFamily="18" charset="0"/>
+                        </a:rPr>
+                        <a:t>drag-drop </a:t>
+                      </a:r>
+                      <a:r>
+                        <a:rPr lang="pt-BR" sz="1600">
+                          <a:effectLst/>
+                          <a:latin typeface="+mn-lt"/>
+                          <a:ea typeface="Times New Roman" panose="02020603050405020304" pitchFamily="18" charset="0"/>
+                        </a:rPr>
+                        <a:t>das peças/interação com a cena</a:t>
+                      </a:r>
+                    </a:p>
+                  </a:txBody>
+                  <a:tcPr marL="44450" marR="44450" marT="0" marB="0"/>
+                </a:tc>
+                <a:tc>
+                  <a:txBody>
+                    <a:bodyPr/>
+                    <a:lstStyle/>
+                    <a:p>
+                      <a:r>
+                        <a:rPr lang="pt-BR" sz="1600" dirty="0">
+                          <a:effectLst/>
+                          <a:latin typeface="+mn-lt"/>
+                          <a:ea typeface="Times New Roman" panose="02020603050405020304" pitchFamily="18" charset="0"/>
+                        </a:rPr>
+                        <a:t>6</a:t>
+                      </a:r>
+                    </a:p>
+                  </a:txBody>
+                  <a:tcPr marL="44450" marR="44450" marT="0" marB="0"/>
+                </a:tc>
+                <a:extLst>
+                  <a:ext uri="{0D108BD9-81ED-4DB2-BD59-A6C34878D82A}">
+                    <a16:rowId xmlns:a16="http://schemas.microsoft.com/office/drawing/2014/main" val="2295219587"/>
+                  </a:ext>
+                </a:extLst>
+              </a:tr>
+              <a:tr h="281895">
+                <a:tc>
+                  <a:txBody>
+                    <a:bodyPr/>
+                    <a:lstStyle/>
+                    <a:p>
+                      <a:r>
+                        <a:rPr lang="pt-BR" sz="1600">
+                          <a:effectLst/>
+                          <a:latin typeface="+mn-lt"/>
+                          <a:ea typeface="Times New Roman" panose="02020603050405020304" pitchFamily="18" charset="0"/>
+                        </a:rPr>
+                        <a:t>Educativa/didática</a:t>
+                      </a:r>
+                    </a:p>
+                  </a:txBody>
+                  <a:tcPr marL="44450" marR="44450" marT="0" marB="0"/>
+                </a:tc>
+                <a:tc>
+                  <a:txBody>
+                    <a:bodyPr/>
+                    <a:lstStyle/>
+                    <a:p>
+                      <a:r>
+                        <a:rPr lang="pt-BR" sz="1600">
+                          <a:effectLst/>
+                          <a:latin typeface="+mn-lt"/>
+                          <a:ea typeface="Times New Roman" panose="02020603050405020304" pitchFamily="18" charset="0"/>
+                        </a:rPr>
+                        <a:t>4</a:t>
+                      </a:r>
+                    </a:p>
+                  </a:txBody>
+                  <a:tcPr marL="44450" marR="44450" marT="0" marB="0"/>
+                </a:tc>
+                <a:extLst>
+                  <a:ext uri="{0D108BD9-81ED-4DB2-BD59-A6C34878D82A}">
+                    <a16:rowId xmlns:a16="http://schemas.microsoft.com/office/drawing/2014/main" val="1214782484"/>
+                  </a:ext>
+                </a:extLst>
+              </a:tr>
+              <a:tr h="281895">
+                <a:tc>
+                  <a:txBody>
+                    <a:bodyPr/>
+                    <a:lstStyle/>
+                    <a:p>
+                      <a:r>
+                        <a:rPr lang="pt-BR" sz="1600" dirty="0">
+                          <a:effectLst/>
+                          <a:latin typeface="+mn-lt"/>
+                          <a:ea typeface="Times New Roman" panose="02020603050405020304" pitchFamily="18" charset="0"/>
+                        </a:rPr>
+                        <a:t>Exercícios bons para fixação de conteúdo/exercícios interessantes e correspondem ao assunto de cg </a:t>
+                      </a:r>
+                    </a:p>
+                  </a:txBody>
+                  <a:tcPr marL="44450" marR="44450" marT="0" marB="0"/>
+                </a:tc>
+                <a:tc>
+                  <a:txBody>
+                    <a:bodyPr/>
+                    <a:lstStyle/>
+                    <a:p>
+                      <a:r>
+                        <a:rPr lang="pt-BR" sz="1600">
+                          <a:effectLst/>
+                          <a:latin typeface="+mn-lt"/>
+                          <a:ea typeface="Times New Roman" panose="02020603050405020304" pitchFamily="18" charset="0"/>
+                        </a:rPr>
+                        <a:t>2</a:t>
+                      </a:r>
+                    </a:p>
+                  </a:txBody>
+                  <a:tcPr marL="44450" marR="44450" marT="0" marB="0"/>
+                </a:tc>
+                <a:extLst>
+                  <a:ext uri="{0D108BD9-81ED-4DB2-BD59-A6C34878D82A}">
+                    <a16:rowId xmlns:a16="http://schemas.microsoft.com/office/drawing/2014/main" val="369046488"/>
+                  </a:ext>
+                </a:extLst>
+              </a:tr>
+              <a:tr h="281895">
+                <a:tc>
+                  <a:txBody>
+                    <a:bodyPr/>
+                    <a:lstStyle/>
+                    <a:p>
+                      <a:r>
+                        <a:rPr lang="pt-BR" sz="1600">
+                          <a:effectLst/>
+                          <a:latin typeface="+mn-lt"/>
+                          <a:ea typeface="Times New Roman" panose="02020603050405020304" pitchFamily="18" charset="0"/>
+                        </a:rPr>
+                        <a:t>Web</a:t>
+                      </a:r>
+                    </a:p>
+                  </a:txBody>
+                  <a:tcPr marL="44450" marR="44450" marT="0" marB="0"/>
+                </a:tc>
+                <a:tc>
+                  <a:txBody>
+                    <a:bodyPr/>
+                    <a:lstStyle/>
+                    <a:p>
+                      <a:r>
+                        <a:rPr lang="pt-BR" sz="1600">
+                          <a:effectLst/>
+                          <a:latin typeface="+mn-lt"/>
+                          <a:ea typeface="Times New Roman" panose="02020603050405020304" pitchFamily="18" charset="0"/>
+                        </a:rPr>
+                        <a:t>2</a:t>
+                      </a:r>
+                    </a:p>
+                  </a:txBody>
+                  <a:tcPr marL="44450" marR="44450" marT="0" marB="0"/>
+                </a:tc>
+                <a:extLst>
+                  <a:ext uri="{0D108BD9-81ED-4DB2-BD59-A6C34878D82A}">
+                    <a16:rowId xmlns:a16="http://schemas.microsoft.com/office/drawing/2014/main" val="2737439202"/>
+                  </a:ext>
+                </a:extLst>
+              </a:tr>
+              <a:tr h="281895">
+                <a:tc>
+                  <a:txBody>
+                    <a:bodyPr/>
+                    <a:lstStyle/>
+                    <a:p>
+                      <a:r>
+                        <a:rPr lang="pt-BR" sz="1600">
+                          <a:effectLst/>
+                          <a:latin typeface="+mn-lt"/>
+                          <a:ea typeface="Times New Roman" panose="02020603050405020304" pitchFamily="18" charset="0"/>
+                        </a:rPr>
+                        <a:t>Tutorial ajuda muito</a:t>
+                      </a:r>
+                    </a:p>
+                  </a:txBody>
+                  <a:tcPr marL="44450" marR="44450" marT="0" marB="0"/>
+                </a:tc>
+                <a:tc>
+                  <a:txBody>
+                    <a:bodyPr/>
+                    <a:lstStyle/>
+                    <a:p>
+                      <a:r>
+                        <a:rPr lang="pt-BR" sz="1600">
+                          <a:effectLst/>
+                          <a:latin typeface="+mn-lt"/>
+                          <a:ea typeface="Times New Roman" panose="02020603050405020304" pitchFamily="18" charset="0"/>
+                        </a:rPr>
+                        <a:t>2</a:t>
+                      </a:r>
+                    </a:p>
+                  </a:txBody>
+                  <a:tcPr marL="44450" marR="44450" marT="0" marB="0"/>
+                </a:tc>
+                <a:extLst>
+                  <a:ext uri="{0D108BD9-81ED-4DB2-BD59-A6C34878D82A}">
+                    <a16:rowId xmlns:a16="http://schemas.microsoft.com/office/drawing/2014/main" val="728122656"/>
+                  </a:ext>
+                </a:extLst>
+              </a:tr>
+              <a:tr h="281895">
+                <a:tc>
+                  <a:txBody>
+                    <a:bodyPr/>
+                    <a:lstStyle/>
+                    <a:p>
+                      <a:r>
+                        <a:rPr lang="pt-BR" sz="1600">
+                          <a:effectLst/>
+                          <a:latin typeface="+mn-lt"/>
+                          <a:ea typeface="Times New Roman" panose="02020603050405020304" pitchFamily="18" charset="0"/>
+                        </a:rPr>
+                        <a:t>Divertido</a:t>
+                      </a:r>
+                    </a:p>
+                  </a:txBody>
+                  <a:tcPr marL="44450" marR="44450" marT="0" marB="0"/>
+                </a:tc>
+                <a:tc>
+                  <a:txBody>
+                    <a:bodyPr/>
+                    <a:lstStyle/>
+                    <a:p>
+                      <a:r>
+                        <a:rPr lang="pt-BR" sz="1600">
+                          <a:effectLst/>
+                          <a:latin typeface="+mn-lt"/>
+                          <a:ea typeface="Times New Roman" panose="02020603050405020304" pitchFamily="18" charset="0"/>
+                        </a:rPr>
+                        <a:t>2</a:t>
+                      </a:r>
+                    </a:p>
+                  </a:txBody>
+                  <a:tcPr marL="44450" marR="44450" marT="0" marB="0"/>
+                </a:tc>
+                <a:extLst>
+                  <a:ext uri="{0D108BD9-81ED-4DB2-BD59-A6C34878D82A}">
+                    <a16:rowId xmlns:a16="http://schemas.microsoft.com/office/drawing/2014/main" val="3911085223"/>
+                  </a:ext>
+                </a:extLst>
+              </a:tr>
+              <a:tr h="281895">
+                <a:tc>
+                  <a:txBody>
+                    <a:bodyPr/>
+                    <a:lstStyle/>
+                    <a:p>
+                      <a:r>
+                        <a:rPr lang="pt-BR" sz="1600">
+                          <a:effectLst/>
+                          <a:latin typeface="+mn-lt"/>
+                          <a:ea typeface="Times New Roman" panose="02020603050405020304" pitchFamily="18" charset="0"/>
+                        </a:rPr>
+                        <a:t>Rápida</a:t>
+                      </a:r>
+                    </a:p>
+                  </a:txBody>
+                  <a:tcPr marL="44450" marR="44450" marT="0" marB="0"/>
+                </a:tc>
+                <a:tc>
+                  <a:txBody>
+                    <a:bodyPr/>
+                    <a:lstStyle/>
+                    <a:p>
+                      <a:r>
+                        <a:rPr lang="pt-BR" sz="1600">
+                          <a:effectLst/>
+                          <a:latin typeface="+mn-lt"/>
+                          <a:ea typeface="Times New Roman" panose="02020603050405020304" pitchFamily="18" charset="0"/>
+                        </a:rPr>
+                        <a:t>2</a:t>
+                      </a:r>
+                    </a:p>
+                  </a:txBody>
+                  <a:tcPr marL="44450" marR="44450" marT="0" marB="0"/>
+                </a:tc>
+                <a:extLst>
+                  <a:ext uri="{0D108BD9-81ED-4DB2-BD59-A6C34878D82A}">
+                    <a16:rowId xmlns:a16="http://schemas.microsoft.com/office/drawing/2014/main" val="3225436298"/>
+                  </a:ext>
+                </a:extLst>
+              </a:tr>
+              <a:tr h="281895">
+                <a:tc>
+                  <a:txBody>
+                    <a:bodyPr/>
+                    <a:lstStyle/>
+                    <a:p>
+                      <a:r>
+                        <a:rPr lang="pt-BR" sz="1600">
+                          <a:effectLst/>
+                          <a:latin typeface="+mn-lt"/>
+                          <a:ea typeface="Times New Roman" panose="02020603050405020304" pitchFamily="18" charset="0"/>
+                        </a:rPr>
+                        <a:t>Interessante </a:t>
+                      </a:r>
+                    </a:p>
+                  </a:txBody>
+                  <a:tcPr marL="44450" marR="44450" marT="0" marB="0"/>
+                </a:tc>
+                <a:tc>
+                  <a:txBody>
+                    <a:bodyPr/>
+                    <a:lstStyle/>
+                    <a:p>
+                      <a:r>
+                        <a:rPr lang="pt-BR" sz="1600">
+                          <a:effectLst/>
+                          <a:latin typeface="+mn-lt"/>
+                          <a:ea typeface="Times New Roman" panose="02020603050405020304" pitchFamily="18" charset="0"/>
+                        </a:rPr>
+                        <a:t>2</a:t>
+                      </a:r>
+                    </a:p>
+                  </a:txBody>
+                  <a:tcPr marL="44450" marR="44450" marT="0" marB="0"/>
+                </a:tc>
+                <a:extLst>
+                  <a:ext uri="{0D108BD9-81ED-4DB2-BD59-A6C34878D82A}">
+                    <a16:rowId xmlns:a16="http://schemas.microsoft.com/office/drawing/2014/main" val="495948199"/>
+                  </a:ext>
+                </a:extLst>
+              </a:tr>
+              <a:tr h="281895">
+                <a:tc>
+                  <a:txBody>
+                    <a:bodyPr/>
+                    <a:lstStyle/>
+                    <a:p>
+                      <a:r>
+                        <a:rPr lang="pt-BR" sz="1600">
+                          <a:effectLst/>
+                          <a:latin typeface="+mn-lt"/>
+                          <a:ea typeface="Times New Roman" panose="02020603050405020304" pitchFamily="18" charset="0"/>
+                        </a:rPr>
+                        <a:t>Funcional</a:t>
+                      </a:r>
+                    </a:p>
+                  </a:txBody>
+                  <a:tcPr marL="44450" marR="44450" marT="0" marB="0"/>
+                </a:tc>
+                <a:tc>
+                  <a:txBody>
+                    <a:bodyPr/>
+                    <a:lstStyle/>
+                    <a:p>
+                      <a:r>
+                        <a:rPr lang="pt-BR" sz="1600">
+                          <a:effectLst/>
+                          <a:latin typeface="+mn-lt"/>
+                          <a:ea typeface="Times New Roman" panose="02020603050405020304" pitchFamily="18" charset="0"/>
+                        </a:rPr>
+                        <a:t>1</a:t>
+                      </a:r>
+                    </a:p>
+                  </a:txBody>
+                  <a:tcPr marL="44450" marR="44450" marT="0" marB="0"/>
+                </a:tc>
+                <a:extLst>
+                  <a:ext uri="{0D108BD9-81ED-4DB2-BD59-A6C34878D82A}">
+                    <a16:rowId xmlns:a16="http://schemas.microsoft.com/office/drawing/2014/main" val="1434664095"/>
+                  </a:ext>
+                </a:extLst>
+              </a:tr>
+              <a:tr h="281895">
+                <a:tc>
+                  <a:txBody>
+                    <a:bodyPr/>
+                    <a:lstStyle/>
+                    <a:p>
+                      <a:r>
+                        <a:rPr lang="pt-BR" sz="1600">
+                          <a:effectLst/>
+                          <a:latin typeface="+mn-lt"/>
+                          <a:ea typeface="Times New Roman" panose="02020603050405020304" pitchFamily="18" charset="0"/>
+                        </a:rPr>
+                        <a:t>Leve</a:t>
+                      </a:r>
+                    </a:p>
+                  </a:txBody>
+                  <a:tcPr marL="44450" marR="44450" marT="0" marB="0"/>
+                </a:tc>
+                <a:tc>
+                  <a:txBody>
+                    <a:bodyPr/>
+                    <a:lstStyle/>
+                    <a:p>
+                      <a:r>
+                        <a:rPr lang="pt-BR" sz="1600">
+                          <a:effectLst/>
+                          <a:latin typeface="+mn-lt"/>
+                          <a:ea typeface="Times New Roman" panose="02020603050405020304" pitchFamily="18" charset="0"/>
+                        </a:rPr>
+                        <a:t>1</a:t>
+                      </a:r>
+                    </a:p>
+                  </a:txBody>
+                  <a:tcPr marL="44450" marR="44450" marT="0" marB="0"/>
+                </a:tc>
+                <a:extLst>
+                  <a:ext uri="{0D108BD9-81ED-4DB2-BD59-A6C34878D82A}">
+                    <a16:rowId xmlns:a16="http://schemas.microsoft.com/office/drawing/2014/main" val="20089510"/>
+                  </a:ext>
+                </a:extLst>
+              </a:tr>
+              <a:tr h="281895">
+                <a:tc>
+                  <a:txBody>
+                    <a:bodyPr/>
+                    <a:lstStyle/>
+                    <a:p>
+                      <a:r>
+                        <a:rPr lang="pt-BR" sz="1600">
+                          <a:effectLst/>
+                          <a:latin typeface="+mn-lt"/>
+                          <a:ea typeface="Times New Roman" panose="02020603050405020304" pitchFamily="18" charset="0"/>
+                        </a:rPr>
+                        <a:t>Legal</a:t>
+                      </a:r>
+                    </a:p>
+                  </a:txBody>
+                  <a:tcPr marL="44450" marR="44450" marT="0" marB="0"/>
+                </a:tc>
+                <a:tc>
+                  <a:txBody>
+                    <a:bodyPr/>
+                    <a:lstStyle/>
+                    <a:p>
+                      <a:r>
+                        <a:rPr lang="pt-BR" sz="1600">
+                          <a:effectLst/>
+                          <a:latin typeface="+mn-lt"/>
+                          <a:ea typeface="Times New Roman" panose="02020603050405020304" pitchFamily="18" charset="0"/>
+                        </a:rPr>
+                        <a:t>1</a:t>
+                      </a:r>
+                    </a:p>
+                  </a:txBody>
+                  <a:tcPr marL="44450" marR="44450" marT="0" marB="0"/>
+                </a:tc>
+                <a:extLst>
+                  <a:ext uri="{0D108BD9-81ED-4DB2-BD59-A6C34878D82A}">
+                    <a16:rowId xmlns:a16="http://schemas.microsoft.com/office/drawing/2014/main" val="3738047519"/>
+                  </a:ext>
+                </a:extLst>
+              </a:tr>
+              <a:tr h="281895">
+                <a:tc>
+                  <a:txBody>
+                    <a:bodyPr/>
+                    <a:lstStyle/>
+                    <a:p>
+                      <a:r>
+                        <a:rPr lang="pt-BR" sz="1600">
+                          <a:effectLst/>
+                          <a:latin typeface="+mn-lt"/>
+                          <a:ea typeface="Times New Roman" panose="02020603050405020304" pitchFamily="18" charset="0"/>
+                        </a:rPr>
+                        <a:t>Permite autoavaliação e revisão de conteúdo</a:t>
+                      </a:r>
+                    </a:p>
+                  </a:txBody>
+                  <a:tcPr marL="44450" marR="44450" marT="0" marB="0"/>
+                </a:tc>
+                <a:tc>
+                  <a:txBody>
+                    <a:bodyPr/>
+                    <a:lstStyle/>
+                    <a:p>
+                      <a:r>
+                        <a:rPr lang="pt-BR" sz="1600" dirty="0">
+                          <a:effectLst/>
+                          <a:latin typeface="+mn-lt"/>
+                          <a:ea typeface="Times New Roman" panose="02020603050405020304" pitchFamily="18" charset="0"/>
+                        </a:rPr>
+                        <a:t>1</a:t>
+                      </a:r>
+                    </a:p>
+                  </a:txBody>
+                  <a:tcPr marL="44450" marR="44450" marT="0" marB="0"/>
+                </a:tc>
+                <a:extLst>
+                  <a:ext uri="{0D108BD9-81ED-4DB2-BD59-A6C34878D82A}">
+                    <a16:rowId xmlns:a16="http://schemas.microsoft.com/office/drawing/2014/main" val="991140398"/>
+                  </a:ext>
+                </a:extLst>
+              </a:tr>
+            </a:tbl>
+          </a:graphicData>
+        </a:graphic>
+      </p:graphicFrame>
+      <p:sp>
+        <p:nvSpPr>
+          <p:cNvPr id="9" name="CaixaDeTexto 7">
+            <a:extLst>
+              <a:ext uri="{FF2B5EF4-FFF2-40B4-BE49-F238E27FC236}">
+                <a16:creationId xmlns:a16="http://schemas.microsoft.com/office/drawing/2014/main" id="{2CDBCF28-8FF9-EAFC-1680-F75EF8A67D96}"/>
+              </a:ext>
+            </a:extLst>
+          </p:cNvPr>
+          <p:cNvSpPr txBox="1">
+            <a:spLocks noChangeArrowheads="1"/>
+          </p:cNvSpPr>
+          <p:nvPr/>
+        </p:nvSpPr>
+        <p:spPr bwMode="auto">
+          <a:xfrm>
+            <a:off x="2007035" y="396488"/>
+            <a:ext cx="5129930" cy="276999"/>
+          </a:xfrm>
+          <a:prstGeom prst="rect">
+            <a:avLst/>
+          </a:prstGeom>
+          <a:noFill/>
+          <a:ln>
+            <a:noFill/>
+          </a:ln>
+          <a:extLst>
+            <a:ext uri="{909E8E84-426E-40DD-AFC4-6F175D3DCCD1}">
+              <a14:hiddenFill xmlns:a14="http://schemas.microsoft.com/office/drawing/2010/main">
+                <a:solidFill>
+                  <a:srgbClr val="FFFFFF"/>
+                </a:solidFill>
+              </a14:hiddenFill>
+            </a:ext>
+            <a:ext uri="{91240B29-F687-4F45-9708-019B960494DF}">
+              <a14:hiddenLine xmlns:a14="http://schemas.microsoft.com/office/drawing/2010/main" w="9525">
+                <a:solidFill>
+                  <a:srgbClr val="000000"/>
+                </a:solidFill>
+                <a:miter lim="800000"/>
+                <a:headEnd/>
+                <a:tailEnd/>
+              </a14:hiddenLine>
+            </a:ext>
+          </a:extLst>
+        </p:spPr>
+        <p:txBody>
+          <a:bodyPr wrap="none">
+            <a:spAutoFit/>
+          </a:bodyPr>
+          <a:lstStyle>
+            <a:lvl1pPr>
+              <a:spcBef>
+                <a:spcPct val="20000"/>
+              </a:spcBef>
+              <a:buChar char="•"/>
+              <a:defRPr sz="3200">
+                <a:solidFill>
+                  <a:schemeClr val="tx1"/>
+                </a:solidFill>
+                <a:latin typeface="Arial" panose="020B0604020202020204" pitchFamily="34" charset="0"/>
+              </a:defRPr>
+            </a:lvl1pPr>
+            <a:lvl2pPr marL="742950" indent="-285750">
+              <a:spcBef>
+                <a:spcPct val="20000"/>
+              </a:spcBef>
+              <a:buChar char="–"/>
+              <a:defRPr sz="2800">
+                <a:solidFill>
+                  <a:schemeClr val="tx1"/>
+                </a:solidFill>
+                <a:latin typeface="Arial" panose="020B0604020202020204" pitchFamily="34" charset="0"/>
+              </a:defRPr>
+            </a:lvl2pPr>
+            <a:lvl3pPr marL="1143000" indent="-228600">
+              <a:spcBef>
+                <a:spcPct val="20000"/>
+              </a:spcBef>
+              <a:buChar char="•"/>
+              <a:defRPr sz="2400">
+                <a:solidFill>
+                  <a:schemeClr val="tx1"/>
+                </a:solidFill>
+                <a:latin typeface="Arial" panose="020B0604020202020204" pitchFamily="34" charset="0"/>
+              </a:defRPr>
+            </a:lvl3pPr>
+            <a:lvl4pPr marL="1600200" indent="-228600">
+              <a:spcBef>
+                <a:spcPct val="20000"/>
+              </a:spcBef>
+              <a:buChar char="–"/>
+              <a:defRPr sz="2000">
+                <a:solidFill>
+                  <a:schemeClr val="tx1"/>
+                </a:solidFill>
+                <a:latin typeface="Arial" panose="020B0604020202020204" pitchFamily="34" charset="0"/>
+              </a:defRPr>
+            </a:lvl4pPr>
+            <a:lvl5pPr marL="2057400" indent="-228600">
+              <a:spcBef>
+                <a:spcPct val="20000"/>
+              </a:spcBef>
+              <a:buChar char="»"/>
+              <a:defRPr sz="2000">
+                <a:solidFill>
+                  <a:schemeClr val="tx1"/>
+                </a:solidFill>
+                <a:latin typeface="Arial" panose="020B0604020202020204" pitchFamily="34" charset="0"/>
+              </a:defRPr>
+            </a:lvl5pPr>
+            <a:lvl6pPr marL="2514600" indent="-228600" eaLnBrk="0" fontAlgn="base" hangingPunct="0">
+              <a:spcBef>
+                <a:spcPct val="20000"/>
+              </a:spcBef>
+              <a:spcAft>
+                <a:spcPct val="0"/>
+              </a:spcAft>
+              <a:buChar char="»"/>
+              <a:defRPr sz="2000">
+                <a:solidFill>
+                  <a:schemeClr val="tx1"/>
+                </a:solidFill>
+                <a:latin typeface="Arial" panose="020B0604020202020204" pitchFamily="34" charset="0"/>
+              </a:defRPr>
+            </a:lvl6pPr>
+            <a:lvl7pPr marL="2971800" indent="-228600" eaLnBrk="0" fontAlgn="base" hangingPunct="0">
+              <a:spcBef>
+                <a:spcPct val="20000"/>
+              </a:spcBef>
+              <a:spcAft>
+                <a:spcPct val="0"/>
+              </a:spcAft>
+              <a:buChar char="»"/>
+              <a:defRPr sz="2000">
+                <a:solidFill>
+                  <a:schemeClr val="tx1"/>
+                </a:solidFill>
+                <a:latin typeface="Arial" panose="020B0604020202020204" pitchFamily="34" charset="0"/>
+              </a:defRPr>
+            </a:lvl7pPr>
+            <a:lvl8pPr marL="3429000" indent="-228600" eaLnBrk="0" fontAlgn="base" hangingPunct="0">
+              <a:spcBef>
+                <a:spcPct val="20000"/>
+              </a:spcBef>
+              <a:spcAft>
+                <a:spcPct val="0"/>
+              </a:spcAft>
+              <a:buChar char="»"/>
+              <a:defRPr sz="2000">
+                <a:solidFill>
+                  <a:schemeClr val="tx1"/>
+                </a:solidFill>
+                <a:latin typeface="Arial" panose="020B0604020202020204" pitchFamily="34" charset="0"/>
+              </a:defRPr>
+            </a:lvl8pPr>
+            <a:lvl9pPr marL="3886200" indent="-228600" eaLnBrk="0" fontAlgn="base" hangingPunct="0">
+              <a:spcBef>
+                <a:spcPct val="20000"/>
+              </a:spcBef>
+              <a:spcAft>
+                <a:spcPct val="0"/>
+              </a:spcAft>
+              <a:buChar char="»"/>
+              <a:defRPr sz="2000">
+                <a:solidFill>
+                  <a:schemeClr val="tx1"/>
+                </a:solidFill>
+                <a:latin typeface="Arial" panose="020B0604020202020204" pitchFamily="34" charset="0"/>
+              </a:defRPr>
+            </a:lvl9pPr>
+          </a:lstStyle>
+          <a:p>
+            <a:pPr>
+              <a:spcBef>
+                <a:spcPct val="0"/>
+              </a:spcBef>
+              <a:buFontTx/>
+              <a:buNone/>
+            </a:pPr>
+            <a:r>
+              <a:rPr lang="pt-BR" altLang="pt-BR" sz="1200" dirty="0"/>
+              <a:t>Quadro 8 - Pontos positivos da aplicação apontados pelos alunos de CG</a:t>
+            </a:r>
+          </a:p>
+        </p:txBody>
+      </p:sp>
+      <p:sp>
+        <p:nvSpPr>
+          <p:cNvPr id="10" name="Rectangle 8">
+            <a:extLst>
+              <a:ext uri="{FF2B5EF4-FFF2-40B4-BE49-F238E27FC236}">
+                <a16:creationId xmlns:a16="http://schemas.microsoft.com/office/drawing/2014/main" id="{C2AFEA0C-D155-CADD-3A4E-EB44BFEDF197}"/>
+              </a:ext>
+            </a:extLst>
+          </p:cNvPr>
+          <p:cNvSpPr>
+            <a:spLocks noChangeArrowheads="1"/>
+          </p:cNvSpPr>
+          <p:nvPr/>
+        </p:nvSpPr>
+        <p:spPr bwMode="auto">
+          <a:xfrm>
+            <a:off x="-661988" y="5889498"/>
+            <a:ext cx="10467976" cy="261610"/>
+          </a:xfrm>
+          <a:prstGeom prst="rect">
+            <a:avLst/>
+          </a:prstGeom>
+          <a:noFill/>
+          <a:ln>
+            <a:noFill/>
+          </a:ln>
+          <a:effectLst/>
+          <a:extLst>
+            <a:ext uri="{909E8E84-426E-40DD-AFC4-6F175D3DCCD1}">
+              <a14:hiddenFill xmlns:a14="http://schemas.microsoft.com/office/drawing/2010/main">
+                <a:solidFill>
+                  <a:schemeClr val="accent1"/>
+                </a:solidFill>
+              </a14:hiddenFill>
+            </a:ext>
+            <a:ext uri="{91240B29-F687-4F45-9708-019B960494DF}">
+              <a14:hiddenLine xmlns:a14="http://schemas.microsoft.com/office/drawing/2010/main" w="9525">
+                <a:solidFill>
+                  <a:schemeClr val="tx1"/>
+                </a:solidFill>
+                <a:miter lim="800000"/>
+                <a:headEnd/>
+                <a:tailEnd/>
+              </a14:hiddenLine>
+            </a:ext>
+            <a:ext uri="{AF507438-7753-43E0-B8FC-AC1667EBCBE1}">
+              <a14:hiddenEffects xmlns:a14="http://schemas.microsoft.com/office/drawing/2010/main">
+                <a:effectLst>
+                  <a:outerShdw dist="35921" dir="2700000" algn="ctr" rotWithShape="0">
+                    <a:schemeClr val="bg2"/>
+                  </a:outerShdw>
+                </a:effectLst>
+              </a14:hiddenEffects>
+            </a:ext>
+          </a:extLst>
+        </p:spPr>
+        <p:txBody>
+          <a:bodyPr anchor="ctr">
+            <a:spAutoFit/>
+          </a:bodyPr>
+          <a:lstStyle>
+            <a:lvl1pPr>
+              <a:spcBef>
+                <a:spcPct val="20000"/>
+              </a:spcBef>
+              <a:buChar char="•"/>
+              <a:defRPr sz="3200">
+                <a:solidFill>
+                  <a:schemeClr val="tx1"/>
+                </a:solidFill>
+                <a:latin typeface="Arial" panose="020B0604020202020204" pitchFamily="34" charset="0"/>
+              </a:defRPr>
+            </a:lvl1pPr>
+            <a:lvl2pPr marL="742950" indent="-285750">
+              <a:spcBef>
+                <a:spcPct val="20000"/>
+              </a:spcBef>
+              <a:buChar char="–"/>
+              <a:defRPr sz="2800">
+                <a:solidFill>
+                  <a:schemeClr val="tx1"/>
+                </a:solidFill>
+                <a:latin typeface="Arial" panose="020B0604020202020204" pitchFamily="34" charset="0"/>
+              </a:defRPr>
+            </a:lvl2pPr>
+            <a:lvl3pPr marL="1143000" indent="-228600">
+              <a:spcBef>
+                <a:spcPct val="20000"/>
+              </a:spcBef>
+              <a:buChar char="•"/>
+              <a:defRPr sz="2400">
+                <a:solidFill>
+                  <a:schemeClr val="tx1"/>
+                </a:solidFill>
+                <a:latin typeface="Arial" panose="020B0604020202020204" pitchFamily="34" charset="0"/>
+              </a:defRPr>
+            </a:lvl3pPr>
+            <a:lvl4pPr marL="1600200" indent="-228600">
+              <a:spcBef>
+                <a:spcPct val="20000"/>
+              </a:spcBef>
+              <a:buChar char="–"/>
+              <a:defRPr sz="2000">
+                <a:solidFill>
+                  <a:schemeClr val="tx1"/>
+                </a:solidFill>
+                <a:latin typeface="Arial" panose="020B0604020202020204" pitchFamily="34" charset="0"/>
+              </a:defRPr>
+            </a:lvl4pPr>
+            <a:lvl5pPr marL="2057400" indent="-228600">
+              <a:spcBef>
+                <a:spcPct val="20000"/>
+              </a:spcBef>
+              <a:buChar char="»"/>
+              <a:defRPr sz="2000">
+                <a:solidFill>
+                  <a:schemeClr val="tx1"/>
+                </a:solidFill>
+                <a:latin typeface="Arial" panose="020B0604020202020204" pitchFamily="34" charset="0"/>
+              </a:defRPr>
+            </a:lvl5pPr>
+            <a:lvl6pPr marL="2514600" indent="-228600" eaLnBrk="0" fontAlgn="base" hangingPunct="0">
+              <a:spcBef>
+                <a:spcPct val="20000"/>
+              </a:spcBef>
+              <a:spcAft>
+                <a:spcPct val="0"/>
+              </a:spcAft>
+              <a:buChar char="»"/>
+              <a:defRPr sz="2000">
+                <a:solidFill>
+                  <a:schemeClr val="tx1"/>
+                </a:solidFill>
+                <a:latin typeface="Arial" panose="020B0604020202020204" pitchFamily="34" charset="0"/>
+              </a:defRPr>
+            </a:lvl6pPr>
+            <a:lvl7pPr marL="2971800" indent="-228600" eaLnBrk="0" fontAlgn="base" hangingPunct="0">
+              <a:spcBef>
+                <a:spcPct val="20000"/>
+              </a:spcBef>
+              <a:spcAft>
+                <a:spcPct val="0"/>
+              </a:spcAft>
+              <a:buChar char="»"/>
+              <a:defRPr sz="2000">
+                <a:solidFill>
+                  <a:schemeClr val="tx1"/>
+                </a:solidFill>
+                <a:latin typeface="Arial" panose="020B0604020202020204" pitchFamily="34" charset="0"/>
+              </a:defRPr>
+            </a:lvl7pPr>
+            <a:lvl8pPr marL="3429000" indent="-228600" eaLnBrk="0" fontAlgn="base" hangingPunct="0">
+              <a:spcBef>
+                <a:spcPct val="20000"/>
+              </a:spcBef>
+              <a:spcAft>
+                <a:spcPct val="0"/>
+              </a:spcAft>
+              <a:buChar char="»"/>
+              <a:defRPr sz="2000">
+                <a:solidFill>
+                  <a:schemeClr val="tx1"/>
+                </a:solidFill>
+                <a:latin typeface="Arial" panose="020B0604020202020204" pitchFamily="34" charset="0"/>
+              </a:defRPr>
+            </a:lvl8pPr>
+            <a:lvl9pPr marL="3886200" indent="-228600" eaLnBrk="0" fontAlgn="base" hangingPunct="0">
+              <a:spcBef>
+                <a:spcPct val="20000"/>
+              </a:spcBef>
+              <a:spcAft>
+                <a:spcPct val="0"/>
+              </a:spcAft>
+              <a:buChar char="»"/>
+              <a:defRPr sz="2000">
+                <a:solidFill>
+                  <a:schemeClr val="tx1"/>
+                </a:solidFill>
+                <a:latin typeface="Arial" panose="020B0604020202020204" pitchFamily="34" charset="0"/>
+              </a:defRPr>
+            </a:lvl9pPr>
+          </a:lstStyle>
+          <a:p>
+            <a:pPr algn="ctr">
+              <a:spcBef>
+                <a:spcPct val="0"/>
+              </a:spcBef>
+              <a:buFontTx/>
+              <a:buNone/>
+            </a:pPr>
+            <a:r>
+              <a:rPr lang="pt-BR" altLang="pt-BR" sz="1100" dirty="0">
+                <a:cs typeface="Times New Roman" panose="02020603050405020304" pitchFamily="18" charset="0"/>
+              </a:rPr>
+              <a:t>Fonte: questionário elaborado pela autora.</a:t>
+            </a:r>
+            <a:endParaRPr lang="pt-BR" altLang="pt-BR" sz="1100" dirty="0"/>
+          </a:p>
+        </p:txBody>
+      </p:sp>
+    </p:spTree>
+    <p:extLst>
+      <p:ext uri="{BB962C8B-B14F-4D97-AF65-F5344CB8AC3E}">
+        <p14:creationId xmlns:p14="http://schemas.microsoft.com/office/powerpoint/2010/main" val="370770067"/>
       </p:ext>
     </p:extLst>
   </p:cSld>
@@ -12833,67 +13950,2248 @@
       </p:grpSpPr>
       <p:sp>
         <p:nvSpPr>
-          <p:cNvPr id="2" name="Título 1"/>
-          <p:cNvSpPr>
-            <a:spLocks noGrp="1"/>
+          <p:cNvPr id="9" name="CaixaDeTexto 7">
+            <a:extLst>
+              <a:ext uri="{FF2B5EF4-FFF2-40B4-BE49-F238E27FC236}">
+                <a16:creationId xmlns:a16="http://schemas.microsoft.com/office/drawing/2014/main" id="{2CDBCF28-8FF9-EAFC-1680-F75EF8A67D96}"/>
+              </a:ext>
+            </a:extLst>
+          </p:cNvPr>
+          <p:cNvSpPr txBox="1">
+            <a:spLocks noChangeArrowheads="1"/>
           </p:cNvSpPr>
-          <p:nvPr>
-            <p:ph type="title"/>
-          </p:nvPr>
+          <p:nvPr/>
         </p:nvSpPr>
-        <p:spPr/>
+        <p:spPr bwMode="auto">
+          <a:xfrm>
+            <a:off x="1635938" y="241565"/>
+            <a:ext cx="5872120" cy="276999"/>
+          </a:xfrm>
+          <a:prstGeom prst="rect">
+            <a:avLst/>
+          </a:prstGeom>
+          <a:noFill/>
+          <a:ln>
+            <a:noFill/>
+          </a:ln>
+          <a:extLst>
+            <a:ext uri="{909E8E84-426E-40DD-AFC4-6F175D3DCCD1}">
+              <a14:hiddenFill xmlns:a14="http://schemas.microsoft.com/office/drawing/2010/main">
+                <a:solidFill>
+                  <a:srgbClr val="FFFFFF"/>
+                </a:solidFill>
+              </a14:hiddenFill>
+            </a:ext>
+            <a:ext uri="{91240B29-F687-4F45-9708-019B960494DF}">
+              <a14:hiddenLine xmlns:a14="http://schemas.microsoft.com/office/drawing/2010/main" w="9525">
+                <a:solidFill>
+                  <a:srgbClr val="000000"/>
+                </a:solidFill>
+                <a:miter lim="800000"/>
+                <a:headEnd/>
+                <a:tailEnd/>
+              </a14:hiddenLine>
+            </a:ext>
+          </a:extLst>
+        </p:spPr>
         <p:txBody>
-          <a:bodyPr/>
-          <a:lstStyle/>
-          <a:p>
-            <a:r>
-              <a:rPr lang="pt-BR" dirty="0"/>
-              <a:t>Conclusões e Sugestões</a:t>
+          <a:bodyPr wrap="none">
+            <a:spAutoFit/>
+          </a:bodyPr>
+          <a:lstStyle>
+            <a:lvl1pPr>
+              <a:spcBef>
+                <a:spcPct val="20000"/>
+              </a:spcBef>
+              <a:buChar char="•"/>
+              <a:defRPr sz="3200">
+                <a:solidFill>
+                  <a:schemeClr val="tx1"/>
+                </a:solidFill>
+                <a:latin typeface="Arial" panose="020B0604020202020204" pitchFamily="34" charset="0"/>
+              </a:defRPr>
+            </a:lvl1pPr>
+            <a:lvl2pPr marL="742950" indent="-285750">
+              <a:spcBef>
+                <a:spcPct val="20000"/>
+              </a:spcBef>
+              <a:buChar char="–"/>
+              <a:defRPr sz="2800">
+                <a:solidFill>
+                  <a:schemeClr val="tx1"/>
+                </a:solidFill>
+                <a:latin typeface="Arial" panose="020B0604020202020204" pitchFamily="34" charset="0"/>
+              </a:defRPr>
+            </a:lvl2pPr>
+            <a:lvl3pPr marL="1143000" indent="-228600">
+              <a:spcBef>
+                <a:spcPct val="20000"/>
+              </a:spcBef>
+              <a:buChar char="•"/>
+              <a:defRPr sz="2400">
+                <a:solidFill>
+                  <a:schemeClr val="tx1"/>
+                </a:solidFill>
+                <a:latin typeface="Arial" panose="020B0604020202020204" pitchFamily="34" charset="0"/>
+              </a:defRPr>
+            </a:lvl3pPr>
+            <a:lvl4pPr marL="1600200" indent="-228600">
+              <a:spcBef>
+                <a:spcPct val="20000"/>
+              </a:spcBef>
+              <a:buChar char="–"/>
+              <a:defRPr sz="2000">
+                <a:solidFill>
+                  <a:schemeClr val="tx1"/>
+                </a:solidFill>
+                <a:latin typeface="Arial" panose="020B0604020202020204" pitchFamily="34" charset="0"/>
+              </a:defRPr>
+            </a:lvl4pPr>
+            <a:lvl5pPr marL="2057400" indent="-228600">
+              <a:spcBef>
+                <a:spcPct val="20000"/>
+              </a:spcBef>
+              <a:buChar char="»"/>
+              <a:defRPr sz="2000">
+                <a:solidFill>
+                  <a:schemeClr val="tx1"/>
+                </a:solidFill>
+                <a:latin typeface="Arial" panose="020B0604020202020204" pitchFamily="34" charset="0"/>
+              </a:defRPr>
+            </a:lvl5pPr>
+            <a:lvl6pPr marL="2514600" indent="-228600" eaLnBrk="0" fontAlgn="base" hangingPunct="0">
+              <a:spcBef>
+                <a:spcPct val="20000"/>
+              </a:spcBef>
+              <a:spcAft>
+                <a:spcPct val="0"/>
+              </a:spcAft>
+              <a:buChar char="»"/>
+              <a:defRPr sz="2000">
+                <a:solidFill>
+                  <a:schemeClr val="tx1"/>
+                </a:solidFill>
+                <a:latin typeface="Arial" panose="020B0604020202020204" pitchFamily="34" charset="0"/>
+              </a:defRPr>
+            </a:lvl6pPr>
+            <a:lvl7pPr marL="2971800" indent="-228600" eaLnBrk="0" fontAlgn="base" hangingPunct="0">
+              <a:spcBef>
+                <a:spcPct val="20000"/>
+              </a:spcBef>
+              <a:spcAft>
+                <a:spcPct val="0"/>
+              </a:spcAft>
+              <a:buChar char="»"/>
+              <a:defRPr sz="2000">
+                <a:solidFill>
+                  <a:schemeClr val="tx1"/>
+                </a:solidFill>
+                <a:latin typeface="Arial" panose="020B0604020202020204" pitchFamily="34" charset="0"/>
+              </a:defRPr>
+            </a:lvl7pPr>
+            <a:lvl8pPr marL="3429000" indent="-228600" eaLnBrk="0" fontAlgn="base" hangingPunct="0">
+              <a:spcBef>
+                <a:spcPct val="20000"/>
+              </a:spcBef>
+              <a:spcAft>
+                <a:spcPct val="0"/>
+              </a:spcAft>
+              <a:buChar char="»"/>
+              <a:defRPr sz="2000">
+                <a:solidFill>
+                  <a:schemeClr val="tx1"/>
+                </a:solidFill>
+                <a:latin typeface="Arial" panose="020B0604020202020204" pitchFamily="34" charset="0"/>
+              </a:defRPr>
+            </a:lvl8pPr>
+            <a:lvl9pPr marL="3886200" indent="-228600" eaLnBrk="0" fontAlgn="base" hangingPunct="0">
+              <a:spcBef>
+                <a:spcPct val="20000"/>
+              </a:spcBef>
+              <a:spcAft>
+                <a:spcPct val="0"/>
+              </a:spcAft>
+              <a:buChar char="»"/>
+              <a:defRPr sz="2000">
+                <a:solidFill>
+                  <a:schemeClr val="tx1"/>
+                </a:solidFill>
+                <a:latin typeface="Arial" panose="020B0604020202020204" pitchFamily="34" charset="0"/>
+              </a:defRPr>
+            </a:lvl9pPr>
+          </a:lstStyle>
+          <a:p>
+            <a:pPr>
+              <a:spcBef>
+                <a:spcPct val="0"/>
+              </a:spcBef>
+              <a:buFontTx/>
+              <a:buNone/>
+            </a:pPr>
+            <a:r>
+              <a:rPr lang="pt-BR" altLang="pt-BR" sz="1200" dirty="0"/>
+              <a:t>Quadro 9 – Pontos negativos da aplicação apontados pelos alunos de CG – parte 1</a:t>
             </a:r>
           </a:p>
         </p:txBody>
       </p:sp>
+      <p:graphicFrame>
+        <p:nvGraphicFramePr>
+          <p:cNvPr id="8" name="Espaço Reservado para Conteúdo 7">
+            <a:extLst>
+              <a:ext uri="{FF2B5EF4-FFF2-40B4-BE49-F238E27FC236}">
+                <a16:creationId xmlns:a16="http://schemas.microsoft.com/office/drawing/2014/main" id="{38EF6162-D712-2EF7-90D5-B7995803A9F5}"/>
+              </a:ext>
+            </a:extLst>
+          </p:cNvPr>
+          <p:cNvGraphicFramePr>
+            <a:graphicFrameLocks noGrp="1"/>
+          </p:cNvGraphicFramePr>
+          <p:nvPr>
+            <p:ph idx="1"/>
+            <p:extLst>
+              <p:ext uri="{D42A27DB-BD31-4B8C-83A1-F6EECF244321}">
+                <p14:modId xmlns:p14="http://schemas.microsoft.com/office/powerpoint/2010/main" val="353333046"/>
+              </p:ext>
+            </p:extLst>
+          </p:nvPr>
+        </p:nvGraphicFramePr>
+        <p:xfrm>
+          <a:off x="269520" y="518564"/>
+          <a:ext cx="8604957" cy="5770917"/>
+        </p:xfrm>
+        <a:graphic>
+          <a:graphicData uri="http://schemas.openxmlformats.org/drawingml/2006/table">
+            <a:tbl>
+              <a:tblPr firstRow="1" bandRow="1">
+                <a:tableStyleId>{5C22544A-7EE6-4342-B048-85BDC9FD1C3A}</a:tableStyleId>
+              </a:tblPr>
+              <a:tblGrid>
+                <a:gridCol w="7447988">
+                  <a:extLst>
+                    <a:ext uri="{9D8B030D-6E8A-4147-A177-3AD203B41FA5}">
+                      <a16:colId xmlns:a16="http://schemas.microsoft.com/office/drawing/2014/main" val="710064142"/>
+                    </a:ext>
+                  </a:extLst>
+                </a:gridCol>
+                <a:gridCol w="1156969">
+                  <a:extLst>
+                    <a:ext uri="{9D8B030D-6E8A-4147-A177-3AD203B41FA5}">
+                      <a16:colId xmlns:a16="http://schemas.microsoft.com/office/drawing/2014/main" val="971612639"/>
+                    </a:ext>
+                  </a:extLst>
+                </a:gridCol>
+              </a:tblGrid>
+              <a:tr h="361655">
+                <a:tc>
+                  <a:txBody>
+                    <a:bodyPr/>
+                    <a:lstStyle/>
+                    <a:p>
+                      <a:r>
+                        <a:rPr lang="pt-BR" sz="1200" dirty="0">
+                          <a:solidFill>
+                            <a:schemeClr val="tx1"/>
+                          </a:solidFill>
+                          <a:effectLst/>
+                          <a:latin typeface="+mn-lt"/>
+                          <a:ea typeface="Times New Roman" panose="02020603050405020304" pitchFamily="18" charset="0"/>
+                        </a:rPr>
+                        <a:t>Palavras-chave/termos usados para descrever a aplicação</a:t>
+                      </a:r>
+                    </a:p>
+                  </a:txBody>
+                  <a:tcPr marL="44450" marR="44450" marT="0" marB="0"/>
+                </a:tc>
+                <a:tc>
+                  <a:txBody>
+                    <a:bodyPr/>
+                    <a:lstStyle/>
+                    <a:p>
+                      <a:r>
+                        <a:rPr lang="pt-BR" sz="1200" dirty="0">
+                          <a:solidFill>
+                            <a:schemeClr val="tx1"/>
+                          </a:solidFill>
+                          <a:effectLst/>
+                          <a:latin typeface="+mn-lt"/>
+                          <a:ea typeface="Times New Roman" panose="02020603050405020304" pitchFamily="18" charset="0"/>
+                        </a:rPr>
+                        <a:t>Quantidade de ocorrências</a:t>
+                      </a:r>
+                    </a:p>
+                  </a:txBody>
+                  <a:tcPr marL="44450" marR="44450" marT="0" marB="0"/>
+                </a:tc>
+                <a:extLst>
+                  <a:ext uri="{0D108BD9-81ED-4DB2-BD59-A6C34878D82A}">
+                    <a16:rowId xmlns:a16="http://schemas.microsoft.com/office/drawing/2014/main" val="1449510751"/>
+                  </a:ext>
+                </a:extLst>
+              </a:tr>
+              <a:tr h="361655">
+                <a:tc>
+                  <a:txBody>
+                    <a:bodyPr/>
+                    <a:lstStyle/>
+                    <a:p>
+                      <a:r>
+                        <a:rPr lang="pt-BR" sz="1200">
+                          <a:solidFill>
+                            <a:schemeClr val="tx1"/>
+                          </a:solidFill>
+                          <a:effectLst/>
+                          <a:latin typeface="+mn-lt"/>
+                          <a:ea typeface="Times New Roman" panose="02020603050405020304" pitchFamily="18" charset="0"/>
+                        </a:rPr>
+                        <a:t>Texto fica invisível no campo de texto das propriedades após o uso da tecla </a:t>
+                      </a:r>
+                      <a:r>
+                        <a:rPr lang="pt-BR" sz="1200" i="1">
+                          <a:solidFill>
+                            <a:schemeClr val="tx1"/>
+                          </a:solidFill>
+                          <a:effectLst/>
+                          <a:latin typeface="+mn-lt"/>
+                          <a:ea typeface="Times New Roman" panose="02020603050405020304" pitchFamily="18" charset="0"/>
+                        </a:rPr>
+                        <a:t>backspace</a:t>
+                      </a:r>
+                      <a:endParaRPr lang="pt-BR" sz="1200">
+                        <a:solidFill>
+                          <a:schemeClr val="tx1"/>
+                        </a:solidFill>
+                        <a:effectLst/>
+                        <a:latin typeface="+mn-lt"/>
+                        <a:ea typeface="Times New Roman" panose="02020603050405020304" pitchFamily="18" charset="0"/>
+                      </a:endParaRPr>
+                    </a:p>
+                  </a:txBody>
+                  <a:tcPr marL="44450" marR="44450" marT="0" marB="0"/>
+                </a:tc>
+                <a:tc>
+                  <a:txBody>
+                    <a:bodyPr/>
+                    <a:lstStyle/>
+                    <a:p>
+                      <a:r>
+                        <a:rPr lang="pt-BR" sz="1200" dirty="0">
+                          <a:solidFill>
+                            <a:schemeClr val="tx1"/>
+                          </a:solidFill>
+                          <a:effectLst/>
+                          <a:latin typeface="+mn-lt"/>
+                          <a:ea typeface="Times New Roman" panose="02020603050405020304" pitchFamily="18" charset="0"/>
+                        </a:rPr>
+                        <a:t>19</a:t>
+                      </a:r>
+                    </a:p>
+                  </a:txBody>
+                  <a:tcPr marL="44450" marR="44450" marT="0" marB="0"/>
+                </a:tc>
+                <a:extLst>
+                  <a:ext uri="{0D108BD9-81ED-4DB2-BD59-A6C34878D82A}">
+                    <a16:rowId xmlns:a16="http://schemas.microsoft.com/office/drawing/2014/main" val="3506435016"/>
+                  </a:ext>
+                </a:extLst>
+              </a:tr>
+              <a:tr h="314296">
+                <a:tc>
+                  <a:txBody>
+                    <a:bodyPr/>
+                    <a:lstStyle/>
+                    <a:p>
+                      <a:r>
+                        <a:rPr lang="pt-BR" sz="1200">
+                          <a:solidFill>
+                            <a:schemeClr val="tx1"/>
+                          </a:solidFill>
+                          <a:effectLst/>
+                          <a:latin typeface="+mn-lt"/>
+                          <a:ea typeface="Times New Roman" panose="02020603050405020304" pitchFamily="18" charset="0"/>
+                        </a:rPr>
+                        <a:t>Visual pouco elaborado/baixa resolução/problemas na responsividade</a:t>
+                      </a:r>
+                    </a:p>
+                  </a:txBody>
+                  <a:tcPr marL="44450" marR="44450" marT="0" marB="0"/>
+                </a:tc>
+                <a:tc>
+                  <a:txBody>
+                    <a:bodyPr/>
+                    <a:lstStyle/>
+                    <a:p>
+                      <a:r>
+                        <a:rPr lang="pt-BR" sz="1200" dirty="0">
+                          <a:solidFill>
+                            <a:schemeClr val="tx1"/>
+                          </a:solidFill>
+                          <a:effectLst/>
+                          <a:latin typeface="+mn-lt"/>
+                          <a:ea typeface="Times New Roman" panose="02020603050405020304" pitchFamily="18" charset="0"/>
+                        </a:rPr>
+                        <a:t>4</a:t>
+                      </a:r>
+                    </a:p>
+                  </a:txBody>
+                  <a:tcPr marL="44450" marR="44450" marT="0" marB="0"/>
+                </a:tc>
+                <a:extLst>
+                  <a:ext uri="{0D108BD9-81ED-4DB2-BD59-A6C34878D82A}">
+                    <a16:rowId xmlns:a16="http://schemas.microsoft.com/office/drawing/2014/main" val="1189684179"/>
+                  </a:ext>
+                </a:extLst>
+              </a:tr>
+              <a:tr h="314296">
+                <a:tc>
+                  <a:txBody>
+                    <a:bodyPr/>
+                    <a:lstStyle/>
+                    <a:p>
+                      <a:r>
+                        <a:rPr lang="pt-BR" sz="1200">
+                          <a:solidFill>
+                            <a:schemeClr val="tx1"/>
+                          </a:solidFill>
+                          <a:effectLst/>
+                          <a:latin typeface="+mn-lt"/>
+                          <a:ea typeface="Times New Roman" panose="02020603050405020304" pitchFamily="18" charset="0"/>
+                        </a:rPr>
+                        <a:t>Problemas na acentuação de palavras</a:t>
+                      </a:r>
+                    </a:p>
+                  </a:txBody>
+                  <a:tcPr marL="44450" marR="44450" marT="0" marB="0"/>
+                </a:tc>
+                <a:tc>
+                  <a:txBody>
+                    <a:bodyPr/>
+                    <a:lstStyle/>
+                    <a:p>
+                      <a:r>
+                        <a:rPr lang="pt-BR" sz="1200" dirty="0">
+                          <a:solidFill>
+                            <a:schemeClr val="tx1"/>
+                          </a:solidFill>
+                          <a:effectLst/>
+                          <a:latin typeface="+mn-lt"/>
+                          <a:ea typeface="Times New Roman" panose="02020603050405020304" pitchFamily="18" charset="0"/>
+                        </a:rPr>
+                        <a:t>3</a:t>
+                      </a:r>
+                    </a:p>
+                  </a:txBody>
+                  <a:tcPr marL="44450" marR="44450" marT="0" marB="0"/>
+                </a:tc>
+                <a:extLst>
+                  <a:ext uri="{0D108BD9-81ED-4DB2-BD59-A6C34878D82A}">
+                    <a16:rowId xmlns:a16="http://schemas.microsoft.com/office/drawing/2014/main" val="2910143787"/>
+                  </a:ext>
+                </a:extLst>
+              </a:tr>
+              <a:tr h="314296">
+                <a:tc>
+                  <a:txBody>
+                    <a:bodyPr/>
+                    <a:lstStyle/>
+                    <a:p>
+                      <a:r>
+                        <a:rPr lang="pt-BR" sz="1200" i="1">
+                          <a:solidFill>
+                            <a:schemeClr val="tx1"/>
+                          </a:solidFill>
+                          <a:effectLst/>
+                          <a:latin typeface="+mn-lt"/>
+                          <a:ea typeface="Times New Roman" panose="02020603050405020304" pitchFamily="18" charset="0"/>
+                        </a:rPr>
+                        <a:t>Bug</a:t>
+                      </a:r>
+                      <a:r>
+                        <a:rPr lang="pt-BR" sz="1200">
+                          <a:solidFill>
+                            <a:schemeClr val="tx1"/>
+                          </a:solidFill>
+                          <a:effectLst/>
+                          <a:latin typeface="+mn-lt"/>
+                          <a:ea typeface="Times New Roman" panose="02020603050405020304" pitchFamily="18" charset="0"/>
+                        </a:rPr>
+                        <a:t> na porcentagem de acerto do exercício quando clica mais de uma vez no botão</a:t>
+                      </a:r>
+                    </a:p>
+                  </a:txBody>
+                  <a:tcPr marL="44450" marR="44450" marT="0" marB="0"/>
+                </a:tc>
+                <a:tc>
+                  <a:txBody>
+                    <a:bodyPr/>
+                    <a:lstStyle/>
+                    <a:p>
+                      <a:r>
+                        <a:rPr lang="pt-BR" sz="1200" dirty="0">
+                          <a:solidFill>
+                            <a:schemeClr val="tx1"/>
+                          </a:solidFill>
+                          <a:effectLst/>
+                          <a:latin typeface="+mn-lt"/>
+                          <a:ea typeface="Times New Roman" panose="02020603050405020304" pitchFamily="18" charset="0"/>
+                        </a:rPr>
+                        <a:t>3</a:t>
+                      </a:r>
+                    </a:p>
+                  </a:txBody>
+                  <a:tcPr marL="44450" marR="44450" marT="0" marB="0"/>
+                </a:tc>
+                <a:extLst>
+                  <a:ext uri="{0D108BD9-81ED-4DB2-BD59-A6C34878D82A}">
+                    <a16:rowId xmlns:a16="http://schemas.microsoft.com/office/drawing/2014/main" val="2626496228"/>
+                  </a:ext>
+                </a:extLst>
+              </a:tr>
+              <a:tr h="314296">
+                <a:tc>
+                  <a:txBody>
+                    <a:bodyPr/>
+                    <a:lstStyle/>
+                    <a:p>
+                      <a:r>
+                        <a:rPr lang="pt-BR" sz="1200" i="1">
+                          <a:solidFill>
+                            <a:schemeClr val="tx1"/>
+                          </a:solidFill>
+                          <a:effectLst/>
+                          <a:latin typeface="+mn-lt"/>
+                          <a:ea typeface="Times New Roman" panose="02020603050405020304" pitchFamily="18" charset="0"/>
+                        </a:rPr>
+                        <a:t>Bugs</a:t>
+                      </a:r>
+                      <a:endParaRPr lang="pt-BR" sz="1200">
+                        <a:solidFill>
+                          <a:schemeClr val="tx1"/>
+                        </a:solidFill>
+                        <a:effectLst/>
+                        <a:latin typeface="+mn-lt"/>
+                        <a:ea typeface="Times New Roman" panose="02020603050405020304" pitchFamily="18" charset="0"/>
+                      </a:endParaRPr>
+                    </a:p>
+                  </a:txBody>
+                  <a:tcPr marL="44450" marR="44450" marT="0" marB="0"/>
+                </a:tc>
+                <a:tc>
+                  <a:txBody>
+                    <a:bodyPr/>
+                    <a:lstStyle/>
+                    <a:p>
+                      <a:r>
+                        <a:rPr lang="pt-BR" sz="1200" dirty="0">
+                          <a:solidFill>
+                            <a:schemeClr val="tx1"/>
+                          </a:solidFill>
+                          <a:effectLst/>
+                          <a:latin typeface="+mn-lt"/>
+                          <a:ea typeface="Times New Roman" panose="02020603050405020304" pitchFamily="18" charset="0"/>
+                        </a:rPr>
+                        <a:t>3</a:t>
+                      </a:r>
+                    </a:p>
+                  </a:txBody>
+                  <a:tcPr marL="44450" marR="44450" marT="0" marB="0"/>
+                </a:tc>
+                <a:extLst>
+                  <a:ext uri="{0D108BD9-81ED-4DB2-BD59-A6C34878D82A}">
+                    <a16:rowId xmlns:a16="http://schemas.microsoft.com/office/drawing/2014/main" val="2754640919"/>
+                  </a:ext>
+                </a:extLst>
+              </a:tr>
+              <a:tr h="314296">
+                <a:tc>
+                  <a:txBody>
+                    <a:bodyPr/>
+                    <a:lstStyle/>
+                    <a:p>
+                      <a:r>
+                        <a:rPr lang="pt-BR" sz="1200">
+                          <a:solidFill>
+                            <a:schemeClr val="tx1"/>
+                          </a:solidFill>
+                          <a:effectLst/>
+                          <a:latin typeface="+mn-lt"/>
+                          <a:ea typeface="Times New Roman" panose="02020603050405020304" pitchFamily="18" charset="0"/>
+                        </a:rPr>
+                        <a:t>Quando há muitos objetos em cena, demora para fazer a rolagem de tela</a:t>
+                      </a:r>
+                    </a:p>
+                  </a:txBody>
+                  <a:tcPr marL="44450" marR="44450" marT="0" marB="0"/>
+                </a:tc>
+                <a:tc>
+                  <a:txBody>
+                    <a:bodyPr/>
+                    <a:lstStyle/>
+                    <a:p>
+                      <a:r>
+                        <a:rPr lang="pt-BR" sz="1200" dirty="0">
+                          <a:solidFill>
+                            <a:schemeClr val="tx1"/>
+                          </a:solidFill>
+                          <a:effectLst/>
+                          <a:latin typeface="+mn-lt"/>
+                          <a:ea typeface="Times New Roman" panose="02020603050405020304" pitchFamily="18" charset="0"/>
+                        </a:rPr>
+                        <a:t>2</a:t>
+                      </a:r>
+                    </a:p>
+                  </a:txBody>
+                  <a:tcPr marL="44450" marR="44450" marT="0" marB="0"/>
+                </a:tc>
+                <a:extLst>
+                  <a:ext uri="{0D108BD9-81ED-4DB2-BD59-A6C34878D82A}">
+                    <a16:rowId xmlns:a16="http://schemas.microsoft.com/office/drawing/2014/main" val="2238955582"/>
+                  </a:ext>
+                </a:extLst>
+              </a:tr>
+              <a:tr h="314296">
+                <a:tc>
+                  <a:txBody>
+                    <a:bodyPr/>
+                    <a:lstStyle/>
+                    <a:p>
+                      <a:r>
+                        <a:rPr lang="pt-BR" sz="1200">
+                          <a:solidFill>
+                            <a:schemeClr val="tx1"/>
+                          </a:solidFill>
+                          <a:effectLst/>
+                          <a:latin typeface="+mn-lt"/>
+                          <a:ea typeface="Times New Roman" panose="02020603050405020304" pitchFamily="18" charset="0"/>
+                        </a:rPr>
+                        <a:t>Aplicação um pouco travada</a:t>
+                      </a:r>
+                    </a:p>
+                  </a:txBody>
+                  <a:tcPr marL="44450" marR="44450" marT="0" marB="0"/>
+                </a:tc>
+                <a:tc>
+                  <a:txBody>
+                    <a:bodyPr/>
+                    <a:lstStyle/>
+                    <a:p>
+                      <a:r>
+                        <a:rPr lang="pt-BR" sz="1200" dirty="0">
+                          <a:solidFill>
+                            <a:schemeClr val="tx1"/>
+                          </a:solidFill>
+                          <a:effectLst/>
+                          <a:latin typeface="+mn-lt"/>
+                          <a:ea typeface="Times New Roman" panose="02020603050405020304" pitchFamily="18" charset="0"/>
+                        </a:rPr>
+                        <a:t>2</a:t>
+                      </a:r>
+                    </a:p>
+                  </a:txBody>
+                  <a:tcPr marL="44450" marR="44450" marT="0" marB="0"/>
+                </a:tc>
+                <a:extLst>
+                  <a:ext uri="{0D108BD9-81ED-4DB2-BD59-A6C34878D82A}">
+                    <a16:rowId xmlns:a16="http://schemas.microsoft.com/office/drawing/2014/main" val="55423805"/>
+                  </a:ext>
+                </a:extLst>
+              </a:tr>
+              <a:tr h="314296">
+                <a:tc>
+                  <a:txBody>
+                    <a:bodyPr/>
+                    <a:lstStyle/>
+                    <a:p>
+                      <a:r>
+                        <a:rPr lang="pt-BR" sz="1200">
+                          <a:solidFill>
+                            <a:schemeClr val="tx1"/>
+                          </a:solidFill>
+                          <a:effectLst/>
+                          <a:latin typeface="+mn-lt"/>
+                          <a:ea typeface="Times New Roman" panose="02020603050405020304" pitchFamily="18" charset="0"/>
+                        </a:rPr>
+                        <a:t>Visualização dos ângulos dos objetos está presa</a:t>
+                      </a:r>
+                    </a:p>
+                  </a:txBody>
+                  <a:tcPr marL="44450" marR="44450" marT="0" marB="0"/>
+                </a:tc>
+                <a:tc>
+                  <a:txBody>
+                    <a:bodyPr/>
+                    <a:lstStyle/>
+                    <a:p>
+                      <a:r>
+                        <a:rPr lang="pt-BR" sz="1200" dirty="0">
+                          <a:solidFill>
+                            <a:schemeClr val="tx1"/>
+                          </a:solidFill>
+                          <a:effectLst/>
+                          <a:latin typeface="+mn-lt"/>
+                          <a:ea typeface="Times New Roman" panose="02020603050405020304" pitchFamily="18" charset="0"/>
+                        </a:rPr>
+                        <a:t>2</a:t>
+                      </a:r>
+                    </a:p>
+                  </a:txBody>
+                  <a:tcPr marL="44450" marR="44450" marT="0" marB="0"/>
+                </a:tc>
+                <a:extLst>
+                  <a:ext uri="{0D108BD9-81ED-4DB2-BD59-A6C34878D82A}">
+                    <a16:rowId xmlns:a16="http://schemas.microsoft.com/office/drawing/2014/main" val="4083045681"/>
+                  </a:ext>
+                </a:extLst>
+              </a:tr>
+              <a:tr h="314296">
+                <a:tc>
+                  <a:txBody>
+                    <a:bodyPr/>
+                    <a:lstStyle/>
+                    <a:p>
+                      <a:r>
+                        <a:rPr lang="pt-BR" sz="1200">
+                          <a:solidFill>
+                            <a:schemeClr val="tx1"/>
+                          </a:solidFill>
+                          <a:effectLst/>
+                          <a:latin typeface="+mn-lt"/>
+                          <a:ea typeface="Times New Roman" panose="02020603050405020304" pitchFamily="18" charset="0"/>
+                        </a:rPr>
+                        <a:t>Funcionamento da câmera é estranho/complicado de entender</a:t>
+                      </a:r>
+                    </a:p>
+                  </a:txBody>
+                  <a:tcPr marL="44450" marR="44450" marT="0" marB="0"/>
+                </a:tc>
+                <a:tc>
+                  <a:txBody>
+                    <a:bodyPr/>
+                    <a:lstStyle/>
+                    <a:p>
+                      <a:r>
+                        <a:rPr lang="pt-BR" sz="1200" dirty="0">
+                          <a:solidFill>
+                            <a:schemeClr val="tx1"/>
+                          </a:solidFill>
+                          <a:effectLst/>
+                          <a:latin typeface="+mn-lt"/>
+                          <a:ea typeface="Times New Roman" panose="02020603050405020304" pitchFamily="18" charset="0"/>
+                        </a:rPr>
+                        <a:t>2</a:t>
+                      </a:r>
+                    </a:p>
+                  </a:txBody>
+                  <a:tcPr marL="44450" marR="44450" marT="0" marB="0"/>
+                </a:tc>
+                <a:extLst>
+                  <a:ext uri="{0D108BD9-81ED-4DB2-BD59-A6C34878D82A}">
+                    <a16:rowId xmlns:a16="http://schemas.microsoft.com/office/drawing/2014/main" val="3782942894"/>
+                  </a:ext>
+                </a:extLst>
+              </a:tr>
+              <a:tr h="314296">
+                <a:tc>
+                  <a:txBody>
+                    <a:bodyPr/>
+                    <a:lstStyle/>
+                    <a:p>
+                      <a:r>
+                        <a:rPr lang="pt-BR" sz="1200">
+                          <a:solidFill>
+                            <a:schemeClr val="tx1"/>
+                          </a:solidFill>
+                          <a:effectLst/>
+                          <a:latin typeface="+mn-lt"/>
+                          <a:ea typeface="Times New Roman" panose="02020603050405020304" pitchFamily="18" charset="0"/>
+                        </a:rPr>
+                        <a:t>Textos pequenos</a:t>
+                      </a:r>
+                    </a:p>
+                  </a:txBody>
+                  <a:tcPr marL="44450" marR="44450" marT="0" marB="0"/>
+                </a:tc>
+                <a:tc>
+                  <a:txBody>
+                    <a:bodyPr/>
+                    <a:lstStyle/>
+                    <a:p>
+                      <a:r>
+                        <a:rPr lang="pt-BR" sz="1200" dirty="0">
+                          <a:solidFill>
+                            <a:schemeClr val="tx1"/>
+                          </a:solidFill>
+                          <a:effectLst/>
+                          <a:latin typeface="+mn-lt"/>
+                          <a:ea typeface="Times New Roman" panose="02020603050405020304" pitchFamily="18" charset="0"/>
+                        </a:rPr>
+                        <a:t>1</a:t>
+                      </a:r>
+                    </a:p>
+                  </a:txBody>
+                  <a:tcPr marL="44450" marR="44450" marT="0" marB="0"/>
+                </a:tc>
+                <a:extLst>
+                  <a:ext uri="{0D108BD9-81ED-4DB2-BD59-A6C34878D82A}">
+                    <a16:rowId xmlns:a16="http://schemas.microsoft.com/office/drawing/2014/main" val="4284950795"/>
+                  </a:ext>
+                </a:extLst>
+              </a:tr>
+              <a:tr h="314296">
+                <a:tc>
+                  <a:txBody>
+                    <a:bodyPr/>
+                    <a:lstStyle/>
+                    <a:p>
+                      <a:r>
+                        <a:rPr lang="pt-BR" sz="1200">
+                          <a:solidFill>
+                            <a:schemeClr val="tx1"/>
+                          </a:solidFill>
+                          <a:effectLst/>
+                          <a:latin typeface="+mn-lt"/>
+                          <a:ea typeface="Times New Roman" panose="02020603050405020304" pitchFamily="18" charset="0"/>
+                        </a:rPr>
+                        <a:t>Poderia utilizar o localStorage para armazenar informações de sessão do usuário.</a:t>
+                      </a:r>
+                    </a:p>
+                  </a:txBody>
+                  <a:tcPr marL="44450" marR="44450" marT="0" marB="0"/>
+                </a:tc>
+                <a:tc>
+                  <a:txBody>
+                    <a:bodyPr/>
+                    <a:lstStyle/>
+                    <a:p>
+                      <a:r>
+                        <a:rPr lang="pt-BR" sz="1200" dirty="0">
+                          <a:solidFill>
+                            <a:schemeClr val="tx1"/>
+                          </a:solidFill>
+                          <a:effectLst/>
+                          <a:latin typeface="+mn-lt"/>
+                          <a:ea typeface="Times New Roman" panose="02020603050405020304" pitchFamily="18" charset="0"/>
+                        </a:rPr>
+                        <a:t>1</a:t>
+                      </a:r>
+                    </a:p>
+                  </a:txBody>
+                  <a:tcPr marL="44450" marR="44450" marT="0" marB="0"/>
+                </a:tc>
+                <a:extLst>
+                  <a:ext uri="{0D108BD9-81ED-4DB2-BD59-A6C34878D82A}">
+                    <a16:rowId xmlns:a16="http://schemas.microsoft.com/office/drawing/2014/main" val="2873495970"/>
+                  </a:ext>
+                </a:extLst>
+              </a:tr>
+              <a:tr h="361655">
+                <a:tc>
+                  <a:txBody>
+                    <a:bodyPr/>
+                    <a:lstStyle/>
+                    <a:p>
+                      <a:r>
+                        <a:rPr lang="pt-BR" sz="1200">
+                          <a:solidFill>
+                            <a:schemeClr val="tx1"/>
+                          </a:solidFill>
+                          <a:effectLst/>
+                          <a:latin typeface="+mn-lt"/>
+                          <a:ea typeface="Times New Roman" panose="02020603050405020304" pitchFamily="18" charset="0"/>
+                        </a:rPr>
+                        <a:t>Não é mostrado ao usuário qual o intervalo de números que podem ser inseridos nas propriedades</a:t>
+                      </a:r>
+                    </a:p>
+                  </a:txBody>
+                  <a:tcPr marL="44450" marR="44450" marT="0" marB="0"/>
+                </a:tc>
+                <a:tc>
+                  <a:txBody>
+                    <a:bodyPr/>
+                    <a:lstStyle/>
+                    <a:p>
+                      <a:r>
+                        <a:rPr lang="pt-BR" sz="1200" dirty="0">
+                          <a:solidFill>
+                            <a:schemeClr val="tx1"/>
+                          </a:solidFill>
+                          <a:effectLst/>
+                          <a:latin typeface="+mn-lt"/>
+                          <a:ea typeface="Times New Roman" panose="02020603050405020304" pitchFamily="18" charset="0"/>
+                        </a:rPr>
+                        <a:t>1</a:t>
+                      </a:r>
+                    </a:p>
+                  </a:txBody>
+                  <a:tcPr marL="44450" marR="44450" marT="0" marB="0"/>
+                </a:tc>
+                <a:extLst>
+                  <a:ext uri="{0D108BD9-81ED-4DB2-BD59-A6C34878D82A}">
+                    <a16:rowId xmlns:a16="http://schemas.microsoft.com/office/drawing/2014/main" val="1395965783"/>
+                  </a:ext>
+                </a:extLst>
+              </a:tr>
+              <a:tr h="361655">
+                <a:tc>
+                  <a:txBody>
+                    <a:bodyPr/>
+                    <a:lstStyle/>
+                    <a:p>
+                      <a:r>
+                        <a:rPr lang="pt-BR" sz="1200">
+                          <a:solidFill>
+                            <a:schemeClr val="tx1"/>
+                          </a:solidFill>
+                          <a:effectLst/>
+                          <a:latin typeface="+mn-lt"/>
+                          <a:ea typeface="Times New Roman" panose="02020603050405020304" pitchFamily="18" charset="0"/>
+                        </a:rPr>
+                        <a:t>Deveria ter uma explicação mais detalhada sobre as outras funcionalidades da aba Configurações</a:t>
+                      </a:r>
+                    </a:p>
+                  </a:txBody>
+                  <a:tcPr marL="44450" marR="44450" marT="0" marB="0"/>
+                </a:tc>
+                <a:tc>
+                  <a:txBody>
+                    <a:bodyPr/>
+                    <a:lstStyle/>
+                    <a:p>
+                      <a:r>
+                        <a:rPr lang="pt-BR" sz="1200" dirty="0">
+                          <a:solidFill>
+                            <a:schemeClr val="tx1"/>
+                          </a:solidFill>
+                          <a:effectLst/>
+                          <a:latin typeface="+mn-lt"/>
+                          <a:ea typeface="Times New Roman" panose="02020603050405020304" pitchFamily="18" charset="0"/>
+                        </a:rPr>
+                        <a:t>1</a:t>
+                      </a:r>
+                    </a:p>
+                  </a:txBody>
+                  <a:tcPr marL="44450" marR="44450" marT="0" marB="0"/>
+                </a:tc>
+                <a:extLst>
+                  <a:ext uri="{0D108BD9-81ED-4DB2-BD59-A6C34878D82A}">
+                    <a16:rowId xmlns:a16="http://schemas.microsoft.com/office/drawing/2014/main" val="1402186593"/>
+                  </a:ext>
+                </a:extLst>
+              </a:tr>
+              <a:tr h="314296">
+                <a:tc>
+                  <a:txBody>
+                    <a:bodyPr/>
+                    <a:lstStyle/>
+                    <a:p>
+                      <a:r>
+                        <a:rPr lang="pt-BR" sz="1200">
+                          <a:solidFill>
+                            <a:schemeClr val="tx1"/>
+                          </a:solidFill>
+                          <a:effectLst/>
+                          <a:latin typeface="+mn-lt"/>
+                          <a:ea typeface="Times New Roman" panose="02020603050405020304" pitchFamily="18" charset="0"/>
+                        </a:rPr>
+                        <a:t>Modo escuro restrito a apenas uma das quatro janelas</a:t>
+                      </a:r>
+                    </a:p>
+                  </a:txBody>
+                  <a:tcPr marL="44450" marR="44450" marT="0" marB="0"/>
+                </a:tc>
+                <a:tc>
+                  <a:txBody>
+                    <a:bodyPr/>
+                    <a:lstStyle/>
+                    <a:p>
+                      <a:r>
+                        <a:rPr lang="pt-BR" sz="1200" dirty="0">
+                          <a:solidFill>
+                            <a:schemeClr val="tx1"/>
+                          </a:solidFill>
+                          <a:effectLst/>
+                          <a:latin typeface="+mn-lt"/>
+                          <a:ea typeface="Times New Roman" panose="02020603050405020304" pitchFamily="18" charset="0"/>
+                        </a:rPr>
+                        <a:t>1</a:t>
+                      </a:r>
+                    </a:p>
+                  </a:txBody>
+                  <a:tcPr marL="44450" marR="44450" marT="0" marB="0"/>
+                </a:tc>
+                <a:extLst>
+                  <a:ext uri="{0D108BD9-81ED-4DB2-BD59-A6C34878D82A}">
+                    <a16:rowId xmlns:a16="http://schemas.microsoft.com/office/drawing/2014/main" val="2130079387"/>
+                  </a:ext>
+                </a:extLst>
+              </a:tr>
+              <a:tr h="542481">
+                <a:tc>
+                  <a:txBody>
+                    <a:bodyPr/>
+                    <a:lstStyle/>
+                    <a:p>
+                      <a:r>
+                        <a:rPr lang="pt-BR" sz="1200" dirty="0">
+                          <a:solidFill>
+                            <a:schemeClr val="tx1"/>
+                          </a:solidFill>
+                          <a:effectLst/>
+                          <a:latin typeface="+mn-lt"/>
+                          <a:ea typeface="Times New Roman" panose="02020603050405020304" pitchFamily="18" charset="0"/>
+                        </a:rPr>
+                        <a:t>Na hierarquia pai-filho, quando o filho já herdou algo do pai e é clicado no filho para editar, ele perde na visualização o que herdou do pai e é preciso clicar novamente no pai para a propriedade reaparecer na visualização</a:t>
+                      </a:r>
+                    </a:p>
+                  </a:txBody>
+                  <a:tcPr marL="44450" marR="44450" marT="0" marB="0"/>
+                </a:tc>
+                <a:tc>
+                  <a:txBody>
+                    <a:bodyPr/>
+                    <a:lstStyle/>
+                    <a:p>
+                      <a:r>
+                        <a:rPr lang="pt-BR" sz="1200" dirty="0">
+                          <a:solidFill>
+                            <a:schemeClr val="tx1"/>
+                          </a:solidFill>
+                          <a:effectLst/>
+                          <a:latin typeface="+mn-lt"/>
+                          <a:ea typeface="Times New Roman" panose="02020603050405020304" pitchFamily="18" charset="0"/>
+                        </a:rPr>
+                        <a:t>1</a:t>
+                      </a:r>
+                    </a:p>
+                  </a:txBody>
+                  <a:tcPr marL="44450" marR="44450" marT="0" marB="0"/>
+                </a:tc>
+                <a:extLst>
+                  <a:ext uri="{0D108BD9-81ED-4DB2-BD59-A6C34878D82A}">
+                    <a16:rowId xmlns:a16="http://schemas.microsoft.com/office/drawing/2014/main" val="729659188"/>
+                  </a:ext>
+                </a:extLst>
+              </a:tr>
+              <a:tr h="314296">
+                <a:tc>
+                  <a:txBody>
+                    <a:bodyPr/>
+                    <a:lstStyle/>
+                    <a:p>
+                      <a:r>
+                        <a:rPr lang="pt-BR" sz="1200" dirty="0">
+                          <a:solidFill>
+                            <a:schemeClr val="tx1"/>
+                          </a:solidFill>
+                          <a:effectLst/>
+                          <a:latin typeface="+mn-lt"/>
+                          <a:ea typeface="Times New Roman" panose="02020603050405020304" pitchFamily="18" charset="0"/>
+                        </a:rPr>
+                        <a:t>Tutorial não permite pular etapas</a:t>
+                      </a:r>
+                    </a:p>
+                  </a:txBody>
+                  <a:tcPr marL="44450" marR="44450" marT="0" marB="0"/>
+                </a:tc>
+                <a:tc>
+                  <a:txBody>
+                    <a:bodyPr/>
+                    <a:lstStyle/>
+                    <a:p>
+                      <a:r>
+                        <a:rPr lang="pt-BR" sz="1200" dirty="0">
+                          <a:solidFill>
+                            <a:schemeClr val="tx1"/>
+                          </a:solidFill>
+                          <a:effectLst/>
+                          <a:latin typeface="+mn-lt"/>
+                          <a:ea typeface="Times New Roman" panose="02020603050405020304" pitchFamily="18" charset="0"/>
+                        </a:rPr>
+                        <a:t>1</a:t>
+                      </a:r>
+                    </a:p>
+                  </a:txBody>
+                  <a:tcPr marL="44450" marR="44450" marT="0" marB="0"/>
+                </a:tc>
+                <a:extLst>
+                  <a:ext uri="{0D108BD9-81ED-4DB2-BD59-A6C34878D82A}">
+                    <a16:rowId xmlns:a16="http://schemas.microsoft.com/office/drawing/2014/main" val="1190110239"/>
+                  </a:ext>
+                </a:extLst>
+              </a:tr>
+            </a:tbl>
+          </a:graphicData>
+        </a:graphic>
+      </p:graphicFrame>
       <p:sp>
         <p:nvSpPr>
-          <p:cNvPr id="3" name="Espaço Reservado para Conteúdo 2"/>
+          <p:cNvPr id="11" name="Rectangle 8">
+            <a:extLst>
+              <a:ext uri="{FF2B5EF4-FFF2-40B4-BE49-F238E27FC236}">
+                <a16:creationId xmlns:a16="http://schemas.microsoft.com/office/drawing/2014/main" id="{7E030E83-592B-5AC1-6ED8-000157029A74}"/>
+              </a:ext>
+            </a:extLst>
+          </p:cNvPr>
           <p:cNvSpPr>
-            <a:spLocks noGrp="1"/>
+            <a:spLocks noChangeArrowheads="1"/>
           </p:cNvSpPr>
-          <p:nvPr>
-            <p:ph idx="1"/>
-          </p:nvPr>
+          <p:nvPr/>
         </p:nvSpPr>
-        <p:spPr/>
+        <p:spPr bwMode="auto">
+          <a:xfrm>
+            <a:off x="-661989" y="6289481"/>
+            <a:ext cx="10467976" cy="261610"/>
+          </a:xfrm>
+          <a:prstGeom prst="rect">
+            <a:avLst/>
+          </a:prstGeom>
+          <a:noFill/>
+          <a:ln>
+            <a:noFill/>
+          </a:ln>
+          <a:effectLst/>
+          <a:extLst>
+            <a:ext uri="{909E8E84-426E-40DD-AFC4-6F175D3DCCD1}">
+              <a14:hiddenFill xmlns:a14="http://schemas.microsoft.com/office/drawing/2010/main">
+                <a:solidFill>
+                  <a:schemeClr val="accent1"/>
+                </a:solidFill>
+              </a14:hiddenFill>
+            </a:ext>
+            <a:ext uri="{91240B29-F687-4F45-9708-019B960494DF}">
+              <a14:hiddenLine xmlns:a14="http://schemas.microsoft.com/office/drawing/2010/main" w="9525">
+                <a:solidFill>
+                  <a:schemeClr val="tx1"/>
+                </a:solidFill>
+                <a:miter lim="800000"/>
+                <a:headEnd/>
+                <a:tailEnd/>
+              </a14:hiddenLine>
+            </a:ext>
+            <a:ext uri="{AF507438-7753-43E0-B8FC-AC1667EBCBE1}">
+              <a14:hiddenEffects xmlns:a14="http://schemas.microsoft.com/office/drawing/2010/main">
+                <a:effectLst>
+                  <a:outerShdw dist="35921" dir="2700000" algn="ctr" rotWithShape="0">
+                    <a:schemeClr val="bg2"/>
+                  </a:outerShdw>
+                </a:effectLst>
+              </a14:hiddenEffects>
+            </a:ext>
+          </a:extLst>
+        </p:spPr>
         <p:txBody>
-          <a:bodyPr/>
-          <a:lstStyle/>
-          <a:p>
-            <a:r>
-              <a:rPr lang="pt-BR" dirty="0"/>
-              <a:t>(Apresentar as principais conclusões e sugestões do trabalho – reforce o atendimento dos objetivos)</a:t>
-            </a:r>
-          </a:p>
-          <a:p>
-            <a:r>
-              <a:rPr lang="pt-BR" dirty="0"/>
-              <a:t>(Aponte o maior número possível de sugestões significativas para continuidade do trabalho)</a:t>
-            </a:r>
-          </a:p>
-          <a:p>
-            <a:r>
-              <a:rPr lang="pt-BR" dirty="0"/>
-              <a:t>(Tempo estimado – 2 minutos)</a:t>
-            </a:r>
-          </a:p>
-          <a:p>
-            <a:endParaRPr lang="pt-BR" dirty="0"/>
+          <a:bodyPr anchor="ctr">
+            <a:spAutoFit/>
+          </a:bodyPr>
+          <a:lstStyle>
+            <a:lvl1pPr>
+              <a:spcBef>
+                <a:spcPct val="20000"/>
+              </a:spcBef>
+              <a:buChar char="•"/>
+              <a:defRPr sz="3200">
+                <a:solidFill>
+                  <a:schemeClr val="tx1"/>
+                </a:solidFill>
+                <a:latin typeface="Arial" panose="020B0604020202020204" pitchFamily="34" charset="0"/>
+              </a:defRPr>
+            </a:lvl1pPr>
+            <a:lvl2pPr marL="742950" indent="-285750">
+              <a:spcBef>
+                <a:spcPct val="20000"/>
+              </a:spcBef>
+              <a:buChar char="–"/>
+              <a:defRPr sz="2800">
+                <a:solidFill>
+                  <a:schemeClr val="tx1"/>
+                </a:solidFill>
+                <a:latin typeface="Arial" panose="020B0604020202020204" pitchFamily="34" charset="0"/>
+              </a:defRPr>
+            </a:lvl2pPr>
+            <a:lvl3pPr marL="1143000" indent="-228600">
+              <a:spcBef>
+                <a:spcPct val="20000"/>
+              </a:spcBef>
+              <a:buChar char="•"/>
+              <a:defRPr sz="2400">
+                <a:solidFill>
+                  <a:schemeClr val="tx1"/>
+                </a:solidFill>
+                <a:latin typeface="Arial" panose="020B0604020202020204" pitchFamily="34" charset="0"/>
+              </a:defRPr>
+            </a:lvl3pPr>
+            <a:lvl4pPr marL="1600200" indent="-228600">
+              <a:spcBef>
+                <a:spcPct val="20000"/>
+              </a:spcBef>
+              <a:buChar char="–"/>
+              <a:defRPr sz="2000">
+                <a:solidFill>
+                  <a:schemeClr val="tx1"/>
+                </a:solidFill>
+                <a:latin typeface="Arial" panose="020B0604020202020204" pitchFamily="34" charset="0"/>
+              </a:defRPr>
+            </a:lvl4pPr>
+            <a:lvl5pPr marL="2057400" indent="-228600">
+              <a:spcBef>
+                <a:spcPct val="20000"/>
+              </a:spcBef>
+              <a:buChar char="»"/>
+              <a:defRPr sz="2000">
+                <a:solidFill>
+                  <a:schemeClr val="tx1"/>
+                </a:solidFill>
+                <a:latin typeface="Arial" panose="020B0604020202020204" pitchFamily="34" charset="0"/>
+              </a:defRPr>
+            </a:lvl5pPr>
+            <a:lvl6pPr marL="2514600" indent="-228600" eaLnBrk="0" fontAlgn="base" hangingPunct="0">
+              <a:spcBef>
+                <a:spcPct val="20000"/>
+              </a:spcBef>
+              <a:spcAft>
+                <a:spcPct val="0"/>
+              </a:spcAft>
+              <a:buChar char="»"/>
+              <a:defRPr sz="2000">
+                <a:solidFill>
+                  <a:schemeClr val="tx1"/>
+                </a:solidFill>
+                <a:latin typeface="Arial" panose="020B0604020202020204" pitchFamily="34" charset="0"/>
+              </a:defRPr>
+            </a:lvl6pPr>
+            <a:lvl7pPr marL="2971800" indent="-228600" eaLnBrk="0" fontAlgn="base" hangingPunct="0">
+              <a:spcBef>
+                <a:spcPct val="20000"/>
+              </a:spcBef>
+              <a:spcAft>
+                <a:spcPct val="0"/>
+              </a:spcAft>
+              <a:buChar char="»"/>
+              <a:defRPr sz="2000">
+                <a:solidFill>
+                  <a:schemeClr val="tx1"/>
+                </a:solidFill>
+                <a:latin typeface="Arial" panose="020B0604020202020204" pitchFamily="34" charset="0"/>
+              </a:defRPr>
+            </a:lvl7pPr>
+            <a:lvl8pPr marL="3429000" indent="-228600" eaLnBrk="0" fontAlgn="base" hangingPunct="0">
+              <a:spcBef>
+                <a:spcPct val="20000"/>
+              </a:spcBef>
+              <a:spcAft>
+                <a:spcPct val="0"/>
+              </a:spcAft>
+              <a:buChar char="»"/>
+              <a:defRPr sz="2000">
+                <a:solidFill>
+                  <a:schemeClr val="tx1"/>
+                </a:solidFill>
+                <a:latin typeface="Arial" panose="020B0604020202020204" pitchFamily="34" charset="0"/>
+              </a:defRPr>
+            </a:lvl8pPr>
+            <a:lvl9pPr marL="3886200" indent="-228600" eaLnBrk="0" fontAlgn="base" hangingPunct="0">
+              <a:spcBef>
+                <a:spcPct val="20000"/>
+              </a:spcBef>
+              <a:spcAft>
+                <a:spcPct val="0"/>
+              </a:spcAft>
+              <a:buChar char="»"/>
+              <a:defRPr sz="2000">
+                <a:solidFill>
+                  <a:schemeClr val="tx1"/>
+                </a:solidFill>
+                <a:latin typeface="Arial" panose="020B0604020202020204" pitchFamily="34" charset="0"/>
+              </a:defRPr>
+            </a:lvl9pPr>
+          </a:lstStyle>
+          <a:p>
+            <a:pPr algn="ctr">
+              <a:spcBef>
+                <a:spcPct val="0"/>
+              </a:spcBef>
+              <a:buFontTx/>
+              <a:buNone/>
+            </a:pPr>
+            <a:r>
+              <a:rPr lang="pt-BR" altLang="pt-BR" sz="1100" dirty="0">
+                <a:cs typeface="Times New Roman" panose="02020603050405020304" pitchFamily="18" charset="0"/>
+              </a:rPr>
+              <a:t>Fonte: questionário elaborado pela autora.</a:t>
+            </a:r>
+            <a:endParaRPr lang="pt-BR" altLang="pt-BR" sz="1100" dirty="0"/>
           </a:p>
         </p:txBody>
       </p:sp>
     </p:spTree>
     <p:extLst>
       <p:ext uri="{BB962C8B-B14F-4D97-AF65-F5344CB8AC3E}">
-        <p14:creationId xmlns:p14="http://schemas.microsoft.com/office/powerpoint/2010/main" val="2793539094"/>
+        <p14:creationId xmlns:p14="http://schemas.microsoft.com/office/powerpoint/2010/main" val="2865129427"/>
+      </p:ext>
+    </p:extLst>
+  </p:cSld>
+  <p:clrMapOvr>
+    <a:masterClrMapping/>
+  </p:clrMapOvr>
+</p:sld>
+</file>
+
+<file path=ppt/slides/slide29.xml><?xml version="1.0" encoding="utf-8"?>
+<p:sld xmlns:a="http://schemas.openxmlformats.org/drawingml/2006/main" xmlns:r="http://schemas.openxmlformats.org/officeDocument/2006/relationships" xmlns:p="http://schemas.openxmlformats.org/presentationml/2006/main">
+  <p:cSld>
+    <p:spTree>
+      <p:nvGrpSpPr>
+        <p:cNvPr id="1" name=""/>
+        <p:cNvGrpSpPr/>
+        <p:nvPr/>
+      </p:nvGrpSpPr>
+      <p:grpSpPr>
+        <a:xfrm>
+          <a:off x="0" y="0"/>
+          <a:ext cx="0" cy="0"/>
+          <a:chOff x="0" y="0"/>
+          <a:chExt cx="0" cy="0"/>
+        </a:xfrm>
+      </p:grpSpPr>
+      <p:sp>
+        <p:nvSpPr>
+          <p:cNvPr id="9" name="CaixaDeTexto 7">
+            <a:extLst>
+              <a:ext uri="{FF2B5EF4-FFF2-40B4-BE49-F238E27FC236}">
+                <a16:creationId xmlns:a16="http://schemas.microsoft.com/office/drawing/2014/main" id="{2CDBCF28-8FF9-EAFC-1680-F75EF8A67D96}"/>
+              </a:ext>
+            </a:extLst>
+          </p:cNvPr>
+          <p:cNvSpPr txBox="1">
+            <a:spLocks noChangeArrowheads="1"/>
+          </p:cNvSpPr>
+          <p:nvPr/>
+        </p:nvSpPr>
+        <p:spPr bwMode="auto">
+          <a:xfrm>
+            <a:off x="1593459" y="996974"/>
+            <a:ext cx="5957080" cy="276999"/>
+          </a:xfrm>
+          <a:prstGeom prst="rect">
+            <a:avLst/>
+          </a:prstGeom>
+          <a:noFill/>
+          <a:ln>
+            <a:noFill/>
+          </a:ln>
+          <a:extLst>
+            <a:ext uri="{909E8E84-426E-40DD-AFC4-6F175D3DCCD1}">
+              <a14:hiddenFill xmlns:a14="http://schemas.microsoft.com/office/drawing/2010/main">
+                <a:solidFill>
+                  <a:srgbClr val="FFFFFF"/>
+                </a:solidFill>
+              </a14:hiddenFill>
+            </a:ext>
+            <a:ext uri="{91240B29-F687-4F45-9708-019B960494DF}">
+              <a14:hiddenLine xmlns:a14="http://schemas.microsoft.com/office/drawing/2010/main" w="9525">
+                <a:solidFill>
+                  <a:srgbClr val="000000"/>
+                </a:solidFill>
+                <a:miter lim="800000"/>
+                <a:headEnd/>
+                <a:tailEnd/>
+              </a14:hiddenLine>
+            </a:ext>
+          </a:extLst>
+        </p:spPr>
+        <p:txBody>
+          <a:bodyPr wrap="none">
+            <a:spAutoFit/>
+          </a:bodyPr>
+          <a:lstStyle>
+            <a:lvl1pPr>
+              <a:spcBef>
+                <a:spcPct val="20000"/>
+              </a:spcBef>
+              <a:buChar char="•"/>
+              <a:defRPr sz="3200">
+                <a:solidFill>
+                  <a:schemeClr val="tx1"/>
+                </a:solidFill>
+                <a:latin typeface="Arial" panose="020B0604020202020204" pitchFamily="34" charset="0"/>
+              </a:defRPr>
+            </a:lvl1pPr>
+            <a:lvl2pPr marL="742950" indent="-285750">
+              <a:spcBef>
+                <a:spcPct val="20000"/>
+              </a:spcBef>
+              <a:buChar char="–"/>
+              <a:defRPr sz="2800">
+                <a:solidFill>
+                  <a:schemeClr val="tx1"/>
+                </a:solidFill>
+                <a:latin typeface="Arial" panose="020B0604020202020204" pitchFamily="34" charset="0"/>
+              </a:defRPr>
+            </a:lvl2pPr>
+            <a:lvl3pPr marL="1143000" indent="-228600">
+              <a:spcBef>
+                <a:spcPct val="20000"/>
+              </a:spcBef>
+              <a:buChar char="•"/>
+              <a:defRPr sz="2400">
+                <a:solidFill>
+                  <a:schemeClr val="tx1"/>
+                </a:solidFill>
+                <a:latin typeface="Arial" panose="020B0604020202020204" pitchFamily="34" charset="0"/>
+              </a:defRPr>
+            </a:lvl3pPr>
+            <a:lvl4pPr marL="1600200" indent="-228600">
+              <a:spcBef>
+                <a:spcPct val="20000"/>
+              </a:spcBef>
+              <a:buChar char="–"/>
+              <a:defRPr sz="2000">
+                <a:solidFill>
+                  <a:schemeClr val="tx1"/>
+                </a:solidFill>
+                <a:latin typeface="Arial" panose="020B0604020202020204" pitchFamily="34" charset="0"/>
+              </a:defRPr>
+            </a:lvl4pPr>
+            <a:lvl5pPr marL="2057400" indent="-228600">
+              <a:spcBef>
+                <a:spcPct val="20000"/>
+              </a:spcBef>
+              <a:buChar char="»"/>
+              <a:defRPr sz="2000">
+                <a:solidFill>
+                  <a:schemeClr val="tx1"/>
+                </a:solidFill>
+                <a:latin typeface="Arial" panose="020B0604020202020204" pitchFamily="34" charset="0"/>
+              </a:defRPr>
+            </a:lvl5pPr>
+            <a:lvl6pPr marL="2514600" indent="-228600" eaLnBrk="0" fontAlgn="base" hangingPunct="0">
+              <a:spcBef>
+                <a:spcPct val="20000"/>
+              </a:spcBef>
+              <a:spcAft>
+                <a:spcPct val="0"/>
+              </a:spcAft>
+              <a:buChar char="»"/>
+              <a:defRPr sz="2000">
+                <a:solidFill>
+                  <a:schemeClr val="tx1"/>
+                </a:solidFill>
+                <a:latin typeface="Arial" panose="020B0604020202020204" pitchFamily="34" charset="0"/>
+              </a:defRPr>
+            </a:lvl6pPr>
+            <a:lvl7pPr marL="2971800" indent="-228600" eaLnBrk="0" fontAlgn="base" hangingPunct="0">
+              <a:spcBef>
+                <a:spcPct val="20000"/>
+              </a:spcBef>
+              <a:spcAft>
+                <a:spcPct val="0"/>
+              </a:spcAft>
+              <a:buChar char="»"/>
+              <a:defRPr sz="2000">
+                <a:solidFill>
+                  <a:schemeClr val="tx1"/>
+                </a:solidFill>
+                <a:latin typeface="Arial" panose="020B0604020202020204" pitchFamily="34" charset="0"/>
+              </a:defRPr>
+            </a:lvl7pPr>
+            <a:lvl8pPr marL="3429000" indent="-228600" eaLnBrk="0" fontAlgn="base" hangingPunct="0">
+              <a:spcBef>
+                <a:spcPct val="20000"/>
+              </a:spcBef>
+              <a:spcAft>
+                <a:spcPct val="0"/>
+              </a:spcAft>
+              <a:buChar char="»"/>
+              <a:defRPr sz="2000">
+                <a:solidFill>
+                  <a:schemeClr val="tx1"/>
+                </a:solidFill>
+                <a:latin typeface="Arial" panose="020B0604020202020204" pitchFamily="34" charset="0"/>
+              </a:defRPr>
+            </a:lvl8pPr>
+            <a:lvl9pPr marL="3886200" indent="-228600" eaLnBrk="0" fontAlgn="base" hangingPunct="0">
+              <a:spcBef>
+                <a:spcPct val="20000"/>
+              </a:spcBef>
+              <a:spcAft>
+                <a:spcPct val="0"/>
+              </a:spcAft>
+              <a:buChar char="»"/>
+              <a:defRPr sz="2000">
+                <a:solidFill>
+                  <a:schemeClr val="tx1"/>
+                </a:solidFill>
+                <a:latin typeface="Arial" panose="020B0604020202020204" pitchFamily="34" charset="0"/>
+              </a:defRPr>
+            </a:lvl9pPr>
+          </a:lstStyle>
+          <a:p>
+            <a:pPr>
+              <a:spcBef>
+                <a:spcPct val="0"/>
+              </a:spcBef>
+              <a:buFontTx/>
+              <a:buNone/>
+            </a:pPr>
+            <a:r>
+              <a:rPr lang="pt-BR" altLang="pt-BR" sz="1200" dirty="0"/>
+              <a:t>Quadro 10 – Pontos negativos da aplicação apontados pelos alunos de CG – parte 2</a:t>
+            </a:r>
+          </a:p>
+        </p:txBody>
+      </p:sp>
+      <p:sp>
+        <p:nvSpPr>
+          <p:cNvPr id="11" name="Rectangle 8">
+            <a:extLst>
+              <a:ext uri="{FF2B5EF4-FFF2-40B4-BE49-F238E27FC236}">
+                <a16:creationId xmlns:a16="http://schemas.microsoft.com/office/drawing/2014/main" id="{7E030E83-592B-5AC1-6ED8-000157029A74}"/>
+              </a:ext>
+            </a:extLst>
+          </p:cNvPr>
+          <p:cNvSpPr>
+            <a:spLocks noChangeArrowheads="1"/>
+          </p:cNvSpPr>
+          <p:nvPr/>
+        </p:nvSpPr>
+        <p:spPr bwMode="auto">
+          <a:xfrm>
+            <a:off x="-661989" y="5599416"/>
+            <a:ext cx="10467976" cy="261610"/>
+          </a:xfrm>
+          <a:prstGeom prst="rect">
+            <a:avLst/>
+          </a:prstGeom>
+          <a:noFill/>
+          <a:ln>
+            <a:noFill/>
+          </a:ln>
+          <a:effectLst/>
+          <a:extLst>
+            <a:ext uri="{909E8E84-426E-40DD-AFC4-6F175D3DCCD1}">
+              <a14:hiddenFill xmlns:a14="http://schemas.microsoft.com/office/drawing/2010/main">
+                <a:solidFill>
+                  <a:schemeClr val="accent1"/>
+                </a:solidFill>
+              </a14:hiddenFill>
+            </a:ext>
+            <a:ext uri="{91240B29-F687-4F45-9708-019B960494DF}">
+              <a14:hiddenLine xmlns:a14="http://schemas.microsoft.com/office/drawing/2010/main" w="9525">
+                <a:solidFill>
+                  <a:schemeClr val="tx1"/>
+                </a:solidFill>
+                <a:miter lim="800000"/>
+                <a:headEnd/>
+                <a:tailEnd/>
+              </a14:hiddenLine>
+            </a:ext>
+            <a:ext uri="{AF507438-7753-43E0-B8FC-AC1667EBCBE1}">
+              <a14:hiddenEffects xmlns:a14="http://schemas.microsoft.com/office/drawing/2010/main">
+                <a:effectLst>
+                  <a:outerShdw dist="35921" dir="2700000" algn="ctr" rotWithShape="0">
+                    <a:schemeClr val="bg2"/>
+                  </a:outerShdw>
+                </a:effectLst>
+              </a14:hiddenEffects>
+            </a:ext>
+          </a:extLst>
+        </p:spPr>
+        <p:txBody>
+          <a:bodyPr anchor="ctr">
+            <a:spAutoFit/>
+          </a:bodyPr>
+          <a:lstStyle>
+            <a:lvl1pPr>
+              <a:spcBef>
+                <a:spcPct val="20000"/>
+              </a:spcBef>
+              <a:buChar char="•"/>
+              <a:defRPr sz="3200">
+                <a:solidFill>
+                  <a:schemeClr val="tx1"/>
+                </a:solidFill>
+                <a:latin typeface="Arial" panose="020B0604020202020204" pitchFamily="34" charset="0"/>
+              </a:defRPr>
+            </a:lvl1pPr>
+            <a:lvl2pPr marL="742950" indent="-285750">
+              <a:spcBef>
+                <a:spcPct val="20000"/>
+              </a:spcBef>
+              <a:buChar char="–"/>
+              <a:defRPr sz="2800">
+                <a:solidFill>
+                  <a:schemeClr val="tx1"/>
+                </a:solidFill>
+                <a:latin typeface="Arial" panose="020B0604020202020204" pitchFamily="34" charset="0"/>
+              </a:defRPr>
+            </a:lvl2pPr>
+            <a:lvl3pPr marL="1143000" indent="-228600">
+              <a:spcBef>
+                <a:spcPct val="20000"/>
+              </a:spcBef>
+              <a:buChar char="•"/>
+              <a:defRPr sz="2400">
+                <a:solidFill>
+                  <a:schemeClr val="tx1"/>
+                </a:solidFill>
+                <a:latin typeface="Arial" panose="020B0604020202020204" pitchFamily="34" charset="0"/>
+              </a:defRPr>
+            </a:lvl3pPr>
+            <a:lvl4pPr marL="1600200" indent="-228600">
+              <a:spcBef>
+                <a:spcPct val="20000"/>
+              </a:spcBef>
+              <a:buChar char="–"/>
+              <a:defRPr sz="2000">
+                <a:solidFill>
+                  <a:schemeClr val="tx1"/>
+                </a:solidFill>
+                <a:latin typeface="Arial" panose="020B0604020202020204" pitchFamily="34" charset="0"/>
+              </a:defRPr>
+            </a:lvl4pPr>
+            <a:lvl5pPr marL="2057400" indent="-228600">
+              <a:spcBef>
+                <a:spcPct val="20000"/>
+              </a:spcBef>
+              <a:buChar char="»"/>
+              <a:defRPr sz="2000">
+                <a:solidFill>
+                  <a:schemeClr val="tx1"/>
+                </a:solidFill>
+                <a:latin typeface="Arial" panose="020B0604020202020204" pitchFamily="34" charset="0"/>
+              </a:defRPr>
+            </a:lvl5pPr>
+            <a:lvl6pPr marL="2514600" indent="-228600" eaLnBrk="0" fontAlgn="base" hangingPunct="0">
+              <a:spcBef>
+                <a:spcPct val="20000"/>
+              </a:spcBef>
+              <a:spcAft>
+                <a:spcPct val="0"/>
+              </a:spcAft>
+              <a:buChar char="»"/>
+              <a:defRPr sz="2000">
+                <a:solidFill>
+                  <a:schemeClr val="tx1"/>
+                </a:solidFill>
+                <a:latin typeface="Arial" panose="020B0604020202020204" pitchFamily="34" charset="0"/>
+              </a:defRPr>
+            </a:lvl6pPr>
+            <a:lvl7pPr marL="2971800" indent="-228600" eaLnBrk="0" fontAlgn="base" hangingPunct="0">
+              <a:spcBef>
+                <a:spcPct val="20000"/>
+              </a:spcBef>
+              <a:spcAft>
+                <a:spcPct val="0"/>
+              </a:spcAft>
+              <a:buChar char="»"/>
+              <a:defRPr sz="2000">
+                <a:solidFill>
+                  <a:schemeClr val="tx1"/>
+                </a:solidFill>
+                <a:latin typeface="Arial" panose="020B0604020202020204" pitchFamily="34" charset="0"/>
+              </a:defRPr>
+            </a:lvl7pPr>
+            <a:lvl8pPr marL="3429000" indent="-228600" eaLnBrk="0" fontAlgn="base" hangingPunct="0">
+              <a:spcBef>
+                <a:spcPct val="20000"/>
+              </a:spcBef>
+              <a:spcAft>
+                <a:spcPct val="0"/>
+              </a:spcAft>
+              <a:buChar char="»"/>
+              <a:defRPr sz="2000">
+                <a:solidFill>
+                  <a:schemeClr val="tx1"/>
+                </a:solidFill>
+                <a:latin typeface="Arial" panose="020B0604020202020204" pitchFamily="34" charset="0"/>
+              </a:defRPr>
+            </a:lvl8pPr>
+            <a:lvl9pPr marL="3886200" indent="-228600" eaLnBrk="0" fontAlgn="base" hangingPunct="0">
+              <a:spcBef>
+                <a:spcPct val="20000"/>
+              </a:spcBef>
+              <a:spcAft>
+                <a:spcPct val="0"/>
+              </a:spcAft>
+              <a:buChar char="»"/>
+              <a:defRPr sz="2000">
+                <a:solidFill>
+                  <a:schemeClr val="tx1"/>
+                </a:solidFill>
+                <a:latin typeface="Arial" panose="020B0604020202020204" pitchFamily="34" charset="0"/>
+              </a:defRPr>
+            </a:lvl9pPr>
+          </a:lstStyle>
+          <a:p>
+            <a:pPr algn="ctr">
+              <a:spcBef>
+                <a:spcPct val="0"/>
+              </a:spcBef>
+              <a:buFontTx/>
+              <a:buNone/>
+            </a:pPr>
+            <a:r>
+              <a:rPr lang="pt-BR" altLang="pt-BR" sz="1100" dirty="0">
+                <a:cs typeface="Times New Roman" panose="02020603050405020304" pitchFamily="18" charset="0"/>
+              </a:rPr>
+              <a:t>Fonte: questionário elaborado pela autora.</a:t>
+            </a:r>
+            <a:endParaRPr lang="pt-BR" altLang="pt-BR" sz="1100" dirty="0"/>
+          </a:p>
+        </p:txBody>
+      </p:sp>
+      <p:graphicFrame>
+        <p:nvGraphicFramePr>
+          <p:cNvPr id="4" name="Espaço Reservado para Conteúdo 3">
+            <a:extLst>
+              <a:ext uri="{FF2B5EF4-FFF2-40B4-BE49-F238E27FC236}">
+                <a16:creationId xmlns:a16="http://schemas.microsoft.com/office/drawing/2014/main" id="{05A9B884-DE77-A1F9-1034-DEE5383D4E0B}"/>
+              </a:ext>
+            </a:extLst>
+          </p:cNvPr>
+          <p:cNvGraphicFramePr>
+            <a:graphicFrameLocks noGrp="1"/>
+          </p:cNvGraphicFramePr>
+          <p:nvPr>
+            <p:ph idx="1"/>
+            <p:extLst>
+              <p:ext uri="{D42A27DB-BD31-4B8C-83A1-F6EECF244321}">
+                <p14:modId xmlns:p14="http://schemas.microsoft.com/office/powerpoint/2010/main" val="3703686644"/>
+              </p:ext>
+            </p:extLst>
+          </p:nvPr>
+        </p:nvGraphicFramePr>
+        <p:xfrm>
+          <a:off x="457199" y="1275080"/>
+          <a:ext cx="8229600" cy="4307840"/>
+        </p:xfrm>
+        <a:graphic>
+          <a:graphicData uri="http://schemas.openxmlformats.org/drawingml/2006/table">
+            <a:tbl>
+              <a:tblPr firstRow="1" bandRow="1">
+                <a:tableStyleId>{5C22544A-7EE6-4342-B048-85BDC9FD1C3A}</a:tableStyleId>
+              </a:tblPr>
+              <a:tblGrid>
+                <a:gridCol w="6635080">
+                  <a:extLst>
+                    <a:ext uri="{9D8B030D-6E8A-4147-A177-3AD203B41FA5}">
+                      <a16:colId xmlns:a16="http://schemas.microsoft.com/office/drawing/2014/main" val="503148515"/>
+                    </a:ext>
+                  </a:extLst>
+                </a:gridCol>
+                <a:gridCol w="1594520">
+                  <a:extLst>
+                    <a:ext uri="{9D8B030D-6E8A-4147-A177-3AD203B41FA5}">
+                      <a16:colId xmlns:a16="http://schemas.microsoft.com/office/drawing/2014/main" val="3328461721"/>
+                    </a:ext>
+                  </a:extLst>
+                </a:gridCol>
+              </a:tblGrid>
+              <a:tr h="370840">
+                <a:tc>
+                  <a:txBody>
+                    <a:bodyPr/>
+                    <a:lstStyle/>
+                    <a:p>
+                      <a:r>
+                        <a:rPr lang="pt-BR" sz="1600" dirty="0">
+                          <a:solidFill>
+                            <a:schemeClr val="tx1"/>
+                          </a:solidFill>
+                          <a:effectLst/>
+                          <a:latin typeface="+mn-lt"/>
+                          <a:ea typeface="Times New Roman" panose="02020603050405020304" pitchFamily="18" charset="0"/>
+                        </a:rPr>
+                        <a:t>Palavras-chave/termos usados para descrever a aplicação</a:t>
+                      </a:r>
+                    </a:p>
+                  </a:txBody>
+                  <a:tcPr marL="44450" marR="44450" marT="0" marB="0"/>
+                </a:tc>
+                <a:tc>
+                  <a:txBody>
+                    <a:bodyPr/>
+                    <a:lstStyle/>
+                    <a:p>
+                      <a:r>
+                        <a:rPr lang="pt-BR" sz="1600" dirty="0">
+                          <a:solidFill>
+                            <a:schemeClr val="tx1"/>
+                          </a:solidFill>
+                          <a:effectLst/>
+                          <a:latin typeface="+mn-lt"/>
+                          <a:ea typeface="Times New Roman" panose="02020603050405020304" pitchFamily="18" charset="0"/>
+                        </a:rPr>
+                        <a:t>Quantidade de ocorrências</a:t>
+                      </a:r>
+                    </a:p>
+                  </a:txBody>
+                  <a:tcPr marL="44450" marR="44450" marT="0" marB="0"/>
+                </a:tc>
+                <a:extLst>
+                  <a:ext uri="{0D108BD9-81ED-4DB2-BD59-A6C34878D82A}">
+                    <a16:rowId xmlns:a16="http://schemas.microsoft.com/office/drawing/2014/main" val="2460550051"/>
+                  </a:ext>
+                </a:extLst>
+              </a:tr>
+              <a:tr h="370840">
+                <a:tc>
+                  <a:txBody>
+                    <a:bodyPr/>
+                    <a:lstStyle/>
+                    <a:p>
+                      <a:r>
+                        <a:rPr lang="pt-BR" sz="1400" dirty="0">
+                          <a:effectLst/>
+                          <a:latin typeface="+mn-lt"/>
+                          <a:ea typeface="Times New Roman" panose="02020603050405020304" pitchFamily="18" charset="0"/>
+                        </a:rPr>
+                        <a:t>Métricas de avaliação dos exercícios são confusas</a:t>
+                      </a:r>
+                    </a:p>
+                  </a:txBody>
+                  <a:tcPr marL="44450" marR="44450" marT="0" marB="0"/>
+                </a:tc>
+                <a:tc>
+                  <a:txBody>
+                    <a:bodyPr/>
+                    <a:lstStyle/>
+                    <a:p>
+                      <a:r>
+                        <a:rPr lang="pt-BR" sz="1400">
+                          <a:effectLst/>
+                          <a:latin typeface="+mn-lt"/>
+                          <a:ea typeface="Times New Roman" panose="02020603050405020304" pitchFamily="18" charset="0"/>
+                        </a:rPr>
+                        <a:t>1</a:t>
+                      </a:r>
+                    </a:p>
+                  </a:txBody>
+                  <a:tcPr marL="44450" marR="44450" marT="0" marB="0"/>
+                </a:tc>
+                <a:extLst>
+                  <a:ext uri="{0D108BD9-81ED-4DB2-BD59-A6C34878D82A}">
+                    <a16:rowId xmlns:a16="http://schemas.microsoft.com/office/drawing/2014/main" val="658213857"/>
+                  </a:ext>
+                </a:extLst>
+              </a:tr>
+              <a:tr h="370840">
+                <a:tc>
+                  <a:txBody>
+                    <a:bodyPr/>
+                    <a:lstStyle/>
+                    <a:p>
+                      <a:r>
+                        <a:rPr lang="pt-BR" sz="1400">
+                          <a:effectLst/>
+                          <a:latin typeface="+mn-lt"/>
+                          <a:ea typeface="Times New Roman" panose="02020603050405020304" pitchFamily="18" charset="0"/>
+                        </a:rPr>
+                        <a:t>O </a:t>
+                      </a:r>
+                      <a:r>
+                        <a:rPr lang="pt-BR" sz="1400" i="1">
+                          <a:effectLst/>
+                          <a:latin typeface="+mn-lt"/>
+                          <a:ea typeface="Times New Roman" panose="02020603050405020304" pitchFamily="18" charset="0"/>
+                        </a:rPr>
+                        <a:t>check</a:t>
+                      </a:r>
+                      <a:r>
+                        <a:rPr lang="pt-BR" sz="1400">
+                          <a:effectLst/>
+                          <a:latin typeface="+mn-lt"/>
+                          <a:ea typeface="Times New Roman" panose="02020603050405020304" pitchFamily="18" charset="0"/>
+                        </a:rPr>
+                        <a:t> sai do </a:t>
+                      </a:r>
+                      <a:r>
+                        <a:rPr lang="pt-BR" sz="1400" i="1">
+                          <a:effectLst/>
+                          <a:latin typeface="+mn-lt"/>
+                          <a:ea typeface="Times New Roman" panose="02020603050405020304" pitchFamily="18" charset="0"/>
+                        </a:rPr>
+                        <a:t>checkbox</a:t>
+                      </a:r>
+                      <a:r>
+                        <a:rPr lang="pt-BR" sz="1400">
+                          <a:effectLst/>
+                          <a:latin typeface="+mn-lt"/>
+                          <a:ea typeface="Times New Roman" panose="02020603050405020304" pitchFamily="18" charset="0"/>
+                        </a:rPr>
+                        <a:t> do exercício selecionado quando o botão de checar é clicado</a:t>
+                      </a:r>
+                    </a:p>
+                  </a:txBody>
+                  <a:tcPr marL="44450" marR="44450" marT="0" marB="0"/>
+                </a:tc>
+                <a:tc>
+                  <a:txBody>
+                    <a:bodyPr/>
+                    <a:lstStyle/>
+                    <a:p>
+                      <a:r>
+                        <a:rPr lang="pt-BR" sz="1400">
+                          <a:effectLst/>
+                          <a:latin typeface="+mn-lt"/>
+                          <a:ea typeface="Times New Roman" panose="02020603050405020304" pitchFamily="18" charset="0"/>
+                        </a:rPr>
+                        <a:t>1</a:t>
+                      </a:r>
+                    </a:p>
+                  </a:txBody>
+                  <a:tcPr marL="44450" marR="44450" marT="0" marB="0"/>
+                </a:tc>
+                <a:extLst>
+                  <a:ext uri="{0D108BD9-81ED-4DB2-BD59-A6C34878D82A}">
+                    <a16:rowId xmlns:a16="http://schemas.microsoft.com/office/drawing/2014/main" val="2594869734"/>
+                  </a:ext>
+                </a:extLst>
+              </a:tr>
+              <a:tr h="370840">
+                <a:tc>
+                  <a:txBody>
+                    <a:bodyPr/>
+                    <a:lstStyle/>
+                    <a:p>
+                      <a:r>
+                        <a:rPr lang="pt-BR" sz="1400">
+                          <a:effectLst/>
+                          <a:latin typeface="+mn-lt"/>
+                          <a:ea typeface="Times New Roman" panose="02020603050405020304" pitchFamily="18" charset="0"/>
+                        </a:rPr>
+                        <a:t>Os enunciados dos exercícios podem ser confusos para alguns, deveria ter dicas de como resolver</a:t>
+                      </a:r>
+                    </a:p>
+                  </a:txBody>
+                  <a:tcPr marL="44450" marR="44450" marT="0" marB="0"/>
+                </a:tc>
+                <a:tc>
+                  <a:txBody>
+                    <a:bodyPr/>
+                    <a:lstStyle/>
+                    <a:p>
+                      <a:r>
+                        <a:rPr lang="pt-BR" sz="1400">
+                          <a:effectLst/>
+                          <a:latin typeface="+mn-lt"/>
+                          <a:ea typeface="Times New Roman" panose="02020603050405020304" pitchFamily="18" charset="0"/>
+                        </a:rPr>
+                        <a:t>1</a:t>
+                      </a:r>
+                    </a:p>
+                  </a:txBody>
+                  <a:tcPr marL="44450" marR="44450" marT="0" marB="0"/>
+                </a:tc>
+                <a:extLst>
+                  <a:ext uri="{0D108BD9-81ED-4DB2-BD59-A6C34878D82A}">
+                    <a16:rowId xmlns:a16="http://schemas.microsoft.com/office/drawing/2014/main" val="2591381297"/>
+                  </a:ext>
+                </a:extLst>
+              </a:tr>
+              <a:tr h="370840">
+                <a:tc>
+                  <a:txBody>
+                    <a:bodyPr/>
+                    <a:lstStyle/>
+                    <a:p>
+                      <a:r>
+                        <a:rPr lang="pt-BR" sz="1400">
+                          <a:effectLst/>
+                          <a:latin typeface="+mn-lt"/>
+                          <a:ea typeface="Times New Roman" panose="02020603050405020304" pitchFamily="18" charset="0"/>
+                        </a:rPr>
+                        <a:t>Visualização não renderiza</a:t>
+                      </a:r>
+                    </a:p>
+                  </a:txBody>
+                  <a:tcPr marL="44450" marR="44450" marT="0" marB="0"/>
+                </a:tc>
+                <a:tc>
+                  <a:txBody>
+                    <a:bodyPr/>
+                    <a:lstStyle/>
+                    <a:p>
+                      <a:r>
+                        <a:rPr lang="pt-BR" sz="1400">
+                          <a:effectLst/>
+                          <a:latin typeface="+mn-lt"/>
+                          <a:ea typeface="Times New Roman" panose="02020603050405020304" pitchFamily="18" charset="0"/>
+                        </a:rPr>
+                        <a:t>1</a:t>
+                      </a:r>
+                    </a:p>
+                  </a:txBody>
+                  <a:tcPr marL="44450" marR="44450" marT="0" marB="0"/>
+                </a:tc>
+                <a:extLst>
+                  <a:ext uri="{0D108BD9-81ED-4DB2-BD59-A6C34878D82A}">
+                    <a16:rowId xmlns:a16="http://schemas.microsoft.com/office/drawing/2014/main" val="3376942019"/>
+                  </a:ext>
+                </a:extLst>
+              </a:tr>
+              <a:tr h="370840">
+                <a:tc>
+                  <a:txBody>
+                    <a:bodyPr/>
+                    <a:lstStyle/>
+                    <a:p>
+                      <a:r>
+                        <a:rPr lang="pt-BR" sz="1400">
+                          <a:effectLst/>
+                          <a:latin typeface="+mn-lt"/>
+                          <a:ea typeface="Times New Roman" panose="02020603050405020304" pitchFamily="18" charset="0"/>
+                        </a:rPr>
+                        <a:t>Confusa</a:t>
+                      </a:r>
+                    </a:p>
+                  </a:txBody>
+                  <a:tcPr marL="44450" marR="44450" marT="0" marB="0"/>
+                </a:tc>
+                <a:tc>
+                  <a:txBody>
+                    <a:bodyPr/>
+                    <a:lstStyle/>
+                    <a:p>
+                      <a:r>
+                        <a:rPr lang="pt-BR" sz="1400">
+                          <a:effectLst/>
+                          <a:latin typeface="+mn-lt"/>
+                          <a:ea typeface="Times New Roman" panose="02020603050405020304" pitchFamily="18" charset="0"/>
+                        </a:rPr>
+                        <a:t>1</a:t>
+                      </a:r>
+                    </a:p>
+                  </a:txBody>
+                  <a:tcPr marL="44450" marR="44450" marT="0" marB="0"/>
+                </a:tc>
+                <a:extLst>
+                  <a:ext uri="{0D108BD9-81ED-4DB2-BD59-A6C34878D82A}">
+                    <a16:rowId xmlns:a16="http://schemas.microsoft.com/office/drawing/2014/main" val="2673664824"/>
+                  </a:ext>
+                </a:extLst>
+              </a:tr>
+              <a:tr h="370840">
+                <a:tc>
+                  <a:txBody>
+                    <a:bodyPr/>
+                    <a:lstStyle/>
+                    <a:p>
+                      <a:r>
+                        <a:rPr lang="pt-BR" sz="1400">
+                          <a:effectLst/>
+                          <a:latin typeface="+mn-lt"/>
+                          <a:ea typeface="Times New Roman" panose="02020603050405020304" pitchFamily="18" charset="0"/>
+                        </a:rPr>
+                        <a:t>Talvez mais exercícios em sala de aula</a:t>
+                      </a:r>
+                    </a:p>
+                  </a:txBody>
+                  <a:tcPr marL="44450" marR="44450" marT="0" marB="0"/>
+                </a:tc>
+                <a:tc>
+                  <a:txBody>
+                    <a:bodyPr/>
+                    <a:lstStyle/>
+                    <a:p>
+                      <a:r>
+                        <a:rPr lang="pt-BR" sz="1400">
+                          <a:effectLst/>
+                          <a:latin typeface="+mn-lt"/>
+                          <a:ea typeface="Times New Roman" panose="02020603050405020304" pitchFamily="18" charset="0"/>
+                        </a:rPr>
+                        <a:t>1</a:t>
+                      </a:r>
+                    </a:p>
+                  </a:txBody>
+                  <a:tcPr marL="44450" marR="44450" marT="0" marB="0"/>
+                </a:tc>
+                <a:extLst>
+                  <a:ext uri="{0D108BD9-81ED-4DB2-BD59-A6C34878D82A}">
+                    <a16:rowId xmlns:a16="http://schemas.microsoft.com/office/drawing/2014/main" val="4030322152"/>
+                  </a:ext>
+                </a:extLst>
+              </a:tr>
+              <a:tr h="370840">
+                <a:tc>
+                  <a:txBody>
+                    <a:bodyPr/>
+                    <a:lstStyle/>
+                    <a:p>
+                      <a:r>
+                        <a:rPr lang="pt-BR" sz="1400">
+                          <a:effectLst/>
+                          <a:latin typeface="+mn-lt"/>
+                          <a:ea typeface="Times New Roman" panose="02020603050405020304" pitchFamily="18" charset="0"/>
+                        </a:rPr>
+                        <a:t>Importação não aplica propriedades corretamente, mesmo estando certo no JSON</a:t>
+                      </a:r>
+                    </a:p>
+                  </a:txBody>
+                  <a:tcPr marL="44450" marR="44450" marT="0" marB="0"/>
+                </a:tc>
+                <a:tc>
+                  <a:txBody>
+                    <a:bodyPr/>
+                    <a:lstStyle/>
+                    <a:p>
+                      <a:r>
+                        <a:rPr lang="pt-BR" sz="1400">
+                          <a:effectLst/>
+                          <a:latin typeface="+mn-lt"/>
+                          <a:ea typeface="Times New Roman" panose="02020603050405020304" pitchFamily="18" charset="0"/>
+                        </a:rPr>
+                        <a:t>1</a:t>
+                      </a:r>
+                    </a:p>
+                  </a:txBody>
+                  <a:tcPr marL="44450" marR="44450" marT="0" marB="0"/>
+                </a:tc>
+                <a:extLst>
+                  <a:ext uri="{0D108BD9-81ED-4DB2-BD59-A6C34878D82A}">
+                    <a16:rowId xmlns:a16="http://schemas.microsoft.com/office/drawing/2014/main" val="559968920"/>
+                  </a:ext>
+                </a:extLst>
+              </a:tr>
+              <a:tr h="370840">
+                <a:tc>
+                  <a:txBody>
+                    <a:bodyPr/>
+                    <a:lstStyle/>
+                    <a:p>
+                      <a:r>
+                        <a:rPr lang="pt-BR" sz="1400" i="1">
+                          <a:effectLst/>
+                          <a:latin typeface="+mn-lt"/>
+                          <a:ea typeface="Times New Roman" panose="02020603050405020304" pitchFamily="18" charset="0"/>
+                        </a:rPr>
+                        <a:t>Bug</a:t>
+                      </a:r>
+                      <a:r>
+                        <a:rPr lang="pt-BR" sz="1400">
+                          <a:effectLst/>
+                          <a:latin typeface="+mn-lt"/>
+                          <a:ea typeface="Times New Roman" panose="02020603050405020304" pitchFamily="18" charset="0"/>
+                        </a:rPr>
+                        <a:t> na exclusão de objetos</a:t>
+                      </a:r>
+                    </a:p>
+                  </a:txBody>
+                  <a:tcPr marL="44450" marR="44450" marT="0" marB="0"/>
+                </a:tc>
+                <a:tc>
+                  <a:txBody>
+                    <a:bodyPr/>
+                    <a:lstStyle/>
+                    <a:p>
+                      <a:r>
+                        <a:rPr lang="pt-BR" sz="1400">
+                          <a:effectLst/>
+                          <a:latin typeface="+mn-lt"/>
+                          <a:ea typeface="Times New Roman" panose="02020603050405020304" pitchFamily="18" charset="0"/>
+                        </a:rPr>
+                        <a:t>1</a:t>
+                      </a:r>
+                    </a:p>
+                  </a:txBody>
+                  <a:tcPr marL="44450" marR="44450" marT="0" marB="0"/>
+                </a:tc>
+                <a:extLst>
+                  <a:ext uri="{0D108BD9-81ED-4DB2-BD59-A6C34878D82A}">
+                    <a16:rowId xmlns:a16="http://schemas.microsoft.com/office/drawing/2014/main" val="77869628"/>
+                  </a:ext>
+                </a:extLst>
+              </a:tr>
+              <a:tr h="370840">
+                <a:tc>
+                  <a:txBody>
+                    <a:bodyPr/>
+                    <a:lstStyle/>
+                    <a:p>
+                      <a:r>
+                        <a:rPr lang="pt-BR" sz="1400">
+                          <a:effectLst/>
+                          <a:latin typeface="+mn-lt"/>
+                          <a:ea typeface="Times New Roman" panose="02020603050405020304" pitchFamily="18" charset="0"/>
+                        </a:rPr>
+                        <a:t>Tela de visualização dos objetos é pequena</a:t>
+                      </a:r>
+                    </a:p>
+                  </a:txBody>
+                  <a:tcPr marL="44450" marR="44450" marT="0" marB="0"/>
+                </a:tc>
+                <a:tc>
+                  <a:txBody>
+                    <a:bodyPr/>
+                    <a:lstStyle/>
+                    <a:p>
+                      <a:r>
+                        <a:rPr lang="pt-BR" sz="1400">
+                          <a:effectLst/>
+                          <a:latin typeface="+mn-lt"/>
+                          <a:ea typeface="Times New Roman" panose="02020603050405020304" pitchFamily="18" charset="0"/>
+                        </a:rPr>
+                        <a:t>1</a:t>
+                      </a:r>
+                    </a:p>
+                  </a:txBody>
+                  <a:tcPr marL="44450" marR="44450" marT="0" marB="0"/>
+                </a:tc>
+                <a:extLst>
+                  <a:ext uri="{0D108BD9-81ED-4DB2-BD59-A6C34878D82A}">
+                    <a16:rowId xmlns:a16="http://schemas.microsoft.com/office/drawing/2014/main" val="1084553531"/>
+                  </a:ext>
+                </a:extLst>
+              </a:tr>
+              <a:tr h="370840">
+                <a:tc>
+                  <a:txBody>
+                    <a:bodyPr/>
+                    <a:lstStyle/>
+                    <a:p>
+                      <a:r>
+                        <a:rPr lang="pt-BR" sz="1400">
+                          <a:effectLst/>
+                          <a:latin typeface="+mn-lt"/>
+                          <a:ea typeface="Times New Roman" panose="02020603050405020304" pitchFamily="18" charset="0"/>
+                        </a:rPr>
+                        <a:t>A aplicação não permite o acesso ao gabarito</a:t>
+                      </a:r>
+                    </a:p>
+                  </a:txBody>
+                  <a:tcPr marL="44450" marR="44450" marT="0" marB="0"/>
+                </a:tc>
+                <a:tc>
+                  <a:txBody>
+                    <a:bodyPr/>
+                    <a:lstStyle/>
+                    <a:p>
+                      <a:r>
+                        <a:rPr lang="pt-BR" sz="1400" dirty="0">
+                          <a:effectLst/>
+                          <a:latin typeface="+mn-lt"/>
+                          <a:ea typeface="Times New Roman" panose="02020603050405020304" pitchFamily="18" charset="0"/>
+                        </a:rPr>
+                        <a:t>1</a:t>
+                      </a:r>
+                    </a:p>
+                  </a:txBody>
+                  <a:tcPr marL="44450" marR="44450" marT="0" marB="0"/>
+                </a:tc>
+                <a:extLst>
+                  <a:ext uri="{0D108BD9-81ED-4DB2-BD59-A6C34878D82A}">
+                    <a16:rowId xmlns:a16="http://schemas.microsoft.com/office/drawing/2014/main" val="3205531010"/>
+                  </a:ext>
+                </a:extLst>
+              </a:tr>
+            </a:tbl>
+          </a:graphicData>
+        </a:graphic>
+      </p:graphicFrame>
+    </p:spTree>
+    <p:extLst>
+      <p:ext uri="{BB962C8B-B14F-4D97-AF65-F5344CB8AC3E}">
+        <p14:creationId xmlns:p14="http://schemas.microsoft.com/office/powerpoint/2010/main" val="4206832882"/>
       </p:ext>
     </p:extLst>
   </p:cSld>
@@ -12997,6 +16295,2880 @@
     <p:extLst>
       <p:ext uri="{BB962C8B-B14F-4D97-AF65-F5344CB8AC3E}">
         <p14:creationId xmlns:p14="http://schemas.microsoft.com/office/powerpoint/2010/main" val="2769194924"/>
+      </p:ext>
+    </p:extLst>
+  </p:cSld>
+  <p:clrMapOvr>
+    <a:masterClrMapping/>
+  </p:clrMapOvr>
+</p:sld>
+</file>
+
+<file path=ppt/slides/slide30.xml><?xml version="1.0" encoding="utf-8"?>
+<p:sld xmlns:a="http://schemas.openxmlformats.org/drawingml/2006/main" xmlns:r="http://schemas.openxmlformats.org/officeDocument/2006/relationships" xmlns:p="http://schemas.openxmlformats.org/presentationml/2006/main">
+  <p:cSld>
+    <p:spTree>
+      <p:nvGrpSpPr>
+        <p:cNvPr id="1" name=""/>
+        <p:cNvGrpSpPr/>
+        <p:nvPr/>
+      </p:nvGrpSpPr>
+      <p:grpSpPr>
+        <a:xfrm>
+          <a:off x="0" y="0"/>
+          <a:ext cx="0" cy="0"/>
+          <a:chOff x="0" y="0"/>
+          <a:chExt cx="0" cy="0"/>
+        </a:xfrm>
+      </p:grpSpPr>
+      <p:sp>
+        <p:nvSpPr>
+          <p:cNvPr id="9" name="CaixaDeTexto 7">
+            <a:extLst>
+              <a:ext uri="{FF2B5EF4-FFF2-40B4-BE49-F238E27FC236}">
+                <a16:creationId xmlns:a16="http://schemas.microsoft.com/office/drawing/2014/main" id="{2CDBCF28-8FF9-EAFC-1680-F75EF8A67D96}"/>
+              </a:ext>
+            </a:extLst>
+          </p:cNvPr>
+          <p:cNvSpPr txBox="1">
+            <a:spLocks noChangeArrowheads="1"/>
+          </p:cNvSpPr>
+          <p:nvPr/>
+        </p:nvSpPr>
+        <p:spPr bwMode="auto">
+          <a:xfrm>
+            <a:off x="2039191" y="871081"/>
+            <a:ext cx="5065617" cy="276999"/>
+          </a:xfrm>
+          <a:prstGeom prst="rect">
+            <a:avLst/>
+          </a:prstGeom>
+          <a:noFill/>
+          <a:ln>
+            <a:noFill/>
+          </a:ln>
+          <a:extLst>
+            <a:ext uri="{909E8E84-426E-40DD-AFC4-6F175D3DCCD1}">
+              <a14:hiddenFill xmlns:a14="http://schemas.microsoft.com/office/drawing/2010/main">
+                <a:solidFill>
+                  <a:srgbClr val="FFFFFF"/>
+                </a:solidFill>
+              </a14:hiddenFill>
+            </a:ext>
+            <a:ext uri="{91240B29-F687-4F45-9708-019B960494DF}">
+              <a14:hiddenLine xmlns:a14="http://schemas.microsoft.com/office/drawing/2010/main" w="9525">
+                <a:solidFill>
+                  <a:srgbClr val="000000"/>
+                </a:solidFill>
+                <a:miter lim="800000"/>
+                <a:headEnd/>
+                <a:tailEnd/>
+              </a14:hiddenLine>
+            </a:ext>
+          </a:extLst>
+        </p:spPr>
+        <p:txBody>
+          <a:bodyPr wrap="none">
+            <a:spAutoFit/>
+          </a:bodyPr>
+          <a:lstStyle>
+            <a:lvl1pPr>
+              <a:spcBef>
+                <a:spcPct val="20000"/>
+              </a:spcBef>
+              <a:buChar char="•"/>
+              <a:defRPr sz="3200">
+                <a:solidFill>
+                  <a:schemeClr val="tx1"/>
+                </a:solidFill>
+                <a:latin typeface="Arial" panose="020B0604020202020204" pitchFamily="34" charset="0"/>
+              </a:defRPr>
+            </a:lvl1pPr>
+            <a:lvl2pPr marL="742950" indent="-285750">
+              <a:spcBef>
+                <a:spcPct val="20000"/>
+              </a:spcBef>
+              <a:buChar char="–"/>
+              <a:defRPr sz="2800">
+                <a:solidFill>
+                  <a:schemeClr val="tx1"/>
+                </a:solidFill>
+                <a:latin typeface="Arial" panose="020B0604020202020204" pitchFamily="34" charset="0"/>
+              </a:defRPr>
+            </a:lvl2pPr>
+            <a:lvl3pPr marL="1143000" indent="-228600">
+              <a:spcBef>
+                <a:spcPct val="20000"/>
+              </a:spcBef>
+              <a:buChar char="•"/>
+              <a:defRPr sz="2400">
+                <a:solidFill>
+                  <a:schemeClr val="tx1"/>
+                </a:solidFill>
+                <a:latin typeface="Arial" panose="020B0604020202020204" pitchFamily="34" charset="0"/>
+              </a:defRPr>
+            </a:lvl3pPr>
+            <a:lvl4pPr marL="1600200" indent="-228600">
+              <a:spcBef>
+                <a:spcPct val="20000"/>
+              </a:spcBef>
+              <a:buChar char="–"/>
+              <a:defRPr sz="2000">
+                <a:solidFill>
+                  <a:schemeClr val="tx1"/>
+                </a:solidFill>
+                <a:latin typeface="Arial" panose="020B0604020202020204" pitchFamily="34" charset="0"/>
+              </a:defRPr>
+            </a:lvl4pPr>
+            <a:lvl5pPr marL="2057400" indent="-228600">
+              <a:spcBef>
+                <a:spcPct val="20000"/>
+              </a:spcBef>
+              <a:buChar char="»"/>
+              <a:defRPr sz="2000">
+                <a:solidFill>
+                  <a:schemeClr val="tx1"/>
+                </a:solidFill>
+                <a:latin typeface="Arial" panose="020B0604020202020204" pitchFamily="34" charset="0"/>
+              </a:defRPr>
+            </a:lvl5pPr>
+            <a:lvl6pPr marL="2514600" indent="-228600" eaLnBrk="0" fontAlgn="base" hangingPunct="0">
+              <a:spcBef>
+                <a:spcPct val="20000"/>
+              </a:spcBef>
+              <a:spcAft>
+                <a:spcPct val="0"/>
+              </a:spcAft>
+              <a:buChar char="»"/>
+              <a:defRPr sz="2000">
+                <a:solidFill>
+                  <a:schemeClr val="tx1"/>
+                </a:solidFill>
+                <a:latin typeface="Arial" panose="020B0604020202020204" pitchFamily="34" charset="0"/>
+              </a:defRPr>
+            </a:lvl6pPr>
+            <a:lvl7pPr marL="2971800" indent="-228600" eaLnBrk="0" fontAlgn="base" hangingPunct="0">
+              <a:spcBef>
+                <a:spcPct val="20000"/>
+              </a:spcBef>
+              <a:spcAft>
+                <a:spcPct val="0"/>
+              </a:spcAft>
+              <a:buChar char="»"/>
+              <a:defRPr sz="2000">
+                <a:solidFill>
+                  <a:schemeClr val="tx1"/>
+                </a:solidFill>
+                <a:latin typeface="Arial" panose="020B0604020202020204" pitchFamily="34" charset="0"/>
+              </a:defRPr>
+            </a:lvl7pPr>
+            <a:lvl8pPr marL="3429000" indent="-228600" eaLnBrk="0" fontAlgn="base" hangingPunct="0">
+              <a:spcBef>
+                <a:spcPct val="20000"/>
+              </a:spcBef>
+              <a:spcAft>
+                <a:spcPct val="0"/>
+              </a:spcAft>
+              <a:buChar char="»"/>
+              <a:defRPr sz="2000">
+                <a:solidFill>
+                  <a:schemeClr val="tx1"/>
+                </a:solidFill>
+                <a:latin typeface="Arial" panose="020B0604020202020204" pitchFamily="34" charset="0"/>
+              </a:defRPr>
+            </a:lvl8pPr>
+            <a:lvl9pPr marL="3886200" indent="-228600" eaLnBrk="0" fontAlgn="base" hangingPunct="0">
+              <a:spcBef>
+                <a:spcPct val="20000"/>
+              </a:spcBef>
+              <a:spcAft>
+                <a:spcPct val="0"/>
+              </a:spcAft>
+              <a:buChar char="»"/>
+              <a:defRPr sz="2000">
+                <a:solidFill>
+                  <a:schemeClr val="tx1"/>
+                </a:solidFill>
+                <a:latin typeface="Arial" panose="020B0604020202020204" pitchFamily="34" charset="0"/>
+              </a:defRPr>
+            </a:lvl9pPr>
+          </a:lstStyle>
+          <a:p>
+            <a:pPr>
+              <a:spcBef>
+                <a:spcPct val="0"/>
+              </a:spcBef>
+              <a:buFontTx/>
+              <a:buNone/>
+            </a:pPr>
+            <a:r>
+              <a:rPr lang="pt-BR" altLang="pt-BR" sz="1200" dirty="0"/>
+              <a:t>Quadro 11 – Sugestões para a aplicação apontadas pelos alunos de CG</a:t>
+            </a:r>
+          </a:p>
+        </p:txBody>
+      </p:sp>
+      <p:sp>
+        <p:nvSpPr>
+          <p:cNvPr id="10" name="Rectangle 8">
+            <a:extLst>
+              <a:ext uri="{FF2B5EF4-FFF2-40B4-BE49-F238E27FC236}">
+                <a16:creationId xmlns:a16="http://schemas.microsoft.com/office/drawing/2014/main" id="{C2AFEA0C-D155-CADD-3A4E-EB44BFEDF197}"/>
+              </a:ext>
+            </a:extLst>
+          </p:cNvPr>
+          <p:cNvSpPr>
+            <a:spLocks noChangeArrowheads="1"/>
+          </p:cNvSpPr>
+          <p:nvPr/>
+        </p:nvSpPr>
+        <p:spPr bwMode="auto">
+          <a:xfrm>
+            <a:off x="-661989" y="5726437"/>
+            <a:ext cx="10467976" cy="261610"/>
+          </a:xfrm>
+          <a:prstGeom prst="rect">
+            <a:avLst/>
+          </a:prstGeom>
+          <a:noFill/>
+          <a:ln>
+            <a:noFill/>
+          </a:ln>
+          <a:effectLst/>
+          <a:extLst>
+            <a:ext uri="{909E8E84-426E-40DD-AFC4-6F175D3DCCD1}">
+              <a14:hiddenFill xmlns:a14="http://schemas.microsoft.com/office/drawing/2010/main">
+                <a:solidFill>
+                  <a:schemeClr val="accent1"/>
+                </a:solidFill>
+              </a14:hiddenFill>
+            </a:ext>
+            <a:ext uri="{91240B29-F687-4F45-9708-019B960494DF}">
+              <a14:hiddenLine xmlns:a14="http://schemas.microsoft.com/office/drawing/2010/main" w="9525">
+                <a:solidFill>
+                  <a:schemeClr val="tx1"/>
+                </a:solidFill>
+                <a:miter lim="800000"/>
+                <a:headEnd/>
+                <a:tailEnd/>
+              </a14:hiddenLine>
+            </a:ext>
+            <a:ext uri="{AF507438-7753-43E0-B8FC-AC1667EBCBE1}">
+              <a14:hiddenEffects xmlns:a14="http://schemas.microsoft.com/office/drawing/2010/main">
+                <a:effectLst>
+                  <a:outerShdw dist="35921" dir="2700000" algn="ctr" rotWithShape="0">
+                    <a:schemeClr val="bg2"/>
+                  </a:outerShdw>
+                </a:effectLst>
+              </a14:hiddenEffects>
+            </a:ext>
+          </a:extLst>
+        </p:spPr>
+        <p:txBody>
+          <a:bodyPr anchor="ctr">
+            <a:spAutoFit/>
+          </a:bodyPr>
+          <a:lstStyle>
+            <a:lvl1pPr>
+              <a:spcBef>
+                <a:spcPct val="20000"/>
+              </a:spcBef>
+              <a:buChar char="•"/>
+              <a:defRPr sz="3200">
+                <a:solidFill>
+                  <a:schemeClr val="tx1"/>
+                </a:solidFill>
+                <a:latin typeface="Arial" panose="020B0604020202020204" pitchFamily="34" charset="0"/>
+              </a:defRPr>
+            </a:lvl1pPr>
+            <a:lvl2pPr marL="742950" indent="-285750">
+              <a:spcBef>
+                <a:spcPct val="20000"/>
+              </a:spcBef>
+              <a:buChar char="–"/>
+              <a:defRPr sz="2800">
+                <a:solidFill>
+                  <a:schemeClr val="tx1"/>
+                </a:solidFill>
+                <a:latin typeface="Arial" panose="020B0604020202020204" pitchFamily="34" charset="0"/>
+              </a:defRPr>
+            </a:lvl2pPr>
+            <a:lvl3pPr marL="1143000" indent="-228600">
+              <a:spcBef>
+                <a:spcPct val="20000"/>
+              </a:spcBef>
+              <a:buChar char="•"/>
+              <a:defRPr sz="2400">
+                <a:solidFill>
+                  <a:schemeClr val="tx1"/>
+                </a:solidFill>
+                <a:latin typeface="Arial" panose="020B0604020202020204" pitchFamily="34" charset="0"/>
+              </a:defRPr>
+            </a:lvl3pPr>
+            <a:lvl4pPr marL="1600200" indent="-228600">
+              <a:spcBef>
+                <a:spcPct val="20000"/>
+              </a:spcBef>
+              <a:buChar char="–"/>
+              <a:defRPr sz="2000">
+                <a:solidFill>
+                  <a:schemeClr val="tx1"/>
+                </a:solidFill>
+                <a:latin typeface="Arial" panose="020B0604020202020204" pitchFamily="34" charset="0"/>
+              </a:defRPr>
+            </a:lvl4pPr>
+            <a:lvl5pPr marL="2057400" indent="-228600">
+              <a:spcBef>
+                <a:spcPct val="20000"/>
+              </a:spcBef>
+              <a:buChar char="»"/>
+              <a:defRPr sz="2000">
+                <a:solidFill>
+                  <a:schemeClr val="tx1"/>
+                </a:solidFill>
+                <a:latin typeface="Arial" panose="020B0604020202020204" pitchFamily="34" charset="0"/>
+              </a:defRPr>
+            </a:lvl5pPr>
+            <a:lvl6pPr marL="2514600" indent="-228600" eaLnBrk="0" fontAlgn="base" hangingPunct="0">
+              <a:spcBef>
+                <a:spcPct val="20000"/>
+              </a:spcBef>
+              <a:spcAft>
+                <a:spcPct val="0"/>
+              </a:spcAft>
+              <a:buChar char="»"/>
+              <a:defRPr sz="2000">
+                <a:solidFill>
+                  <a:schemeClr val="tx1"/>
+                </a:solidFill>
+                <a:latin typeface="Arial" panose="020B0604020202020204" pitchFamily="34" charset="0"/>
+              </a:defRPr>
+            </a:lvl6pPr>
+            <a:lvl7pPr marL="2971800" indent="-228600" eaLnBrk="0" fontAlgn="base" hangingPunct="0">
+              <a:spcBef>
+                <a:spcPct val="20000"/>
+              </a:spcBef>
+              <a:spcAft>
+                <a:spcPct val="0"/>
+              </a:spcAft>
+              <a:buChar char="»"/>
+              <a:defRPr sz="2000">
+                <a:solidFill>
+                  <a:schemeClr val="tx1"/>
+                </a:solidFill>
+                <a:latin typeface="Arial" panose="020B0604020202020204" pitchFamily="34" charset="0"/>
+              </a:defRPr>
+            </a:lvl7pPr>
+            <a:lvl8pPr marL="3429000" indent="-228600" eaLnBrk="0" fontAlgn="base" hangingPunct="0">
+              <a:spcBef>
+                <a:spcPct val="20000"/>
+              </a:spcBef>
+              <a:spcAft>
+                <a:spcPct val="0"/>
+              </a:spcAft>
+              <a:buChar char="»"/>
+              <a:defRPr sz="2000">
+                <a:solidFill>
+                  <a:schemeClr val="tx1"/>
+                </a:solidFill>
+                <a:latin typeface="Arial" panose="020B0604020202020204" pitchFamily="34" charset="0"/>
+              </a:defRPr>
+            </a:lvl8pPr>
+            <a:lvl9pPr marL="3886200" indent="-228600" eaLnBrk="0" fontAlgn="base" hangingPunct="0">
+              <a:spcBef>
+                <a:spcPct val="20000"/>
+              </a:spcBef>
+              <a:spcAft>
+                <a:spcPct val="0"/>
+              </a:spcAft>
+              <a:buChar char="»"/>
+              <a:defRPr sz="2000">
+                <a:solidFill>
+                  <a:schemeClr val="tx1"/>
+                </a:solidFill>
+                <a:latin typeface="Arial" panose="020B0604020202020204" pitchFamily="34" charset="0"/>
+              </a:defRPr>
+            </a:lvl9pPr>
+          </a:lstStyle>
+          <a:p>
+            <a:pPr algn="ctr">
+              <a:spcBef>
+                <a:spcPct val="0"/>
+              </a:spcBef>
+              <a:buFontTx/>
+              <a:buNone/>
+            </a:pPr>
+            <a:r>
+              <a:rPr lang="pt-BR" altLang="pt-BR" sz="1100" dirty="0">
+                <a:cs typeface="Times New Roman" panose="02020603050405020304" pitchFamily="18" charset="0"/>
+              </a:rPr>
+              <a:t>Fonte: questionário elaborado pela autora.</a:t>
+            </a:r>
+            <a:endParaRPr lang="pt-BR" altLang="pt-BR" sz="1100" dirty="0"/>
+          </a:p>
+        </p:txBody>
+      </p:sp>
+      <p:graphicFrame>
+        <p:nvGraphicFramePr>
+          <p:cNvPr id="4" name="Espaço Reservado para Conteúdo 3">
+            <a:extLst>
+              <a:ext uri="{FF2B5EF4-FFF2-40B4-BE49-F238E27FC236}">
+                <a16:creationId xmlns:a16="http://schemas.microsoft.com/office/drawing/2014/main" id="{47F2E974-568F-DB10-0738-064AACD9A7B6}"/>
+              </a:ext>
+            </a:extLst>
+          </p:cNvPr>
+          <p:cNvGraphicFramePr>
+            <a:graphicFrameLocks noGrp="1"/>
+          </p:cNvGraphicFramePr>
+          <p:nvPr>
+            <p:ph idx="1"/>
+            <p:extLst>
+              <p:ext uri="{D42A27DB-BD31-4B8C-83A1-F6EECF244321}">
+                <p14:modId xmlns:p14="http://schemas.microsoft.com/office/powerpoint/2010/main" val="2317672036"/>
+              </p:ext>
+            </p:extLst>
+          </p:nvPr>
+        </p:nvGraphicFramePr>
+        <p:xfrm>
+          <a:off x="457200" y="1148080"/>
+          <a:ext cx="8229600" cy="4561840"/>
+        </p:xfrm>
+        <a:graphic>
+          <a:graphicData uri="http://schemas.openxmlformats.org/drawingml/2006/table">
+            <a:tbl>
+              <a:tblPr firstRow="1" bandRow="1">
+                <a:tableStyleId>{5C22544A-7EE6-4342-B048-85BDC9FD1C3A}</a:tableStyleId>
+              </a:tblPr>
+              <a:tblGrid>
+                <a:gridCol w="6707088">
+                  <a:extLst>
+                    <a:ext uri="{9D8B030D-6E8A-4147-A177-3AD203B41FA5}">
+                      <a16:colId xmlns:a16="http://schemas.microsoft.com/office/drawing/2014/main" val="3777108584"/>
+                    </a:ext>
+                  </a:extLst>
+                </a:gridCol>
+                <a:gridCol w="1522512">
+                  <a:extLst>
+                    <a:ext uri="{9D8B030D-6E8A-4147-A177-3AD203B41FA5}">
+                      <a16:colId xmlns:a16="http://schemas.microsoft.com/office/drawing/2014/main" val="2805672471"/>
+                    </a:ext>
+                  </a:extLst>
+                </a:gridCol>
+              </a:tblGrid>
+              <a:tr h="370840">
+                <a:tc>
+                  <a:txBody>
+                    <a:bodyPr/>
+                    <a:lstStyle/>
+                    <a:p>
+                      <a:r>
+                        <a:rPr lang="pt-BR" sz="1400" dirty="0">
+                          <a:solidFill>
+                            <a:schemeClr val="tx1"/>
+                          </a:solidFill>
+                          <a:effectLst/>
+                          <a:latin typeface="+mn-lt"/>
+                          <a:ea typeface="Times New Roman" panose="02020603050405020304" pitchFamily="18" charset="0"/>
+                        </a:rPr>
+                        <a:t>Termos e elogios usados/dados para descrever a aplicação</a:t>
+                      </a:r>
+                    </a:p>
+                  </a:txBody>
+                  <a:tcPr marL="44450" marR="44450" marT="0" marB="0"/>
+                </a:tc>
+                <a:tc>
+                  <a:txBody>
+                    <a:bodyPr/>
+                    <a:lstStyle/>
+                    <a:p>
+                      <a:r>
+                        <a:rPr lang="pt-BR" sz="1400" dirty="0">
+                          <a:solidFill>
+                            <a:schemeClr val="tx1"/>
+                          </a:solidFill>
+                          <a:effectLst/>
+                          <a:latin typeface="+mn-lt"/>
+                          <a:ea typeface="Times New Roman" panose="02020603050405020304" pitchFamily="18" charset="0"/>
+                        </a:rPr>
+                        <a:t>Quantidade de ocorrências</a:t>
+                      </a:r>
+                    </a:p>
+                  </a:txBody>
+                  <a:tcPr marL="44450" marR="44450" marT="0" marB="0"/>
+                </a:tc>
+                <a:extLst>
+                  <a:ext uri="{0D108BD9-81ED-4DB2-BD59-A6C34878D82A}">
+                    <a16:rowId xmlns:a16="http://schemas.microsoft.com/office/drawing/2014/main" val="1379874457"/>
+                  </a:ext>
+                </a:extLst>
+              </a:tr>
+              <a:tr h="370840">
+                <a:tc>
+                  <a:txBody>
+                    <a:bodyPr/>
+                    <a:lstStyle/>
+                    <a:p>
+                      <a:r>
+                        <a:rPr lang="pt-BR" sz="1400">
+                          <a:solidFill>
+                            <a:schemeClr val="tx1"/>
+                          </a:solidFill>
+                          <a:effectLst/>
+                          <a:latin typeface="+mn-lt"/>
+                          <a:ea typeface="Times New Roman" panose="02020603050405020304" pitchFamily="18" charset="0"/>
+                        </a:rPr>
+                        <a:t>Ficará ótimo se arrumar </a:t>
+                      </a:r>
+                      <a:r>
+                        <a:rPr lang="pt-BR" sz="1400" i="1">
+                          <a:solidFill>
+                            <a:schemeClr val="tx1"/>
+                          </a:solidFill>
+                          <a:effectLst/>
+                          <a:latin typeface="+mn-lt"/>
+                          <a:ea typeface="Times New Roman" panose="02020603050405020304" pitchFamily="18" charset="0"/>
+                        </a:rPr>
+                        <a:t>bugs</a:t>
+                      </a:r>
+                      <a:r>
+                        <a:rPr lang="pt-BR" sz="1400">
+                          <a:solidFill>
+                            <a:schemeClr val="tx1"/>
+                          </a:solidFill>
+                          <a:effectLst/>
+                          <a:latin typeface="+mn-lt"/>
+                          <a:ea typeface="Times New Roman" panose="02020603050405020304" pitchFamily="18" charset="0"/>
+                        </a:rPr>
+                        <a:t> anteriormente apontados</a:t>
+                      </a:r>
+                    </a:p>
+                  </a:txBody>
+                  <a:tcPr marL="44450" marR="44450" marT="0" marB="0"/>
+                </a:tc>
+                <a:tc>
+                  <a:txBody>
+                    <a:bodyPr/>
+                    <a:lstStyle/>
+                    <a:p>
+                      <a:r>
+                        <a:rPr lang="pt-BR" sz="1400">
+                          <a:solidFill>
+                            <a:schemeClr val="tx1"/>
+                          </a:solidFill>
+                          <a:effectLst/>
+                          <a:latin typeface="+mn-lt"/>
+                          <a:ea typeface="Times New Roman" panose="02020603050405020304" pitchFamily="18" charset="0"/>
+                        </a:rPr>
+                        <a:t>4</a:t>
+                      </a:r>
+                    </a:p>
+                  </a:txBody>
+                  <a:tcPr marL="44450" marR="44450" marT="0" marB="0"/>
+                </a:tc>
+                <a:extLst>
+                  <a:ext uri="{0D108BD9-81ED-4DB2-BD59-A6C34878D82A}">
+                    <a16:rowId xmlns:a16="http://schemas.microsoft.com/office/drawing/2014/main" val="3692458877"/>
+                  </a:ext>
+                </a:extLst>
+              </a:tr>
+              <a:tr h="370840">
+                <a:tc>
+                  <a:txBody>
+                    <a:bodyPr/>
+                    <a:lstStyle/>
+                    <a:p>
+                      <a:r>
+                        <a:rPr lang="pt-BR" sz="1400">
+                          <a:solidFill>
+                            <a:schemeClr val="tx1"/>
+                          </a:solidFill>
+                          <a:effectLst/>
+                          <a:latin typeface="+mn-lt"/>
+                          <a:ea typeface="Times New Roman" panose="02020603050405020304" pitchFamily="18" charset="0"/>
+                        </a:rPr>
+                        <a:t>Melhorar modo noturno</a:t>
+                      </a:r>
+                    </a:p>
+                  </a:txBody>
+                  <a:tcPr marL="44450" marR="44450" marT="0" marB="0"/>
+                </a:tc>
+                <a:tc>
+                  <a:txBody>
+                    <a:bodyPr/>
+                    <a:lstStyle/>
+                    <a:p>
+                      <a:r>
+                        <a:rPr lang="pt-BR" sz="1400">
+                          <a:solidFill>
+                            <a:schemeClr val="tx1"/>
+                          </a:solidFill>
+                          <a:effectLst/>
+                          <a:latin typeface="+mn-lt"/>
+                          <a:ea typeface="Times New Roman" panose="02020603050405020304" pitchFamily="18" charset="0"/>
+                        </a:rPr>
+                        <a:t>3</a:t>
+                      </a:r>
+                    </a:p>
+                  </a:txBody>
+                  <a:tcPr marL="44450" marR="44450" marT="0" marB="0"/>
+                </a:tc>
+                <a:extLst>
+                  <a:ext uri="{0D108BD9-81ED-4DB2-BD59-A6C34878D82A}">
+                    <a16:rowId xmlns:a16="http://schemas.microsoft.com/office/drawing/2014/main" val="3504750310"/>
+                  </a:ext>
+                </a:extLst>
+              </a:tr>
+              <a:tr h="370840">
+                <a:tc>
+                  <a:txBody>
+                    <a:bodyPr/>
+                    <a:lstStyle/>
+                    <a:p>
+                      <a:r>
+                        <a:rPr lang="pt-BR" sz="1400">
+                          <a:solidFill>
+                            <a:schemeClr val="tx1"/>
+                          </a:solidFill>
+                          <a:effectLst/>
+                          <a:latin typeface="+mn-lt"/>
+                          <a:ea typeface="Times New Roman" panose="02020603050405020304" pitchFamily="18" charset="0"/>
+                        </a:rPr>
+                        <a:t>Parabéns pelo trabalho!</a:t>
+                      </a:r>
+                    </a:p>
+                  </a:txBody>
+                  <a:tcPr marL="44450" marR="44450" marT="0" marB="0"/>
+                </a:tc>
+                <a:tc>
+                  <a:txBody>
+                    <a:bodyPr/>
+                    <a:lstStyle/>
+                    <a:p>
+                      <a:r>
+                        <a:rPr lang="pt-BR" sz="1400">
+                          <a:solidFill>
+                            <a:schemeClr val="tx1"/>
+                          </a:solidFill>
+                          <a:effectLst/>
+                          <a:latin typeface="+mn-lt"/>
+                          <a:ea typeface="Times New Roman" panose="02020603050405020304" pitchFamily="18" charset="0"/>
+                        </a:rPr>
+                        <a:t>2</a:t>
+                      </a:r>
+                    </a:p>
+                  </a:txBody>
+                  <a:tcPr marL="44450" marR="44450" marT="0" marB="0"/>
+                </a:tc>
+                <a:extLst>
+                  <a:ext uri="{0D108BD9-81ED-4DB2-BD59-A6C34878D82A}">
+                    <a16:rowId xmlns:a16="http://schemas.microsoft.com/office/drawing/2014/main" val="1298087801"/>
+                  </a:ext>
+                </a:extLst>
+              </a:tr>
+              <a:tr h="370840">
+                <a:tc>
+                  <a:txBody>
+                    <a:bodyPr/>
+                    <a:lstStyle/>
+                    <a:p>
+                      <a:r>
+                        <a:rPr lang="pt-BR" sz="1400">
+                          <a:solidFill>
+                            <a:schemeClr val="tx1"/>
+                          </a:solidFill>
+                          <a:effectLst/>
+                          <a:latin typeface="+mn-lt"/>
+                          <a:ea typeface="Times New Roman" panose="02020603050405020304" pitchFamily="18" charset="0"/>
+                        </a:rPr>
+                        <a:t>Corrigir </a:t>
+                      </a:r>
+                      <a:r>
+                        <a:rPr lang="pt-BR" sz="1400" i="1">
+                          <a:solidFill>
+                            <a:schemeClr val="tx1"/>
+                          </a:solidFill>
+                          <a:effectLst/>
+                          <a:latin typeface="+mn-lt"/>
+                          <a:ea typeface="Times New Roman" panose="02020603050405020304" pitchFamily="18" charset="0"/>
+                        </a:rPr>
+                        <a:t>bug</a:t>
+                      </a:r>
+                      <a:r>
+                        <a:rPr lang="pt-BR" sz="1400">
+                          <a:solidFill>
+                            <a:schemeClr val="tx1"/>
+                          </a:solidFill>
+                          <a:effectLst/>
+                          <a:latin typeface="+mn-lt"/>
+                          <a:ea typeface="Times New Roman" panose="02020603050405020304" pitchFamily="18" charset="0"/>
+                        </a:rPr>
+                        <a:t> dos </a:t>
+                      </a:r>
+                      <a:r>
+                        <a:rPr lang="pt-BR" sz="1400" i="1">
+                          <a:solidFill>
+                            <a:schemeClr val="tx1"/>
+                          </a:solidFill>
+                          <a:effectLst/>
+                          <a:latin typeface="+mn-lt"/>
+                          <a:ea typeface="Times New Roman" panose="02020603050405020304" pitchFamily="18" charset="0"/>
+                        </a:rPr>
+                        <a:t>inputs</a:t>
+                      </a:r>
+                      <a:r>
+                        <a:rPr lang="pt-BR" sz="1400">
+                          <a:solidFill>
+                            <a:schemeClr val="tx1"/>
+                          </a:solidFill>
+                          <a:effectLst/>
+                          <a:latin typeface="+mn-lt"/>
+                          <a:ea typeface="Times New Roman" panose="02020603050405020304" pitchFamily="18" charset="0"/>
+                        </a:rPr>
+                        <a:t> das propriedades</a:t>
+                      </a:r>
+                    </a:p>
+                  </a:txBody>
+                  <a:tcPr marL="44450" marR="44450" marT="0" marB="0"/>
+                </a:tc>
+                <a:tc>
+                  <a:txBody>
+                    <a:bodyPr/>
+                    <a:lstStyle/>
+                    <a:p>
+                      <a:r>
+                        <a:rPr lang="pt-BR" sz="1400">
+                          <a:solidFill>
+                            <a:schemeClr val="tx1"/>
+                          </a:solidFill>
+                          <a:effectLst/>
+                          <a:latin typeface="+mn-lt"/>
+                          <a:ea typeface="Times New Roman" panose="02020603050405020304" pitchFamily="18" charset="0"/>
+                        </a:rPr>
+                        <a:t>2</a:t>
+                      </a:r>
+                    </a:p>
+                  </a:txBody>
+                  <a:tcPr marL="44450" marR="44450" marT="0" marB="0"/>
+                </a:tc>
+                <a:extLst>
+                  <a:ext uri="{0D108BD9-81ED-4DB2-BD59-A6C34878D82A}">
+                    <a16:rowId xmlns:a16="http://schemas.microsoft.com/office/drawing/2014/main" val="2951581085"/>
+                  </a:ext>
+                </a:extLst>
+              </a:tr>
+              <a:tr h="370840">
+                <a:tc>
+                  <a:txBody>
+                    <a:bodyPr/>
+                    <a:lstStyle/>
+                    <a:p>
+                      <a:r>
+                        <a:rPr lang="pt-BR" sz="1400">
+                          <a:solidFill>
+                            <a:schemeClr val="tx1"/>
+                          </a:solidFill>
+                          <a:effectLst/>
+                          <a:latin typeface="+mn-lt"/>
+                          <a:ea typeface="Times New Roman" panose="02020603050405020304" pitchFamily="18" charset="0"/>
+                        </a:rPr>
+                        <a:t>Fazer uso de setas no tutorial para indicar onde encaixar as peças, onde pegá-las, fazendo com que fique mais fácil e interativo</a:t>
+                      </a:r>
+                    </a:p>
+                  </a:txBody>
+                  <a:tcPr marL="44450" marR="44450" marT="0" marB="0"/>
+                </a:tc>
+                <a:tc>
+                  <a:txBody>
+                    <a:bodyPr/>
+                    <a:lstStyle/>
+                    <a:p>
+                      <a:r>
+                        <a:rPr lang="pt-BR" sz="1400">
+                          <a:solidFill>
+                            <a:schemeClr val="tx1"/>
+                          </a:solidFill>
+                          <a:effectLst/>
+                          <a:latin typeface="+mn-lt"/>
+                          <a:ea typeface="Times New Roman" panose="02020603050405020304" pitchFamily="18" charset="0"/>
+                        </a:rPr>
+                        <a:t>2</a:t>
+                      </a:r>
+                    </a:p>
+                  </a:txBody>
+                  <a:tcPr marL="44450" marR="44450" marT="0" marB="0"/>
+                </a:tc>
+                <a:extLst>
+                  <a:ext uri="{0D108BD9-81ED-4DB2-BD59-A6C34878D82A}">
+                    <a16:rowId xmlns:a16="http://schemas.microsoft.com/office/drawing/2014/main" val="3357405404"/>
+                  </a:ext>
+                </a:extLst>
+              </a:tr>
+              <a:tr h="370840">
+                <a:tc>
+                  <a:txBody>
+                    <a:bodyPr/>
+                    <a:lstStyle/>
+                    <a:p>
+                      <a:r>
+                        <a:rPr lang="pt-BR" sz="1400">
+                          <a:solidFill>
+                            <a:schemeClr val="tx1"/>
+                          </a:solidFill>
+                          <a:effectLst/>
+                          <a:latin typeface="+mn-lt"/>
+                          <a:ea typeface="Times New Roman" panose="02020603050405020304" pitchFamily="18" charset="0"/>
+                        </a:rPr>
+                        <a:t>Remover Spline e Polígono da Fábrica de Peças, visto que não funcionam</a:t>
+                      </a:r>
+                    </a:p>
+                  </a:txBody>
+                  <a:tcPr marL="44450" marR="44450" marT="0" marB="0"/>
+                </a:tc>
+                <a:tc>
+                  <a:txBody>
+                    <a:bodyPr/>
+                    <a:lstStyle/>
+                    <a:p>
+                      <a:r>
+                        <a:rPr lang="pt-BR" sz="1400">
+                          <a:solidFill>
+                            <a:schemeClr val="tx1"/>
+                          </a:solidFill>
+                          <a:effectLst/>
+                          <a:latin typeface="+mn-lt"/>
+                          <a:ea typeface="Times New Roman" panose="02020603050405020304" pitchFamily="18" charset="0"/>
+                        </a:rPr>
+                        <a:t>1</a:t>
+                      </a:r>
+                    </a:p>
+                  </a:txBody>
+                  <a:tcPr marL="44450" marR="44450" marT="0" marB="0"/>
+                </a:tc>
+                <a:extLst>
+                  <a:ext uri="{0D108BD9-81ED-4DB2-BD59-A6C34878D82A}">
+                    <a16:rowId xmlns:a16="http://schemas.microsoft.com/office/drawing/2014/main" val="1736040044"/>
+                  </a:ext>
+                </a:extLst>
+              </a:tr>
+              <a:tr h="370840">
+                <a:tc>
+                  <a:txBody>
+                    <a:bodyPr/>
+                    <a:lstStyle/>
+                    <a:p>
+                      <a:r>
+                        <a:rPr lang="pt-BR" sz="1400">
+                          <a:solidFill>
+                            <a:schemeClr val="tx1"/>
+                          </a:solidFill>
+                          <a:effectLst/>
+                          <a:latin typeface="+mn-lt"/>
+                          <a:ea typeface="Times New Roman" panose="02020603050405020304" pitchFamily="18" charset="0"/>
+                        </a:rPr>
+                        <a:t>Permitir acesso ao gabarito dentro da aplicação</a:t>
+                      </a:r>
+                    </a:p>
+                  </a:txBody>
+                  <a:tcPr marL="44450" marR="44450" marT="0" marB="0"/>
+                </a:tc>
+                <a:tc>
+                  <a:txBody>
+                    <a:bodyPr/>
+                    <a:lstStyle/>
+                    <a:p>
+                      <a:r>
+                        <a:rPr lang="pt-BR" sz="1400">
+                          <a:solidFill>
+                            <a:schemeClr val="tx1"/>
+                          </a:solidFill>
+                          <a:effectLst/>
+                          <a:latin typeface="+mn-lt"/>
+                          <a:ea typeface="Times New Roman" panose="02020603050405020304" pitchFamily="18" charset="0"/>
+                        </a:rPr>
+                        <a:t>1</a:t>
+                      </a:r>
+                    </a:p>
+                  </a:txBody>
+                  <a:tcPr marL="44450" marR="44450" marT="0" marB="0"/>
+                </a:tc>
+                <a:extLst>
+                  <a:ext uri="{0D108BD9-81ED-4DB2-BD59-A6C34878D82A}">
+                    <a16:rowId xmlns:a16="http://schemas.microsoft.com/office/drawing/2014/main" val="2135612579"/>
+                  </a:ext>
+                </a:extLst>
+              </a:tr>
+              <a:tr h="370840">
+                <a:tc>
+                  <a:txBody>
+                    <a:bodyPr/>
+                    <a:lstStyle/>
+                    <a:p>
+                      <a:r>
+                        <a:rPr lang="pt-BR" sz="1400" dirty="0">
+                          <a:solidFill>
+                            <a:schemeClr val="tx1"/>
+                          </a:solidFill>
+                          <a:effectLst/>
+                          <a:latin typeface="+mn-lt"/>
+                          <a:ea typeface="Times New Roman" panose="02020603050405020304" pitchFamily="18" charset="0"/>
+                        </a:rPr>
+                        <a:t>Poder mover objetos utilizando o mouse como na Unity</a:t>
+                      </a:r>
+                    </a:p>
+                  </a:txBody>
+                  <a:tcPr marL="44450" marR="44450" marT="0" marB="0"/>
+                </a:tc>
+                <a:tc>
+                  <a:txBody>
+                    <a:bodyPr/>
+                    <a:lstStyle/>
+                    <a:p>
+                      <a:r>
+                        <a:rPr lang="pt-BR" sz="1400">
+                          <a:solidFill>
+                            <a:schemeClr val="tx1"/>
+                          </a:solidFill>
+                          <a:effectLst/>
+                          <a:latin typeface="+mn-lt"/>
+                          <a:ea typeface="Times New Roman" panose="02020603050405020304" pitchFamily="18" charset="0"/>
+                        </a:rPr>
+                        <a:t>1</a:t>
+                      </a:r>
+                    </a:p>
+                  </a:txBody>
+                  <a:tcPr marL="44450" marR="44450" marT="0" marB="0"/>
+                </a:tc>
+                <a:extLst>
+                  <a:ext uri="{0D108BD9-81ED-4DB2-BD59-A6C34878D82A}">
+                    <a16:rowId xmlns:a16="http://schemas.microsoft.com/office/drawing/2014/main" val="2543804724"/>
+                  </a:ext>
+                </a:extLst>
+              </a:tr>
+              <a:tr h="370840">
+                <a:tc>
+                  <a:txBody>
+                    <a:bodyPr/>
+                    <a:lstStyle/>
+                    <a:p>
+                      <a:r>
+                        <a:rPr lang="pt-BR" sz="1400">
+                          <a:solidFill>
+                            <a:schemeClr val="tx1"/>
+                          </a:solidFill>
+                          <a:effectLst/>
+                          <a:latin typeface="+mn-lt"/>
+                          <a:ea typeface="Times New Roman" panose="02020603050405020304" pitchFamily="18" charset="0"/>
+                        </a:rPr>
+                        <a:t>Arrumar bugs</a:t>
+                      </a:r>
+                    </a:p>
+                  </a:txBody>
+                  <a:tcPr marL="44450" marR="44450" marT="0" marB="0"/>
+                </a:tc>
+                <a:tc>
+                  <a:txBody>
+                    <a:bodyPr/>
+                    <a:lstStyle/>
+                    <a:p>
+                      <a:r>
+                        <a:rPr lang="pt-BR" sz="1400">
+                          <a:solidFill>
+                            <a:schemeClr val="tx1"/>
+                          </a:solidFill>
+                          <a:effectLst/>
+                          <a:latin typeface="+mn-lt"/>
+                          <a:ea typeface="Times New Roman" panose="02020603050405020304" pitchFamily="18" charset="0"/>
+                        </a:rPr>
+                        <a:t>1</a:t>
+                      </a:r>
+                    </a:p>
+                  </a:txBody>
+                  <a:tcPr marL="44450" marR="44450" marT="0" marB="0"/>
+                </a:tc>
+                <a:extLst>
+                  <a:ext uri="{0D108BD9-81ED-4DB2-BD59-A6C34878D82A}">
+                    <a16:rowId xmlns:a16="http://schemas.microsoft.com/office/drawing/2014/main" val="3880224911"/>
+                  </a:ext>
+                </a:extLst>
+              </a:tr>
+              <a:tr h="370840">
+                <a:tc>
+                  <a:txBody>
+                    <a:bodyPr/>
+                    <a:lstStyle/>
+                    <a:p>
+                      <a:r>
+                        <a:rPr lang="pt-BR" sz="1400">
+                          <a:solidFill>
+                            <a:schemeClr val="tx1"/>
+                          </a:solidFill>
+                          <a:effectLst/>
+                          <a:latin typeface="+mn-lt"/>
+                          <a:ea typeface="Times New Roman" panose="02020603050405020304" pitchFamily="18" charset="0"/>
+                        </a:rPr>
+                        <a:t>Aumentar tela de visualização</a:t>
+                      </a:r>
+                    </a:p>
+                  </a:txBody>
+                  <a:tcPr marL="44450" marR="44450" marT="0" marB="0"/>
+                </a:tc>
+                <a:tc>
+                  <a:txBody>
+                    <a:bodyPr/>
+                    <a:lstStyle/>
+                    <a:p>
+                      <a:r>
+                        <a:rPr lang="pt-BR" sz="1400">
+                          <a:solidFill>
+                            <a:schemeClr val="tx1"/>
+                          </a:solidFill>
+                          <a:effectLst/>
+                          <a:latin typeface="+mn-lt"/>
+                          <a:ea typeface="Times New Roman" panose="02020603050405020304" pitchFamily="18" charset="0"/>
+                        </a:rPr>
+                        <a:t>1</a:t>
+                      </a:r>
+                    </a:p>
+                  </a:txBody>
+                  <a:tcPr marL="44450" marR="44450" marT="0" marB="0"/>
+                </a:tc>
+                <a:extLst>
+                  <a:ext uri="{0D108BD9-81ED-4DB2-BD59-A6C34878D82A}">
+                    <a16:rowId xmlns:a16="http://schemas.microsoft.com/office/drawing/2014/main" val="3013170976"/>
+                  </a:ext>
+                </a:extLst>
+              </a:tr>
+              <a:tr h="370840">
+                <a:tc>
+                  <a:txBody>
+                    <a:bodyPr/>
+                    <a:lstStyle/>
+                    <a:p>
+                      <a:r>
+                        <a:rPr lang="pt-BR" sz="1400">
+                          <a:solidFill>
+                            <a:schemeClr val="tx1"/>
+                          </a:solidFill>
+                          <a:effectLst/>
+                          <a:latin typeface="+mn-lt"/>
+                          <a:ea typeface="Times New Roman" panose="02020603050405020304" pitchFamily="18" charset="0"/>
+                        </a:rPr>
+                        <a:t>Arrumar acentuação</a:t>
+                      </a:r>
+                    </a:p>
+                  </a:txBody>
+                  <a:tcPr marL="44450" marR="44450" marT="0" marB="0"/>
+                </a:tc>
+                <a:tc>
+                  <a:txBody>
+                    <a:bodyPr/>
+                    <a:lstStyle/>
+                    <a:p>
+                      <a:r>
+                        <a:rPr lang="pt-BR" sz="1400" dirty="0">
+                          <a:solidFill>
+                            <a:schemeClr val="tx1"/>
+                          </a:solidFill>
+                          <a:effectLst/>
+                          <a:latin typeface="+mn-lt"/>
+                          <a:ea typeface="Times New Roman" panose="02020603050405020304" pitchFamily="18" charset="0"/>
+                        </a:rPr>
+                        <a:t>1</a:t>
+                      </a:r>
+                    </a:p>
+                  </a:txBody>
+                  <a:tcPr marL="44450" marR="44450" marT="0" marB="0"/>
+                </a:tc>
+                <a:extLst>
+                  <a:ext uri="{0D108BD9-81ED-4DB2-BD59-A6C34878D82A}">
+                    <a16:rowId xmlns:a16="http://schemas.microsoft.com/office/drawing/2014/main" val="4124090085"/>
+                  </a:ext>
+                </a:extLst>
+              </a:tr>
+            </a:tbl>
+          </a:graphicData>
+        </a:graphic>
+      </p:graphicFrame>
+    </p:spTree>
+    <p:extLst>
+      <p:ext uri="{BB962C8B-B14F-4D97-AF65-F5344CB8AC3E}">
+        <p14:creationId xmlns:p14="http://schemas.microsoft.com/office/powerpoint/2010/main" val="3241556482"/>
+      </p:ext>
+    </p:extLst>
+  </p:cSld>
+  <p:clrMapOvr>
+    <a:masterClrMapping/>
+  </p:clrMapOvr>
+</p:sld>
+</file>
+
+<file path=ppt/slides/slide31.xml><?xml version="1.0" encoding="utf-8"?>
+<p:sld xmlns:a="http://schemas.openxmlformats.org/drawingml/2006/main" xmlns:r="http://schemas.openxmlformats.org/officeDocument/2006/relationships" xmlns:p="http://schemas.openxmlformats.org/presentationml/2006/main">
+  <p:cSld>
+    <p:spTree>
+      <p:nvGrpSpPr>
+        <p:cNvPr id="1" name=""/>
+        <p:cNvGrpSpPr/>
+        <p:nvPr/>
+      </p:nvGrpSpPr>
+      <p:grpSpPr>
+        <a:xfrm>
+          <a:off x="0" y="0"/>
+          <a:ext cx="0" cy="0"/>
+          <a:chOff x="0" y="0"/>
+          <a:chExt cx="0" cy="0"/>
+        </a:xfrm>
+      </p:grpSpPr>
+      <p:sp>
+        <p:nvSpPr>
+          <p:cNvPr id="9" name="CaixaDeTexto 7">
+            <a:extLst>
+              <a:ext uri="{FF2B5EF4-FFF2-40B4-BE49-F238E27FC236}">
+                <a16:creationId xmlns:a16="http://schemas.microsoft.com/office/drawing/2014/main" id="{2CDBCF28-8FF9-EAFC-1680-F75EF8A67D96}"/>
+              </a:ext>
+            </a:extLst>
+          </p:cNvPr>
+          <p:cNvSpPr txBox="1">
+            <a:spLocks noChangeArrowheads="1"/>
+          </p:cNvSpPr>
+          <p:nvPr/>
+        </p:nvSpPr>
+        <p:spPr bwMode="auto">
+          <a:xfrm>
+            <a:off x="2011843" y="724323"/>
+            <a:ext cx="5120312" cy="276999"/>
+          </a:xfrm>
+          <a:prstGeom prst="rect">
+            <a:avLst/>
+          </a:prstGeom>
+          <a:noFill/>
+          <a:ln>
+            <a:noFill/>
+          </a:ln>
+          <a:extLst>
+            <a:ext uri="{909E8E84-426E-40DD-AFC4-6F175D3DCCD1}">
+              <a14:hiddenFill xmlns:a14="http://schemas.microsoft.com/office/drawing/2010/main">
+                <a:solidFill>
+                  <a:srgbClr val="FFFFFF"/>
+                </a:solidFill>
+              </a14:hiddenFill>
+            </a:ext>
+            <a:ext uri="{91240B29-F687-4F45-9708-019B960494DF}">
+              <a14:hiddenLine xmlns:a14="http://schemas.microsoft.com/office/drawing/2010/main" w="9525">
+                <a:solidFill>
+                  <a:srgbClr val="000000"/>
+                </a:solidFill>
+                <a:miter lim="800000"/>
+                <a:headEnd/>
+                <a:tailEnd/>
+              </a14:hiddenLine>
+            </a:ext>
+          </a:extLst>
+        </p:spPr>
+        <p:txBody>
+          <a:bodyPr wrap="none">
+            <a:spAutoFit/>
+          </a:bodyPr>
+          <a:lstStyle>
+            <a:lvl1pPr>
+              <a:spcBef>
+                <a:spcPct val="20000"/>
+              </a:spcBef>
+              <a:buChar char="•"/>
+              <a:defRPr sz="3200">
+                <a:solidFill>
+                  <a:schemeClr val="tx1"/>
+                </a:solidFill>
+                <a:latin typeface="Arial" panose="020B0604020202020204" pitchFamily="34" charset="0"/>
+              </a:defRPr>
+            </a:lvl1pPr>
+            <a:lvl2pPr marL="742950" indent="-285750">
+              <a:spcBef>
+                <a:spcPct val="20000"/>
+              </a:spcBef>
+              <a:buChar char="–"/>
+              <a:defRPr sz="2800">
+                <a:solidFill>
+                  <a:schemeClr val="tx1"/>
+                </a:solidFill>
+                <a:latin typeface="Arial" panose="020B0604020202020204" pitchFamily="34" charset="0"/>
+              </a:defRPr>
+            </a:lvl2pPr>
+            <a:lvl3pPr marL="1143000" indent="-228600">
+              <a:spcBef>
+                <a:spcPct val="20000"/>
+              </a:spcBef>
+              <a:buChar char="•"/>
+              <a:defRPr sz="2400">
+                <a:solidFill>
+                  <a:schemeClr val="tx1"/>
+                </a:solidFill>
+                <a:latin typeface="Arial" panose="020B0604020202020204" pitchFamily="34" charset="0"/>
+              </a:defRPr>
+            </a:lvl3pPr>
+            <a:lvl4pPr marL="1600200" indent="-228600">
+              <a:spcBef>
+                <a:spcPct val="20000"/>
+              </a:spcBef>
+              <a:buChar char="–"/>
+              <a:defRPr sz="2000">
+                <a:solidFill>
+                  <a:schemeClr val="tx1"/>
+                </a:solidFill>
+                <a:latin typeface="Arial" panose="020B0604020202020204" pitchFamily="34" charset="0"/>
+              </a:defRPr>
+            </a:lvl4pPr>
+            <a:lvl5pPr marL="2057400" indent="-228600">
+              <a:spcBef>
+                <a:spcPct val="20000"/>
+              </a:spcBef>
+              <a:buChar char="»"/>
+              <a:defRPr sz="2000">
+                <a:solidFill>
+                  <a:schemeClr val="tx1"/>
+                </a:solidFill>
+                <a:latin typeface="Arial" panose="020B0604020202020204" pitchFamily="34" charset="0"/>
+              </a:defRPr>
+            </a:lvl5pPr>
+            <a:lvl6pPr marL="2514600" indent="-228600" eaLnBrk="0" fontAlgn="base" hangingPunct="0">
+              <a:spcBef>
+                <a:spcPct val="20000"/>
+              </a:spcBef>
+              <a:spcAft>
+                <a:spcPct val="0"/>
+              </a:spcAft>
+              <a:buChar char="»"/>
+              <a:defRPr sz="2000">
+                <a:solidFill>
+                  <a:schemeClr val="tx1"/>
+                </a:solidFill>
+                <a:latin typeface="Arial" panose="020B0604020202020204" pitchFamily="34" charset="0"/>
+              </a:defRPr>
+            </a:lvl6pPr>
+            <a:lvl7pPr marL="2971800" indent="-228600" eaLnBrk="0" fontAlgn="base" hangingPunct="0">
+              <a:spcBef>
+                <a:spcPct val="20000"/>
+              </a:spcBef>
+              <a:spcAft>
+                <a:spcPct val="0"/>
+              </a:spcAft>
+              <a:buChar char="»"/>
+              <a:defRPr sz="2000">
+                <a:solidFill>
+                  <a:schemeClr val="tx1"/>
+                </a:solidFill>
+                <a:latin typeface="Arial" panose="020B0604020202020204" pitchFamily="34" charset="0"/>
+              </a:defRPr>
+            </a:lvl7pPr>
+            <a:lvl8pPr marL="3429000" indent="-228600" eaLnBrk="0" fontAlgn="base" hangingPunct="0">
+              <a:spcBef>
+                <a:spcPct val="20000"/>
+              </a:spcBef>
+              <a:spcAft>
+                <a:spcPct val="0"/>
+              </a:spcAft>
+              <a:buChar char="»"/>
+              <a:defRPr sz="2000">
+                <a:solidFill>
+                  <a:schemeClr val="tx1"/>
+                </a:solidFill>
+                <a:latin typeface="Arial" panose="020B0604020202020204" pitchFamily="34" charset="0"/>
+              </a:defRPr>
+            </a:lvl8pPr>
+            <a:lvl9pPr marL="3886200" indent="-228600" eaLnBrk="0" fontAlgn="base" hangingPunct="0">
+              <a:spcBef>
+                <a:spcPct val="20000"/>
+              </a:spcBef>
+              <a:spcAft>
+                <a:spcPct val="0"/>
+              </a:spcAft>
+              <a:buChar char="»"/>
+              <a:defRPr sz="2000">
+                <a:solidFill>
+                  <a:schemeClr val="tx1"/>
+                </a:solidFill>
+                <a:latin typeface="Arial" panose="020B0604020202020204" pitchFamily="34" charset="0"/>
+              </a:defRPr>
+            </a:lvl9pPr>
+          </a:lstStyle>
+          <a:p>
+            <a:pPr>
+              <a:spcBef>
+                <a:spcPct val="0"/>
+              </a:spcBef>
+              <a:buFontTx/>
+              <a:buNone/>
+            </a:pPr>
+            <a:r>
+              <a:rPr lang="pt-BR" altLang="pt-BR" sz="1200" dirty="0"/>
+              <a:t>Quadro 12 – Comparação entre os correlatos e aplicação desenvolvida</a:t>
+            </a:r>
+          </a:p>
+        </p:txBody>
+      </p:sp>
+      <p:graphicFrame>
+        <p:nvGraphicFramePr>
+          <p:cNvPr id="15" name="Espaço Reservado para Conteúdo 14">
+            <a:extLst>
+              <a:ext uri="{FF2B5EF4-FFF2-40B4-BE49-F238E27FC236}">
+                <a16:creationId xmlns:a16="http://schemas.microsoft.com/office/drawing/2014/main" id="{559C6262-102D-E1D7-8465-C6887A102871}"/>
+              </a:ext>
+            </a:extLst>
+          </p:cNvPr>
+          <p:cNvGraphicFramePr>
+            <a:graphicFrameLocks noGrp="1"/>
+          </p:cNvGraphicFramePr>
+          <p:nvPr>
+            <p:ph idx="1"/>
+            <p:extLst>
+              <p:ext uri="{D42A27DB-BD31-4B8C-83A1-F6EECF244321}">
+                <p14:modId xmlns:p14="http://schemas.microsoft.com/office/powerpoint/2010/main" val="3221306129"/>
+              </p:ext>
+            </p:extLst>
+          </p:nvPr>
+        </p:nvGraphicFramePr>
+        <p:xfrm>
+          <a:off x="457199" y="1001322"/>
+          <a:ext cx="8229600" cy="4582160"/>
+        </p:xfrm>
+        <a:graphic>
+          <a:graphicData uri="http://schemas.openxmlformats.org/drawingml/2006/table">
+            <a:tbl>
+              <a:tblPr firstRow="1" bandRow="1">
+                <a:tableStyleId>{5C22544A-7EE6-4342-B048-85BDC9FD1C3A}</a:tableStyleId>
+              </a:tblPr>
+              <a:tblGrid>
+                <a:gridCol w="2314601">
+                  <a:extLst>
+                    <a:ext uri="{9D8B030D-6E8A-4147-A177-3AD203B41FA5}">
+                      <a16:colId xmlns:a16="http://schemas.microsoft.com/office/drawing/2014/main" val="2893659221"/>
+                    </a:ext>
+                  </a:extLst>
+                </a:gridCol>
+                <a:gridCol w="1584176">
+                  <a:extLst>
+                    <a:ext uri="{9D8B030D-6E8A-4147-A177-3AD203B41FA5}">
+                      <a16:colId xmlns:a16="http://schemas.microsoft.com/office/drawing/2014/main" val="924129483"/>
+                    </a:ext>
+                  </a:extLst>
+                </a:gridCol>
+                <a:gridCol w="1512168">
+                  <a:extLst>
+                    <a:ext uri="{9D8B030D-6E8A-4147-A177-3AD203B41FA5}">
+                      <a16:colId xmlns:a16="http://schemas.microsoft.com/office/drawing/2014/main" val="3770765122"/>
+                    </a:ext>
+                  </a:extLst>
+                </a:gridCol>
+                <a:gridCol w="1440160">
+                  <a:extLst>
+                    <a:ext uri="{9D8B030D-6E8A-4147-A177-3AD203B41FA5}">
+                      <a16:colId xmlns:a16="http://schemas.microsoft.com/office/drawing/2014/main" val="2343356794"/>
+                    </a:ext>
+                  </a:extLst>
+                </a:gridCol>
+                <a:gridCol w="1378495">
+                  <a:extLst>
+                    <a:ext uri="{9D8B030D-6E8A-4147-A177-3AD203B41FA5}">
+                      <a16:colId xmlns:a16="http://schemas.microsoft.com/office/drawing/2014/main" val="710199913"/>
+                    </a:ext>
+                  </a:extLst>
+                </a:gridCol>
+              </a:tblGrid>
+              <a:tr h="370840">
+                <a:tc>
+                  <a:txBody>
+                    <a:bodyPr/>
+                    <a:lstStyle/>
+                    <a:p>
+                      <a:endParaRPr lang="pt-BR" sz="3200">
+                        <a:solidFill>
+                          <a:schemeClr val="tx1"/>
+                        </a:solidFill>
+                        <a:latin typeface="+mn-lt"/>
+                      </a:endParaRPr>
+                    </a:p>
+                  </a:txBody>
+                  <a:tcPr/>
+                </a:tc>
+                <a:tc>
+                  <a:txBody>
+                    <a:bodyPr/>
+                    <a:lstStyle/>
+                    <a:p>
+                      <a:r>
+                        <a:rPr lang="pt-BR" sz="1400" dirty="0" err="1">
+                          <a:solidFill>
+                            <a:schemeClr val="tx1"/>
+                          </a:solidFill>
+                          <a:effectLst/>
+                          <a:latin typeface="+mn-lt"/>
+                          <a:ea typeface="Times New Roman" panose="02020603050405020304" pitchFamily="18" charset="0"/>
+                        </a:rPr>
+                        <a:t>Scratchim</a:t>
+                      </a:r>
+                      <a:r>
+                        <a:rPr lang="pt-BR" sz="1400" dirty="0">
+                          <a:solidFill>
+                            <a:schemeClr val="tx1"/>
+                          </a:solidFill>
+                          <a:effectLst/>
+                          <a:latin typeface="+mn-lt"/>
+                          <a:ea typeface="Times New Roman" panose="02020603050405020304" pitchFamily="18" charset="0"/>
+                        </a:rPr>
+                        <a:t> (Rodrigues; Gomes; Carneiro, 2022)</a:t>
+                      </a:r>
+                    </a:p>
+                  </a:txBody>
+                  <a:tcPr marL="68580" marR="68580" marT="0" marB="0" anchor="ctr"/>
+                </a:tc>
+                <a:tc>
+                  <a:txBody>
+                    <a:bodyPr/>
+                    <a:lstStyle/>
+                    <a:p>
+                      <a:r>
+                        <a:rPr lang="pt-BR" sz="1400" dirty="0" err="1">
+                          <a:solidFill>
+                            <a:schemeClr val="tx1"/>
+                          </a:solidFill>
+                          <a:effectLst/>
+                          <a:latin typeface="+mn-lt"/>
+                          <a:ea typeface="Times New Roman" panose="02020603050405020304" pitchFamily="18" charset="0"/>
+                        </a:rPr>
+                        <a:t>GeNiAl</a:t>
+                      </a:r>
+                      <a:r>
+                        <a:rPr lang="pt-BR" sz="1400" dirty="0">
+                          <a:solidFill>
+                            <a:schemeClr val="tx1"/>
+                          </a:solidFill>
+                          <a:effectLst/>
+                          <a:latin typeface="+mn-lt"/>
+                          <a:ea typeface="Times New Roman" panose="02020603050405020304" pitchFamily="18" charset="0"/>
+                        </a:rPr>
+                        <a:t> (Barros; Sousa; Viana, 2022)</a:t>
+                      </a:r>
+                    </a:p>
+                  </a:txBody>
+                  <a:tcPr marL="68580" marR="68580" marT="0" marB="0" anchor="ctr"/>
+                </a:tc>
+                <a:tc>
+                  <a:txBody>
+                    <a:bodyPr/>
+                    <a:lstStyle/>
+                    <a:p>
+                      <a:r>
+                        <a:rPr lang="pt-BR" sz="1400" dirty="0" err="1">
+                          <a:solidFill>
+                            <a:schemeClr val="tx1"/>
+                          </a:solidFill>
+                          <a:effectLst/>
+                          <a:latin typeface="+mn-lt"/>
+                          <a:ea typeface="Times New Roman" panose="02020603050405020304" pitchFamily="18" charset="0"/>
+                        </a:rPr>
+                        <a:t>OrbitAndo</a:t>
+                      </a:r>
+                      <a:r>
+                        <a:rPr lang="pt-BR" sz="1400" dirty="0">
+                          <a:solidFill>
+                            <a:schemeClr val="tx1"/>
+                          </a:solidFill>
+                          <a:effectLst/>
+                          <a:latin typeface="+mn-lt"/>
+                          <a:ea typeface="Times New Roman" panose="02020603050405020304" pitchFamily="18" charset="0"/>
+                        </a:rPr>
+                        <a:t> (</a:t>
+                      </a:r>
+                      <a:r>
+                        <a:rPr lang="pt-BR" sz="1400" dirty="0" err="1">
+                          <a:solidFill>
+                            <a:schemeClr val="tx1"/>
+                          </a:solidFill>
+                          <a:effectLst/>
+                          <a:latin typeface="+mn-lt"/>
+                          <a:ea typeface="Times New Roman" panose="02020603050405020304" pitchFamily="18" charset="0"/>
+                        </a:rPr>
+                        <a:t>Siedler</a:t>
+                      </a:r>
+                      <a:r>
+                        <a:rPr lang="pt-BR" sz="1400" dirty="0">
+                          <a:solidFill>
+                            <a:schemeClr val="tx1"/>
+                          </a:solidFill>
+                          <a:effectLst/>
+                          <a:latin typeface="+mn-lt"/>
+                          <a:ea typeface="Times New Roman" panose="02020603050405020304" pitchFamily="18" charset="0"/>
+                        </a:rPr>
+                        <a:t> et al., 2022)</a:t>
+                      </a:r>
+                    </a:p>
+                  </a:txBody>
+                  <a:tcPr marL="68580" marR="68580" marT="0" marB="0" anchor="ctr"/>
+                </a:tc>
+                <a:tc>
+                  <a:txBody>
+                    <a:bodyPr/>
+                    <a:lstStyle/>
+                    <a:p>
+                      <a:r>
+                        <a:rPr lang="pt-BR" sz="1400" dirty="0">
+                          <a:solidFill>
+                            <a:schemeClr val="tx1"/>
+                          </a:solidFill>
+                          <a:effectLst/>
+                          <a:latin typeface="+mn-lt"/>
+                          <a:ea typeface="Times New Roman" panose="02020603050405020304" pitchFamily="18" charset="0"/>
+                        </a:rPr>
+                        <a:t>GRADE</a:t>
+                      </a:r>
+                    </a:p>
+                  </a:txBody>
+                  <a:tcPr marL="68580" marR="68580" marT="0" marB="0" anchor="ctr"/>
+                </a:tc>
+                <a:extLst>
+                  <a:ext uri="{0D108BD9-81ED-4DB2-BD59-A6C34878D82A}">
+                    <a16:rowId xmlns:a16="http://schemas.microsoft.com/office/drawing/2014/main" val="2774065909"/>
+                  </a:ext>
+                </a:extLst>
+              </a:tr>
+              <a:tr h="370840">
+                <a:tc>
+                  <a:txBody>
+                    <a:bodyPr/>
+                    <a:lstStyle/>
+                    <a:p>
+                      <a:r>
+                        <a:rPr lang="pt-BR" sz="1400" dirty="0">
+                          <a:solidFill>
+                            <a:schemeClr val="tx1"/>
+                          </a:solidFill>
+                          <a:effectLst/>
+                          <a:latin typeface="+mn-lt"/>
+                          <a:ea typeface="Times New Roman" panose="02020603050405020304" pitchFamily="18" charset="0"/>
+                        </a:rPr>
+                        <a:t>Existe interação por meio de peças</a:t>
+                      </a:r>
+                    </a:p>
+                  </a:txBody>
+                  <a:tcPr marL="68580" marR="68580" marT="0" marB="0"/>
+                </a:tc>
+                <a:tc>
+                  <a:txBody>
+                    <a:bodyPr/>
+                    <a:lstStyle/>
+                    <a:p>
+                      <a:r>
+                        <a:rPr lang="pt-BR" sz="1400">
+                          <a:solidFill>
+                            <a:schemeClr val="tx1"/>
+                          </a:solidFill>
+                          <a:effectLst/>
+                          <a:latin typeface="+mn-lt"/>
+                          <a:ea typeface="Times New Roman" panose="02020603050405020304" pitchFamily="18" charset="0"/>
+                        </a:rPr>
+                        <a:t>X</a:t>
+                      </a:r>
+                    </a:p>
+                  </a:txBody>
+                  <a:tcPr marL="68580" marR="68580" marT="0" marB="0"/>
+                </a:tc>
+                <a:tc>
+                  <a:txBody>
+                    <a:bodyPr/>
+                    <a:lstStyle/>
+                    <a:p>
+                      <a:r>
+                        <a:rPr lang="pt-BR" sz="1400">
+                          <a:solidFill>
+                            <a:schemeClr val="tx1"/>
+                          </a:solidFill>
+                          <a:effectLst/>
+                          <a:latin typeface="+mn-lt"/>
+                          <a:ea typeface="Times New Roman" panose="02020603050405020304" pitchFamily="18" charset="0"/>
+                        </a:rPr>
+                        <a:t> </a:t>
+                      </a:r>
+                    </a:p>
+                  </a:txBody>
+                  <a:tcPr marL="68580" marR="68580" marT="0" marB="0"/>
+                </a:tc>
+                <a:tc>
+                  <a:txBody>
+                    <a:bodyPr/>
+                    <a:lstStyle/>
+                    <a:p>
+                      <a:r>
+                        <a:rPr lang="pt-BR" sz="1400">
+                          <a:solidFill>
+                            <a:schemeClr val="tx1"/>
+                          </a:solidFill>
+                          <a:effectLst/>
+                          <a:latin typeface="+mn-lt"/>
+                          <a:ea typeface="Times New Roman" panose="02020603050405020304" pitchFamily="18" charset="0"/>
+                        </a:rPr>
+                        <a:t> </a:t>
+                      </a:r>
+                    </a:p>
+                  </a:txBody>
+                  <a:tcPr marL="68580" marR="68580" marT="0" marB="0"/>
+                </a:tc>
+                <a:tc>
+                  <a:txBody>
+                    <a:bodyPr/>
+                    <a:lstStyle/>
+                    <a:p>
+                      <a:r>
+                        <a:rPr lang="pt-BR" sz="1400">
+                          <a:solidFill>
+                            <a:schemeClr val="tx1"/>
+                          </a:solidFill>
+                          <a:effectLst/>
+                          <a:latin typeface="+mn-lt"/>
+                          <a:ea typeface="Times New Roman" panose="02020603050405020304" pitchFamily="18" charset="0"/>
+                        </a:rPr>
+                        <a:t>X</a:t>
+                      </a:r>
+                    </a:p>
+                  </a:txBody>
+                  <a:tcPr marL="68580" marR="68580" marT="0" marB="0"/>
+                </a:tc>
+                <a:extLst>
+                  <a:ext uri="{0D108BD9-81ED-4DB2-BD59-A6C34878D82A}">
+                    <a16:rowId xmlns:a16="http://schemas.microsoft.com/office/drawing/2014/main" val="2602240344"/>
+                  </a:ext>
+                </a:extLst>
+              </a:tr>
+              <a:tr h="370840">
+                <a:tc>
+                  <a:txBody>
+                    <a:bodyPr/>
+                    <a:lstStyle/>
+                    <a:p>
+                      <a:r>
+                        <a:rPr lang="pt-BR" sz="1400">
+                          <a:solidFill>
+                            <a:schemeClr val="tx1"/>
+                          </a:solidFill>
+                          <a:effectLst/>
+                          <a:latin typeface="+mn-lt"/>
+                          <a:ea typeface="Times New Roman" panose="02020603050405020304" pitchFamily="18" charset="0"/>
+                        </a:rPr>
+                        <a:t>É um software educacional</a:t>
+                      </a:r>
+                    </a:p>
+                  </a:txBody>
+                  <a:tcPr marL="68580" marR="68580" marT="0" marB="0"/>
+                </a:tc>
+                <a:tc>
+                  <a:txBody>
+                    <a:bodyPr/>
+                    <a:lstStyle/>
+                    <a:p>
+                      <a:r>
+                        <a:rPr lang="pt-BR" sz="1400">
+                          <a:solidFill>
+                            <a:schemeClr val="tx1"/>
+                          </a:solidFill>
+                          <a:effectLst/>
+                          <a:latin typeface="+mn-lt"/>
+                          <a:ea typeface="Times New Roman" panose="02020603050405020304" pitchFamily="18" charset="0"/>
+                        </a:rPr>
+                        <a:t> </a:t>
+                      </a:r>
+                    </a:p>
+                  </a:txBody>
+                  <a:tcPr marL="68580" marR="68580" marT="0" marB="0"/>
+                </a:tc>
+                <a:tc>
+                  <a:txBody>
+                    <a:bodyPr/>
+                    <a:lstStyle/>
+                    <a:p>
+                      <a:r>
+                        <a:rPr lang="pt-BR" sz="1400" dirty="0">
+                          <a:solidFill>
+                            <a:schemeClr val="tx1"/>
+                          </a:solidFill>
+                          <a:effectLst/>
+                          <a:latin typeface="+mn-lt"/>
+                          <a:ea typeface="Times New Roman" panose="02020603050405020304" pitchFamily="18" charset="0"/>
+                        </a:rPr>
+                        <a:t>X</a:t>
+                      </a:r>
+                    </a:p>
+                  </a:txBody>
+                  <a:tcPr marL="68580" marR="68580" marT="0" marB="0"/>
+                </a:tc>
+                <a:tc>
+                  <a:txBody>
+                    <a:bodyPr/>
+                    <a:lstStyle/>
+                    <a:p>
+                      <a:r>
+                        <a:rPr lang="pt-BR" sz="1400">
+                          <a:solidFill>
+                            <a:schemeClr val="tx1"/>
+                          </a:solidFill>
+                          <a:effectLst/>
+                          <a:latin typeface="+mn-lt"/>
+                          <a:ea typeface="Times New Roman" panose="02020603050405020304" pitchFamily="18" charset="0"/>
+                        </a:rPr>
+                        <a:t>X</a:t>
+                      </a:r>
+                    </a:p>
+                  </a:txBody>
+                  <a:tcPr marL="68580" marR="68580" marT="0" marB="0"/>
+                </a:tc>
+                <a:tc>
+                  <a:txBody>
+                    <a:bodyPr/>
+                    <a:lstStyle/>
+                    <a:p>
+                      <a:r>
+                        <a:rPr lang="pt-BR" sz="1400">
+                          <a:solidFill>
+                            <a:schemeClr val="tx1"/>
+                          </a:solidFill>
+                          <a:effectLst/>
+                          <a:latin typeface="+mn-lt"/>
+                          <a:ea typeface="Times New Roman" panose="02020603050405020304" pitchFamily="18" charset="0"/>
+                        </a:rPr>
+                        <a:t>X</a:t>
+                      </a:r>
+                    </a:p>
+                  </a:txBody>
+                  <a:tcPr marL="68580" marR="68580" marT="0" marB="0"/>
+                </a:tc>
+                <a:extLst>
+                  <a:ext uri="{0D108BD9-81ED-4DB2-BD59-A6C34878D82A}">
+                    <a16:rowId xmlns:a16="http://schemas.microsoft.com/office/drawing/2014/main" val="3011965278"/>
+                  </a:ext>
+                </a:extLst>
+              </a:tr>
+              <a:tr h="370840">
+                <a:tc>
+                  <a:txBody>
+                    <a:bodyPr/>
+                    <a:lstStyle/>
+                    <a:p>
+                      <a:r>
+                        <a:rPr lang="pt-BR" sz="1400">
+                          <a:solidFill>
+                            <a:schemeClr val="tx1"/>
+                          </a:solidFill>
+                          <a:effectLst/>
+                          <a:latin typeface="+mn-lt"/>
+                          <a:ea typeface="Times New Roman" panose="02020603050405020304" pitchFamily="18" charset="0"/>
+                        </a:rPr>
+                        <a:t>Apresenta exercícios para validação </a:t>
+                      </a:r>
+                    </a:p>
+                  </a:txBody>
+                  <a:tcPr marL="68580" marR="68580" marT="0" marB="0"/>
+                </a:tc>
+                <a:tc>
+                  <a:txBody>
+                    <a:bodyPr/>
+                    <a:lstStyle/>
+                    <a:p>
+                      <a:r>
+                        <a:rPr lang="pt-BR" sz="1400">
+                          <a:solidFill>
+                            <a:schemeClr val="tx1"/>
+                          </a:solidFill>
+                          <a:effectLst/>
+                          <a:latin typeface="+mn-lt"/>
+                          <a:ea typeface="Times New Roman" panose="02020603050405020304" pitchFamily="18" charset="0"/>
+                        </a:rPr>
+                        <a:t>X</a:t>
+                      </a:r>
+                    </a:p>
+                  </a:txBody>
+                  <a:tcPr marL="68580" marR="68580" marT="0" marB="0"/>
+                </a:tc>
+                <a:tc>
+                  <a:txBody>
+                    <a:bodyPr/>
+                    <a:lstStyle/>
+                    <a:p>
+                      <a:r>
+                        <a:rPr lang="pt-BR" sz="1400">
+                          <a:solidFill>
+                            <a:schemeClr val="tx1"/>
+                          </a:solidFill>
+                          <a:effectLst/>
+                          <a:latin typeface="+mn-lt"/>
+                          <a:ea typeface="Times New Roman" panose="02020603050405020304" pitchFamily="18" charset="0"/>
+                        </a:rPr>
+                        <a:t>X</a:t>
+                      </a:r>
+                    </a:p>
+                  </a:txBody>
+                  <a:tcPr marL="68580" marR="68580" marT="0" marB="0"/>
+                </a:tc>
+                <a:tc>
+                  <a:txBody>
+                    <a:bodyPr/>
+                    <a:lstStyle/>
+                    <a:p>
+                      <a:r>
+                        <a:rPr lang="pt-BR" sz="1400" dirty="0">
+                          <a:solidFill>
+                            <a:schemeClr val="tx1"/>
+                          </a:solidFill>
+                          <a:effectLst/>
+                          <a:latin typeface="+mn-lt"/>
+                          <a:ea typeface="Times New Roman" panose="02020603050405020304" pitchFamily="18" charset="0"/>
+                        </a:rPr>
+                        <a:t>X</a:t>
+                      </a:r>
+                    </a:p>
+                  </a:txBody>
+                  <a:tcPr marL="68580" marR="68580" marT="0" marB="0"/>
+                </a:tc>
+                <a:tc>
+                  <a:txBody>
+                    <a:bodyPr/>
+                    <a:lstStyle/>
+                    <a:p>
+                      <a:r>
+                        <a:rPr lang="pt-BR" sz="1400">
+                          <a:solidFill>
+                            <a:schemeClr val="tx1"/>
+                          </a:solidFill>
+                          <a:effectLst/>
+                          <a:latin typeface="+mn-lt"/>
+                          <a:ea typeface="Times New Roman" panose="02020603050405020304" pitchFamily="18" charset="0"/>
+                        </a:rPr>
+                        <a:t>X</a:t>
+                      </a:r>
+                    </a:p>
+                  </a:txBody>
+                  <a:tcPr marL="68580" marR="68580" marT="0" marB="0"/>
+                </a:tc>
+                <a:extLst>
+                  <a:ext uri="{0D108BD9-81ED-4DB2-BD59-A6C34878D82A}">
+                    <a16:rowId xmlns:a16="http://schemas.microsoft.com/office/drawing/2014/main" val="1596646378"/>
+                  </a:ext>
+                </a:extLst>
+              </a:tr>
+              <a:tr h="370840">
+                <a:tc>
+                  <a:txBody>
+                    <a:bodyPr/>
+                    <a:lstStyle/>
+                    <a:p>
+                      <a:r>
+                        <a:rPr lang="pt-BR" sz="1400">
+                          <a:solidFill>
+                            <a:schemeClr val="tx1"/>
+                          </a:solidFill>
+                          <a:effectLst/>
+                          <a:latin typeface="+mn-lt"/>
+                          <a:ea typeface="Times New Roman" panose="02020603050405020304" pitchFamily="18" charset="0"/>
+                        </a:rPr>
+                        <a:t>Apresenta tutorial explicando o seu uso</a:t>
+                      </a:r>
+                    </a:p>
+                  </a:txBody>
+                  <a:tcPr marL="68580" marR="68580" marT="0" marB="0"/>
+                </a:tc>
+                <a:tc>
+                  <a:txBody>
+                    <a:bodyPr/>
+                    <a:lstStyle/>
+                    <a:p>
+                      <a:r>
+                        <a:rPr lang="pt-BR" sz="1400">
+                          <a:solidFill>
+                            <a:schemeClr val="tx1"/>
+                          </a:solidFill>
+                          <a:effectLst/>
+                          <a:latin typeface="+mn-lt"/>
+                          <a:ea typeface="Times New Roman" panose="02020603050405020304" pitchFamily="18" charset="0"/>
+                        </a:rPr>
+                        <a:t>X</a:t>
+                      </a:r>
+                    </a:p>
+                  </a:txBody>
+                  <a:tcPr marL="68580" marR="68580" marT="0" marB="0"/>
+                </a:tc>
+                <a:tc>
+                  <a:txBody>
+                    <a:bodyPr/>
+                    <a:lstStyle/>
+                    <a:p>
+                      <a:r>
+                        <a:rPr lang="pt-BR" sz="1400">
+                          <a:solidFill>
+                            <a:schemeClr val="tx1"/>
+                          </a:solidFill>
+                          <a:effectLst/>
+                          <a:latin typeface="+mn-lt"/>
+                          <a:ea typeface="Times New Roman" panose="02020603050405020304" pitchFamily="18" charset="0"/>
+                        </a:rPr>
+                        <a:t> </a:t>
+                      </a:r>
+                    </a:p>
+                  </a:txBody>
+                  <a:tcPr marL="68580" marR="68580" marT="0" marB="0"/>
+                </a:tc>
+                <a:tc>
+                  <a:txBody>
+                    <a:bodyPr/>
+                    <a:lstStyle/>
+                    <a:p>
+                      <a:r>
+                        <a:rPr lang="pt-BR" sz="1400">
+                          <a:solidFill>
+                            <a:schemeClr val="tx1"/>
+                          </a:solidFill>
+                          <a:effectLst/>
+                          <a:latin typeface="+mn-lt"/>
+                          <a:ea typeface="Times New Roman" panose="02020603050405020304" pitchFamily="18" charset="0"/>
+                        </a:rPr>
+                        <a:t> </a:t>
+                      </a:r>
+                    </a:p>
+                  </a:txBody>
+                  <a:tcPr marL="68580" marR="68580" marT="0" marB="0"/>
+                </a:tc>
+                <a:tc>
+                  <a:txBody>
+                    <a:bodyPr/>
+                    <a:lstStyle/>
+                    <a:p>
+                      <a:r>
+                        <a:rPr lang="pt-BR" sz="1400">
+                          <a:solidFill>
+                            <a:schemeClr val="tx1"/>
+                          </a:solidFill>
+                          <a:effectLst/>
+                          <a:latin typeface="+mn-lt"/>
+                          <a:ea typeface="Times New Roman" panose="02020603050405020304" pitchFamily="18" charset="0"/>
+                        </a:rPr>
+                        <a:t>X</a:t>
+                      </a:r>
+                    </a:p>
+                  </a:txBody>
+                  <a:tcPr marL="68580" marR="68580" marT="0" marB="0"/>
+                </a:tc>
+                <a:extLst>
+                  <a:ext uri="{0D108BD9-81ED-4DB2-BD59-A6C34878D82A}">
+                    <a16:rowId xmlns:a16="http://schemas.microsoft.com/office/drawing/2014/main" val="3787843424"/>
+                  </a:ext>
+                </a:extLst>
+              </a:tr>
+              <a:tr h="370840">
+                <a:tc>
+                  <a:txBody>
+                    <a:bodyPr/>
+                    <a:lstStyle/>
+                    <a:p>
+                      <a:r>
+                        <a:rPr lang="pt-BR" sz="1400">
+                          <a:solidFill>
+                            <a:schemeClr val="tx1"/>
+                          </a:solidFill>
+                          <a:effectLst/>
+                          <a:latin typeface="+mn-lt"/>
+                          <a:ea typeface="Times New Roman" panose="02020603050405020304" pitchFamily="18" charset="0"/>
+                        </a:rPr>
+                        <a:t>Apresenta conteúdos teóricos</a:t>
+                      </a:r>
+                    </a:p>
+                  </a:txBody>
+                  <a:tcPr marL="68580" marR="68580" marT="0" marB="0"/>
+                </a:tc>
+                <a:tc>
+                  <a:txBody>
+                    <a:bodyPr/>
+                    <a:lstStyle/>
+                    <a:p>
+                      <a:r>
+                        <a:rPr lang="pt-BR" sz="1400">
+                          <a:solidFill>
+                            <a:schemeClr val="tx1"/>
+                          </a:solidFill>
+                          <a:effectLst/>
+                          <a:latin typeface="+mn-lt"/>
+                          <a:ea typeface="Times New Roman" panose="02020603050405020304" pitchFamily="18" charset="0"/>
+                        </a:rPr>
+                        <a:t>X</a:t>
+                      </a:r>
+                    </a:p>
+                  </a:txBody>
+                  <a:tcPr marL="68580" marR="68580" marT="0" marB="0"/>
+                </a:tc>
+                <a:tc>
+                  <a:txBody>
+                    <a:bodyPr/>
+                    <a:lstStyle/>
+                    <a:p>
+                      <a:r>
+                        <a:rPr lang="pt-BR" sz="1400">
+                          <a:solidFill>
+                            <a:schemeClr val="tx1"/>
+                          </a:solidFill>
+                          <a:effectLst/>
+                          <a:latin typeface="+mn-lt"/>
+                          <a:ea typeface="Times New Roman" panose="02020603050405020304" pitchFamily="18" charset="0"/>
+                        </a:rPr>
+                        <a:t> </a:t>
+                      </a:r>
+                    </a:p>
+                  </a:txBody>
+                  <a:tcPr marL="68580" marR="68580" marT="0" marB="0"/>
+                </a:tc>
+                <a:tc>
+                  <a:txBody>
+                    <a:bodyPr/>
+                    <a:lstStyle/>
+                    <a:p>
+                      <a:r>
+                        <a:rPr lang="pt-BR" sz="1400">
+                          <a:solidFill>
+                            <a:schemeClr val="tx1"/>
+                          </a:solidFill>
+                          <a:effectLst/>
+                          <a:latin typeface="+mn-lt"/>
+                          <a:ea typeface="Times New Roman" panose="02020603050405020304" pitchFamily="18" charset="0"/>
+                        </a:rPr>
+                        <a:t>X</a:t>
+                      </a:r>
+                    </a:p>
+                  </a:txBody>
+                  <a:tcPr marL="68580" marR="68580" marT="0" marB="0"/>
+                </a:tc>
+                <a:tc>
+                  <a:txBody>
+                    <a:bodyPr/>
+                    <a:lstStyle/>
+                    <a:p>
+                      <a:r>
+                        <a:rPr lang="pt-BR" sz="1400">
+                          <a:solidFill>
+                            <a:schemeClr val="tx1"/>
+                          </a:solidFill>
+                          <a:effectLst/>
+                          <a:latin typeface="+mn-lt"/>
+                          <a:ea typeface="Times New Roman" panose="02020603050405020304" pitchFamily="18" charset="0"/>
+                        </a:rPr>
+                        <a:t>X</a:t>
+                      </a:r>
+                    </a:p>
+                  </a:txBody>
+                  <a:tcPr marL="68580" marR="68580" marT="0" marB="0"/>
+                </a:tc>
+                <a:extLst>
+                  <a:ext uri="{0D108BD9-81ED-4DB2-BD59-A6C34878D82A}">
+                    <a16:rowId xmlns:a16="http://schemas.microsoft.com/office/drawing/2014/main" val="1364802528"/>
+                  </a:ext>
+                </a:extLst>
+              </a:tr>
+              <a:tr h="370840">
+                <a:tc>
+                  <a:txBody>
+                    <a:bodyPr/>
+                    <a:lstStyle/>
+                    <a:p>
+                      <a:r>
+                        <a:rPr lang="pt-BR" sz="1400" dirty="0">
+                          <a:solidFill>
+                            <a:schemeClr val="tx1"/>
+                          </a:solidFill>
+                          <a:effectLst/>
+                          <a:latin typeface="+mn-lt"/>
+                          <a:ea typeface="Times New Roman" panose="02020603050405020304" pitchFamily="18" charset="0"/>
+                        </a:rPr>
+                        <a:t>Possui acesso off-line</a:t>
+                      </a:r>
+                    </a:p>
+                  </a:txBody>
+                  <a:tcPr marL="68580" marR="68580" marT="0" marB="0"/>
+                </a:tc>
+                <a:tc>
+                  <a:txBody>
+                    <a:bodyPr/>
+                    <a:lstStyle/>
+                    <a:p>
+                      <a:r>
+                        <a:rPr lang="pt-BR" sz="1400">
+                          <a:solidFill>
+                            <a:schemeClr val="tx1"/>
+                          </a:solidFill>
+                          <a:effectLst/>
+                          <a:latin typeface="+mn-lt"/>
+                          <a:ea typeface="Times New Roman" panose="02020603050405020304" pitchFamily="18" charset="0"/>
+                        </a:rPr>
+                        <a:t>X</a:t>
+                      </a:r>
+                    </a:p>
+                  </a:txBody>
+                  <a:tcPr marL="68580" marR="68580" marT="0" marB="0"/>
+                </a:tc>
+                <a:tc>
+                  <a:txBody>
+                    <a:bodyPr/>
+                    <a:lstStyle/>
+                    <a:p>
+                      <a:r>
+                        <a:rPr lang="pt-BR" sz="1400">
+                          <a:solidFill>
+                            <a:schemeClr val="tx1"/>
+                          </a:solidFill>
+                          <a:effectLst/>
+                          <a:latin typeface="+mn-lt"/>
+                          <a:ea typeface="Times New Roman" panose="02020603050405020304" pitchFamily="18" charset="0"/>
+                        </a:rPr>
+                        <a:t> </a:t>
+                      </a:r>
+                    </a:p>
+                  </a:txBody>
+                  <a:tcPr marL="68580" marR="68580" marT="0" marB="0"/>
+                </a:tc>
+                <a:tc>
+                  <a:txBody>
+                    <a:bodyPr/>
+                    <a:lstStyle/>
+                    <a:p>
+                      <a:r>
+                        <a:rPr lang="pt-BR" sz="1400">
+                          <a:solidFill>
+                            <a:schemeClr val="tx1"/>
+                          </a:solidFill>
+                          <a:effectLst/>
+                          <a:latin typeface="+mn-lt"/>
+                          <a:ea typeface="Times New Roman" panose="02020603050405020304" pitchFamily="18" charset="0"/>
+                        </a:rPr>
+                        <a:t>X</a:t>
+                      </a:r>
+                    </a:p>
+                  </a:txBody>
+                  <a:tcPr marL="68580" marR="68580" marT="0" marB="0"/>
+                </a:tc>
+                <a:tc>
+                  <a:txBody>
+                    <a:bodyPr/>
+                    <a:lstStyle/>
+                    <a:p>
+                      <a:r>
+                        <a:rPr lang="pt-BR" sz="1400" dirty="0">
+                          <a:solidFill>
+                            <a:schemeClr val="tx1"/>
+                          </a:solidFill>
+                          <a:effectLst/>
+                          <a:latin typeface="+mn-lt"/>
+                          <a:ea typeface="Times New Roman" panose="02020603050405020304" pitchFamily="18" charset="0"/>
+                        </a:rPr>
+                        <a:t>Apenas após carregamento completo da página</a:t>
+                      </a:r>
+                    </a:p>
+                  </a:txBody>
+                  <a:tcPr marL="68580" marR="68580" marT="0" marB="0"/>
+                </a:tc>
+                <a:extLst>
+                  <a:ext uri="{0D108BD9-81ED-4DB2-BD59-A6C34878D82A}">
+                    <a16:rowId xmlns:a16="http://schemas.microsoft.com/office/drawing/2014/main" val="3889807026"/>
+                  </a:ext>
+                </a:extLst>
+              </a:tr>
+              <a:tr h="370840">
+                <a:tc>
+                  <a:txBody>
+                    <a:bodyPr/>
+                    <a:lstStyle/>
+                    <a:p>
+                      <a:r>
+                        <a:rPr lang="pt-BR" sz="1400">
+                          <a:solidFill>
+                            <a:schemeClr val="tx1"/>
+                          </a:solidFill>
+                          <a:effectLst/>
+                          <a:latin typeface="+mn-lt"/>
+                          <a:ea typeface="Times New Roman" panose="02020603050405020304" pitchFamily="18" charset="0"/>
+                        </a:rPr>
+                        <a:t>Foi desenvolvido em Unity</a:t>
+                      </a:r>
+                    </a:p>
+                  </a:txBody>
+                  <a:tcPr marL="68580" marR="68580" marT="0" marB="0"/>
+                </a:tc>
+                <a:tc>
+                  <a:txBody>
+                    <a:bodyPr/>
+                    <a:lstStyle/>
+                    <a:p>
+                      <a:r>
+                        <a:rPr lang="pt-BR" sz="1400">
+                          <a:solidFill>
+                            <a:schemeClr val="tx1"/>
+                          </a:solidFill>
+                          <a:effectLst/>
+                          <a:latin typeface="+mn-lt"/>
+                          <a:ea typeface="Times New Roman" panose="02020603050405020304" pitchFamily="18" charset="0"/>
+                        </a:rPr>
+                        <a:t> </a:t>
+                      </a:r>
+                    </a:p>
+                  </a:txBody>
+                  <a:tcPr marL="68580" marR="68580" marT="0" marB="0"/>
+                </a:tc>
+                <a:tc>
+                  <a:txBody>
+                    <a:bodyPr/>
+                    <a:lstStyle/>
+                    <a:p>
+                      <a:r>
+                        <a:rPr lang="pt-BR" sz="1400">
+                          <a:solidFill>
+                            <a:schemeClr val="tx1"/>
+                          </a:solidFill>
+                          <a:effectLst/>
+                          <a:latin typeface="+mn-lt"/>
+                          <a:ea typeface="Times New Roman" panose="02020603050405020304" pitchFamily="18" charset="0"/>
+                        </a:rPr>
+                        <a:t> </a:t>
+                      </a:r>
+                    </a:p>
+                  </a:txBody>
+                  <a:tcPr marL="68580" marR="68580" marT="0" marB="0"/>
+                </a:tc>
+                <a:tc>
+                  <a:txBody>
+                    <a:bodyPr/>
+                    <a:lstStyle/>
+                    <a:p>
+                      <a:r>
+                        <a:rPr lang="pt-BR" sz="1400">
+                          <a:solidFill>
+                            <a:schemeClr val="tx1"/>
+                          </a:solidFill>
+                          <a:effectLst/>
+                          <a:latin typeface="+mn-lt"/>
+                          <a:ea typeface="Times New Roman" panose="02020603050405020304" pitchFamily="18" charset="0"/>
+                        </a:rPr>
+                        <a:t>Dois dos três jogos</a:t>
+                      </a:r>
+                    </a:p>
+                  </a:txBody>
+                  <a:tcPr marL="68580" marR="68580" marT="0" marB="0"/>
+                </a:tc>
+                <a:tc>
+                  <a:txBody>
+                    <a:bodyPr/>
+                    <a:lstStyle/>
+                    <a:p>
+                      <a:r>
+                        <a:rPr lang="pt-BR" sz="1400" dirty="0">
+                          <a:solidFill>
+                            <a:schemeClr val="tx1"/>
+                          </a:solidFill>
+                          <a:effectLst/>
+                          <a:latin typeface="+mn-lt"/>
+                          <a:ea typeface="Times New Roman" panose="02020603050405020304" pitchFamily="18" charset="0"/>
+                        </a:rPr>
+                        <a:t>X</a:t>
+                      </a:r>
+                    </a:p>
+                  </a:txBody>
+                  <a:tcPr marL="68580" marR="68580" marT="0" marB="0"/>
+                </a:tc>
+                <a:extLst>
+                  <a:ext uri="{0D108BD9-81ED-4DB2-BD59-A6C34878D82A}">
+                    <a16:rowId xmlns:a16="http://schemas.microsoft.com/office/drawing/2014/main" val="1718912907"/>
+                  </a:ext>
+                </a:extLst>
+              </a:tr>
+              <a:tr h="370840">
+                <a:tc>
+                  <a:txBody>
+                    <a:bodyPr/>
+                    <a:lstStyle/>
+                    <a:p>
+                      <a:r>
+                        <a:rPr lang="pt-BR" sz="1400">
+                          <a:solidFill>
+                            <a:schemeClr val="tx1"/>
+                          </a:solidFill>
+                          <a:effectLst/>
+                          <a:latin typeface="+mn-lt"/>
+                          <a:ea typeface="Times New Roman" panose="02020603050405020304" pitchFamily="18" charset="0"/>
+                        </a:rPr>
+                        <a:t>Disponibilidade</a:t>
+                      </a:r>
+                    </a:p>
+                  </a:txBody>
+                  <a:tcPr marL="68580" marR="68580" marT="0" marB="0"/>
+                </a:tc>
+                <a:tc>
+                  <a:txBody>
+                    <a:bodyPr/>
+                    <a:lstStyle/>
+                    <a:p>
+                      <a:r>
+                        <a:rPr lang="pt-BR" sz="1400">
+                          <a:solidFill>
+                            <a:schemeClr val="tx1"/>
+                          </a:solidFill>
+                          <a:effectLst/>
+                          <a:latin typeface="+mn-lt"/>
+                          <a:ea typeface="Times New Roman" panose="02020603050405020304" pitchFamily="18" charset="0"/>
+                        </a:rPr>
+                        <a:t>Físico</a:t>
+                      </a:r>
+                    </a:p>
+                  </a:txBody>
+                  <a:tcPr marL="68580" marR="68580" marT="0" marB="0"/>
+                </a:tc>
+                <a:tc>
+                  <a:txBody>
+                    <a:bodyPr/>
+                    <a:lstStyle/>
+                    <a:p>
+                      <a:r>
+                        <a:rPr lang="pt-BR" sz="1400">
+                          <a:solidFill>
+                            <a:schemeClr val="tx1"/>
+                          </a:solidFill>
+                          <a:effectLst/>
+                          <a:latin typeface="+mn-lt"/>
+                          <a:ea typeface="Times New Roman" panose="02020603050405020304" pitchFamily="18" charset="0"/>
+                        </a:rPr>
+                        <a:t>Web</a:t>
+                      </a:r>
+                    </a:p>
+                  </a:txBody>
+                  <a:tcPr marL="68580" marR="68580" marT="0" marB="0"/>
+                </a:tc>
+                <a:tc>
+                  <a:txBody>
+                    <a:bodyPr/>
+                    <a:lstStyle/>
+                    <a:p>
+                      <a:r>
+                        <a:rPr lang="pt-BR" sz="1400">
+                          <a:solidFill>
+                            <a:schemeClr val="tx1"/>
+                          </a:solidFill>
+                          <a:effectLst/>
+                          <a:latin typeface="+mn-lt"/>
+                          <a:ea typeface="Times New Roman" panose="02020603050405020304" pitchFamily="18" charset="0"/>
+                        </a:rPr>
+                        <a:t>Multiplataforma</a:t>
+                      </a:r>
+                    </a:p>
+                  </a:txBody>
+                  <a:tcPr marL="68580" marR="68580" marT="0" marB="0"/>
+                </a:tc>
+                <a:tc>
+                  <a:txBody>
+                    <a:bodyPr/>
+                    <a:lstStyle/>
+                    <a:p>
+                      <a:r>
+                        <a:rPr lang="pt-BR" sz="1400" dirty="0">
+                          <a:solidFill>
+                            <a:schemeClr val="tx1"/>
+                          </a:solidFill>
+                          <a:effectLst/>
+                          <a:latin typeface="+mn-lt"/>
+                          <a:ea typeface="Times New Roman" panose="02020603050405020304" pitchFamily="18" charset="0"/>
+                        </a:rPr>
+                        <a:t>Web</a:t>
+                      </a:r>
+                    </a:p>
+                  </a:txBody>
+                  <a:tcPr marL="68580" marR="68580" marT="0" marB="0"/>
+                </a:tc>
+                <a:extLst>
+                  <a:ext uri="{0D108BD9-81ED-4DB2-BD59-A6C34878D82A}">
+                    <a16:rowId xmlns:a16="http://schemas.microsoft.com/office/drawing/2014/main" val="1545273998"/>
+                  </a:ext>
+                </a:extLst>
+              </a:tr>
+            </a:tbl>
+          </a:graphicData>
+        </a:graphic>
+      </p:graphicFrame>
+      <p:sp>
+        <p:nvSpPr>
+          <p:cNvPr id="16" name="Rectangle 8">
+            <a:extLst>
+              <a:ext uri="{FF2B5EF4-FFF2-40B4-BE49-F238E27FC236}">
+                <a16:creationId xmlns:a16="http://schemas.microsoft.com/office/drawing/2014/main" id="{4BD31EB0-F103-7B71-AC85-8470DCF21793}"/>
+              </a:ext>
+            </a:extLst>
+          </p:cNvPr>
+          <p:cNvSpPr>
+            <a:spLocks noChangeArrowheads="1"/>
+          </p:cNvSpPr>
+          <p:nvPr/>
+        </p:nvSpPr>
+        <p:spPr bwMode="auto">
+          <a:xfrm>
+            <a:off x="-661989" y="5583482"/>
+            <a:ext cx="10467976" cy="261610"/>
+          </a:xfrm>
+          <a:prstGeom prst="rect">
+            <a:avLst/>
+          </a:prstGeom>
+          <a:noFill/>
+          <a:ln>
+            <a:noFill/>
+          </a:ln>
+          <a:effectLst/>
+          <a:extLst>
+            <a:ext uri="{909E8E84-426E-40DD-AFC4-6F175D3DCCD1}">
+              <a14:hiddenFill xmlns:a14="http://schemas.microsoft.com/office/drawing/2010/main">
+                <a:solidFill>
+                  <a:schemeClr val="accent1"/>
+                </a:solidFill>
+              </a14:hiddenFill>
+            </a:ext>
+            <a:ext uri="{91240B29-F687-4F45-9708-019B960494DF}">
+              <a14:hiddenLine xmlns:a14="http://schemas.microsoft.com/office/drawing/2010/main" w="9525">
+                <a:solidFill>
+                  <a:schemeClr val="tx1"/>
+                </a:solidFill>
+                <a:miter lim="800000"/>
+                <a:headEnd/>
+                <a:tailEnd/>
+              </a14:hiddenLine>
+            </a:ext>
+            <a:ext uri="{AF507438-7753-43E0-B8FC-AC1667EBCBE1}">
+              <a14:hiddenEffects xmlns:a14="http://schemas.microsoft.com/office/drawing/2010/main">
+                <a:effectLst>
+                  <a:outerShdw dist="35921" dir="2700000" algn="ctr" rotWithShape="0">
+                    <a:schemeClr val="bg2"/>
+                  </a:outerShdw>
+                </a:effectLst>
+              </a14:hiddenEffects>
+            </a:ext>
+          </a:extLst>
+        </p:spPr>
+        <p:txBody>
+          <a:bodyPr anchor="ctr">
+            <a:spAutoFit/>
+          </a:bodyPr>
+          <a:lstStyle>
+            <a:lvl1pPr>
+              <a:spcBef>
+                <a:spcPct val="20000"/>
+              </a:spcBef>
+              <a:buChar char="•"/>
+              <a:defRPr sz="3200">
+                <a:solidFill>
+                  <a:schemeClr val="tx1"/>
+                </a:solidFill>
+                <a:latin typeface="Arial" panose="020B0604020202020204" pitchFamily="34" charset="0"/>
+              </a:defRPr>
+            </a:lvl1pPr>
+            <a:lvl2pPr marL="742950" indent="-285750">
+              <a:spcBef>
+                <a:spcPct val="20000"/>
+              </a:spcBef>
+              <a:buChar char="–"/>
+              <a:defRPr sz="2800">
+                <a:solidFill>
+                  <a:schemeClr val="tx1"/>
+                </a:solidFill>
+                <a:latin typeface="Arial" panose="020B0604020202020204" pitchFamily="34" charset="0"/>
+              </a:defRPr>
+            </a:lvl2pPr>
+            <a:lvl3pPr marL="1143000" indent="-228600">
+              <a:spcBef>
+                <a:spcPct val="20000"/>
+              </a:spcBef>
+              <a:buChar char="•"/>
+              <a:defRPr sz="2400">
+                <a:solidFill>
+                  <a:schemeClr val="tx1"/>
+                </a:solidFill>
+                <a:latin typeface="Arial" panose="020B0604020202020204" pitchFamily="34" charset="0"/>
+              </a:defRPr>
+            </a:lvl3pPr>
+            <a:lvl4pPr marL="1600200" indent="-228600">
+              <a:spcBef>
+                <a:spcPct val="20000"/>
+              </a:spcBef>
+              <a:buChar char="–"/>
+              <a:defRPr sz="2000">
+                <a:solidFill>
+                  <a:schemeClr val="tx1"/>
+                </a:solidFill>
+                <a:latin typeface="Arial" panose="020B0604020202020204" pitchFamily="34" charset="0"/>
+              </a:defRPr>
+            </a:lvl4pPr>
+            <a:lvl5pPr marL="2057400" indent="-228600">
+              <a:spcBef>
+                <a:spcPct val="20000"/>
+              </a:spcBef>
+              <a:buChar char="»"/>
+              <a:defRPr sz="2000">
+                <a:solidFill>
+                  <a:schemeClr val="tx1"/>
+                </a:solidFill>
+                <a:latin typeface="Arial" panose="020B0604020202020204" pitchFamily="34" charset="0"/>
+              </a:defRPr>
+            </a:lvl5pPr>
+            <a:lvl6pPr marL="2514600" indent="-228600" eaLnBrk="0" fontAlgn="base" hangingPunct="0">
+              <a:spcBef>
+                <a:spcPct val="20000"/>
+              </a:spcBef>
+              <a:spcAft>
+                <a:spcPct val="0"/>
+              </a:spcAft>
+              <a:buChar char="»"/>
+              <a:defRPr sz="2000">
+                <a:solidFill>
+                  <a:schemeClr val="tx1"/>
+                </a:solidFill>
+                <a:latin typeface="Arial" panose="020B0604020202020204" pitchFamily="34" charset="0"/>
+              </a:defRPr>
+            </a:lvl6pPr>
+            <a:lvl7pPr marL="2971800" indent="-228600" eaLnBrk="0" fontAlgn="base" hangingPunct="0">
+              <a:spcBef>
+                <a:spcPct val="20000"/>
+              </a:spcBef>
+              <a:spcAft>
+                <a:spcPct val="0"/>
+              </a:spcAft>
+              <a:buChar char="»"/>
+              <a:defRPr sz="2000">
+                <a:solidFill>
+                  <a:schemeClr val="tx1"/>
+                </a:solidFill>
+                <a:latin typeface="Arial" panose="020B0604020202020204" pitchFamily="34" charset="0"/>
+              </a:defRPr>
+            </a:lvl7pPr>
+            <a:lvl8pPr marL="3429000" indent="-228600" eaLnBrk="0" fontAlgn="base" hangingPunct="0">
+              <a:spcBef>
+                <a:spcPct val="20000"/>
+              </a:spcBef>
+              <a:spcAft>
+                <a:spcPct val="0"/>
+              </a:spcAft>
+              <a:buChar char="»"/>
+              <a:defRPr sz="2000">
+                <a:solidFill>
+                  <a:schemeClr val="tx1"/>
+                </a:solidFill>
+                <a:latin typeface="Arial" panose="020B0604020202020204" pitchFamily="34" charset="0"/>
+              </a:defRPr>
+            </a:lvl8pPr>
+            <a:lvl9pPr marL="3886200" indent="-228600" eaLnBrk="0" fontAlgn="base" hangingPunct="0">
+              <a:spcBef>
+                <a:spcPct val="20000"/>
+              </a:spcBef>
+              <a:spcAft>
+                <a:spcPct val="0"/>
+              </a:spcAft>
+              <a:buChar char="»"/>
+              <a:defRPr sz="2000">
+                <a:solidFill>
+                  <a:schemeClr val="tx1"/>
+                </a:solidFill>
+                <a:latin typeface="Arial" panose="020B0604020202020204" pitchFamily="34" charset="0"/>
+              </a:defRPr>
+            </a:lvl9pPr>
+          </a:lstStyle>
+          <a:p>
+            <a:pPr algn="ctr">
+              <a:spcBef>
+                <a:spcPct val="0"/>
+              </a:spcBef>
+              <a:buFontTx/>
+              <a:buNone/>
+            </a:pPr>
+            <a:r>
+              <a:rPr lang="pt-BR" altLang="pt-BR" sz="1100" dirty="0">
+                <a:cs typeface="Times New Roman" panose="02020603050405020304" pitchFamily="18" charset="0"/>
+              </a:rPr>
+              <a:t>Fonte: elaborado pela autora.</a:t>
+            </a:r>
+            <a:endParaRPr lang="pt-BR" altLang="pt-BR" sz="1100" dirty="0"/>
+          </a:p>
+        </p:txBody>
+      </p:sp>
+    </p:spTree>
+    <p:extLst>
+      <p:ext uri="{BB962C8B-B14F-4D97-AF65-F5344CB8AC3E}">
+        <p14:creationId xmlns:p14="http://schemas.microsoft.com/office/powerpoint/2010/main" val="1401093134"/>
+      </p:ext>
+    </p:extLst>
+  </p:cSld>
+  <p:clrMapOvr>
+    <a:masterClrMapping/>
+  </p:clrMapOvr>
+</p:sld>
+</file>
+
+<file path=ppt/slides/slide32.xml><?xml version="1.0" encoding="utf-8"?>
+<p:sld xmlns:a="http://schemas.openxmlformats.org/drawingml/2006/main" xmlns:r="http://schemas.openxmlformats.org/officeDocument/2006/relationships" xmlns:p="http://schemas.openxmlformats.org/presentationml/2006/main">
+  <p:cSld>
+    <p:spTree>
+      <p:nvGrpSpPr>
+        <p:cNvPr id="1" name=""/>
+        <p:cNvGrpSpPr/>
+        <p:nvPr/>
+      </p:nvGrpSpPr>
+      <p:grpSpPr>
+        <a:xfrm>
+          <a:off x="0" y="0"/>
+          <a:ext cx="0" cy="0"/>
+          <a:chOff x="0" y="0"/>
+          <a:chExt cx="0" cy="0"/>
+        </a:xfrm>
+      </p:grpSpPr>
+      <p:sp>
+        <p:nvSpPr>
+          <p:cNvPr id="2" name="Título 1"/>
+          <p:cNvSpPr>
+            <a:spLocks noGrp="1"/>
+          </p:cNvSpPr>
+          <p:nvPr>
+            <p:ph type="title"/>
+          </p:nvPr>
+        </p:nvSpPr>
+        <p:spPr/>
+        <p:txBody>
+          <a:bodyPr/>
+          <a:lstStyle/>
+          <a:p>
+            <a:r>
+              <a:rPr lang="pt-BR" dirty="0"/>
+              <a:t>Conclusões e Sugestões</a:t>
+            </a:r>
+          </a:p>
+        </p:txBody>
+      </p:sp>
+      <p:sp>
+        <p:nvSpPr>
+          <p:cNvPr id="3" name="Espaço Reservado para Conteúdo 2"/>
+          <p:cNvSpPr>
+            <a:spLocks noGrp="1"/>
+          </p:cNvSpPr>
+          <p:nvPr>
+            <p:ph idx="1"/>
+          </p:nvPr>
+        </p:nvSpPr>
+        <p:spPr/>
+        <p:txBody>
+          <a:bodyPr/>
+          <a:lstStyle/>
+          <a:p>
+            <a:r>
+              <a:rPr lang="pt-BR" dirty="0"/>
+              <a:t>Satisfação por parte dos alunos;</a:t>
+            </a:r>
+          </a:p>
+          <a:p>
+            <a:r>
+              <a:rPr lang="pt-BR" dirty="0"/>
+              <a:t>Evolução ao longo dos exercícios;</a:t>
+            </a:r>
+          </a:p>
+          <a:p>
+            <a:r>
+              <a:rPr lang="pt-BR" dirty="0"/>
+              <a:t>Softwares escolhidos foram adequados e empenharam bem seu papel;</a:t>
+            </a:r>
+          </a:p>
+          <a:p>
+            <a:r>
+              <a:rPr lang="pt-BR" dirty="0"/>
+              <a:t>Polígono e </a:t>
+            </a:r>
+            <a:r>
+              <a:rPr lang="pt-BR" dirty="0" err="1"/>
+              <a:t>Spline</a:t>
+            </a:r>
+            <a:r>
+              <a:rPr lang="pt-BR" dirty="0"/>
+              <a:t> não foram implementados e Câmera deixou a desejar.</a:t>
+            </a:r>
+          </a:p>
+          <a:p>
+            <a:endParaRPr lang="pt-BR" dirty="0"/>
+          </a:p>
+        </p:txBody>
+      </p:sp>
+    </p:spTree>
+    <p:extLst>
+      <p:ext uri="{BB962C8B-B14F-4D97-AF65-F5344CB8AC3E}">
+        <p14:creationId xmlns:p14="http://schemas.microsoft.com/office/powerpoint/2010/main" val="2793539094"/>
+      </p:ext>
+    </p:extLst>
+  </p:cSld>
+  <p:clrMapOvr>
+    <a:masterClrMapping/>
+  </p:clrMapOvr>
+</p:sld>
+</file>
+
+<file path=ppt/slides/slide33.xml><?xml version="1.0" encoding="utf-8"?>
+<p:sld xmlns:a="http://schemas.openxmlformats.org/drawingml/2006/main" xmlns:r="http://schemas.openxmlformats.org/officeDocument/2006/relationships" xmlns:p="http://schemas.openxmlformats.org/presentationml/2006/main">
+  <p:cSld>
+    <p:spTree>
+      <p:nvGrpSpPr>
+        <p:cNvPr id="1" name=""/>
+        <p:cNvGrpSpPr/>
+        <p:nvPr/>
+      </p:nvGrpSpPr>
+      <p:grpSpPr>
+        <a:xfrm>
+          <a:off x="0" y="0"/>
+          <a:ext cx="0" cy="0"/>
+          <a:chOff x="0" y="0"/>
+          <a:chExt cx="0" cy="0"/>
+        </a:xfrm>
+      </p:grpSpPr>
+      <p:sp>
+        <p:nvSpPr>
+          <p:cNvPr id="2" name="Título 1"/>
+          <p:cNvSpPr>
+            <a:spLocks noGrp="1"/>
+          </p:cNvSpPr>
+          <p:nvPr>
+            <p:ph type="title"/>
+          </p:nvPr>
+        </p:nvSpPr>
+        <p:spPr/>
+        <p:txBody>
+          <a:bodyPr/>
+          <a:lstStyle/>
+          <a:p>
+            <a:r>
+              <a:rPr lang="pt-BR" dirty="0"/>
+              <a:t>Conclusões e Sugestões</a:t>
+            </a:r>
+          </a:p>
+        </p:txBody>
+      </p:sp>
+      <p:sp>
+        <p:nvSpPr>
+          <p:cNvPr id="3" name="Espaço Reservado para Conteúdo 2"/>
+          <p:cNvSpPr>
+            <a:spLocks noGrp="1"/>
+          </p:cNvSpPr>
+          <p:nvPr>
+            <p:ph idx="1"/>
+          </p:nvPr>
+        </p:nvSpPr>
+        <p:spPr/>
+        <p:txBody>
+          <a:bodyPr>
+            <a:normAutofit fontScale="55000" lnSpcReduction="20000"/>
+          </a:bodyPr>
+          <a:lstStyle/>
+          <a:p>
+            <a:r>
+              <a:rPr lang="pt-BR" sz="4400" dirty="0"/>
+              <a:t>Possíveis extensões:</a:t>
+            </a:r>
+          </a:p>
+          <a:p>
+            <a:pPr lvl="1"/>
+            <a:r>
+              <a:rPr lang="pt-BR" sz="4000" dirty="0"/>
+              <a:t>construir as peças </a:t>
+            </a:r>
+            <a:r>
+              <a:rPr lang="pt-BR" sz="4000" dirty="0" err="1"/>
+              <a:t>Spline</a:t>
+            </a:r>
+            <a:r>
+              <a:rPr lang="pt-BR" sz="4000" dirty="0"/>
+              <a:t> e Polígono;</a:t>
+            </a:r>
+          </a:p>
+          <a:p>
+            <a:pPr lvl="1"/>
+            <a:r>
+              <a:rPr lang="pt-BR" sz="4000" dirty="0"/>
+              <a:t>fazer com que as propriedades </a:t>
+            </a:r>
+            <a:r>
+              <a:rPr lang="pt-BR" sz="4000" dirty="0" err="1"/>
+              <a:t>LookAt</a:t>
+            </a:r>
+            <a:r>
+              <a:rPr lang="pt-BR" sz="4000" dirty="0"/>
+              <a:t>, Near e </a:t>
+            </a:r>
+            <a:r>
+              <a:rPr lang="pt-BR" sz="4000" dirty="0" err="1"/>
+              <a:t>Far</a:t>
+            </a:r>
+            <a:r>
+              <a:rPr lang="pt-BR" sz="4000" dirty="0"/>
+              <a:t> da Câmera funcionem de forma satisfatória;</a:t>
+            </a:r>
+          </a:p>
+          <a:p>
+            <a:pPr lvl="1"/>
+            <a:r>
+              <a:rPr lang="pt-BR" sz="4000" dirty="0"/>
+              <a:t>corrigir validação dos campos de propriedades para que o texto não perca a visibilidade;</a:t>
+            </a:r>
+          </a:p>
+          <a:p>
+            <a:pPr lvl="1"/>
+            <a:r>
+              <a:rPr lang="pt-BR" sz="4000" dirty="0"/>
+              <a:t>corrigir cálculo da porcentagem de acertos dos exercícios;</a:t>
+            </a:r>
+          </a:p>
+          <a:p>
+            <a:pPr lvl="1"/>
+            <a:r>
+              <a:rPr lang="pt-BR" sz="4000" dirty="0"/>
+              <a:t>arrumar as propriedades das peças, para que não seja necessário clicar nelas quando forem importadas nem herdadas;</a:t>
+            </a:r>
+          </a:p>
+          <a:p>
+            <a:pPr lvl="1"/>
+            <a:r>
+              <a:rPr lang="pt-BR" sz="4000" dirty="0"/>
+              <a:t>fazer um esquema de temporização ao longo do exercício e, quando o aluno estiver levando muito tempo para fazer, disponibilizar acesso a dicas de como resolver;</a:t>
+            </a:r>
+          </a:p>
+          <a:p>
+            <a:pPr lvl="1"/>
+            <a:r>
+              <a:rPr lang="pt-BR" sz="4000" dirty="0"/>
+              <a:t>trazer o modo noturno para a tela de </a:t>
+            </a:r>
+            <a:r>
+              <a:rPr lang="pt-BR" sz="4000" dirty="0" err="1"/>
+              <a:t>Renderer</a:t>
+            </a:r>
+            <a:r>
+              <a:rPr lang="pt-BR" sz="4000" dirty="0"/>
+              <a:t>;</a:t>
+            </a:r>
+          </a:p>
+          <a:p>
+            <a:pPr lvl="1"/>
+            <a:r>
+              <a:rPr lang="pt-BR" sz="4000" dirty="0"/>
+              <a:t>trazer setas indicando o caminho durante o tutorial.</a:t>
+            </a:r>
+          </a:p>
+          <a:p>
+            <a:pPr lvl="1"/>
+            <a:endParaRPr lang="pt-BR" dirty="0"/>
+          </a:p>
+          <a:p>
+            <a:endParaRPr lang="pt-BR" dirty="0"/>
+          </a:p>
+        </p:txBody>
+      </p:sp>
+    </p:spTree>
+    <p:extLst>
+      <p:ext uri="{BB962C8B-B14F-4D97-AF65-F5344CB8AC3E}">
+        <p14:creationId xmlns:p14="http://schemas.microsoft.com/office/powerpoint/2010/main" val="246540836"/>
       </p:ext>
     </p:extLst>
   </p:cSld>

--- a/Slides_NataliaSensWeise.pptx
+++ b/Slides_NataliaSensWeise.pptx
@@ -341,7 +341,7 @@
           <a:p>
             <a:fld id="{9E91C28F-2ED5-DD4F-AAC9-BEDA19D6365E}" type="datetimeFigureOut">
               <a:rPr lang="pt-BR" smtClean="0"/>
-              <a:t>28/06/2024</a:t>
+              <a:t>29/06/2024</a:t>
             </a:fld>
             <a:endParaRPr lang="pt-BR"/>
           </a:p>
@@ -3904,14 +3904,14 @@
             <p:ph idx="1"/>
             <p:extLst>
               <p:ext uri="{D42A27DB-BD31-4B8C-83A1-F6EECF244321}">
-                <p14:modId xmlns:p14="http://schemas.microsoft.com/office/powerpoint/2010/main" val="1109172799"/>
+                <p14:modId xmlns:p14="http://schemas.microsoft.com/office/powerpoint/2010/main" val="1402626058"/>
               </p:ext>
             </p:extLst>
           </p:nvPr>
         </p:nvGraphicFramePr>
         <p:xfrm>
           <a:off x="251520" y="1524000"/>
-          <a:ext cx="8712968" cy="5001344"/>
+          <a:ext cx="8712968" cy="4833628"/>
         </p:xfrm>
         <a:graphic>
           <a:graphicData uri="http://schemas.openxmlformats.org/drawingml/2006/table">
@@ -4081,7 +4081,23 @@
                           <a:latin typeface="+mn-lt"/>
                           <a:ea typeface="Times New Roman" panose="02020603050405020304" pitchFamily="18" charset="0"/>
                         </a:rPr>
-                        <a:t>permitir que o usuário possa mexer no tema da aplicação (modo claro ou modo escuro) conforme melhor lhe agradar</a:t>
+                        <a:t>permitir que o usuário possa mexer no tema da aplicação (modo claro </a:t>
+                      </a:r>
+                      <a:r>
+                        <a:rPr lang="pt-BR" sz="1600">
+                          <a:effectLst/>
+                          <a:latin typeface="+mn-lt"/>
+                          <a:ea typeface="Times New Roman" panose="02020603050405020304" pitchFamily="18" charset="0"/>
+                        </a:rPr>
+                        <a:t>ou escuro</a:t>
+                      </a:r>
+                      <a:r>
+                        <a:rPr lang="pt-BR" sz="1600" dirty="0">
+                          <a:effectLst/>
+                          <a:latin typeface="+mn-lt"/>
+                          <a:ea typeface="Times New Roman" panose="02020603050405020304" pitchFamily="18" charset="0"/>
+                        </a:rPr>
+                        <a:t>) conforme melhor lhe agradar</a:t>
                       </a:r>
                     </a:p>
                   </a:txBody>
@@ -4093,7 +4109,7 @@
                   </a:ext>
                 </a:extLst>
               </a:tr>
-              <a:tr h="640172">
+              <a:tr h="472456">
                 <a:tc>
                   <a:txBody>
                     <a:bodyPr/>
@@ -4122,7 +4138,7 @@
                           <a:latin typeface="+mn-lt"/>
                           <a:ea typeface="Times New Roman" panose="02020603050405020304" pitchFamily="18" charset="0"/>
                         </a:rPr>
-                        <a:t>permitir que o usuário possa fazer uso da câmera com todas as suas propriedades para que funcione correta e completamente</a:t>
+                        <a:t>permitir que o usuário possa fazer uso da câmera com todas as suas propriedades.</a:t>
                       </a:r>
                     </a:p>
                   </a:txBody>
@@ -4339,7 +4355,7 @@
             <p:ph idx="1"/>
             <p:extLst>
               <p:ext uri="{D42A27DB-BD31-4B8C-83A1-F6EECF244321}">
-                <p14:modId xmlns:p14="http://schemas.microsoft.com/office/powerpoint/2010/main" val="2749800735"/>
+                <p14:modId xmlns:p14="http://schemas.microsoft.com/office/powerpoint/2010/main" val="1031432876"/>
               </p:ext>
             </p:extLst>
           </p:nvPr>
@@ -4516,7 +4532,7 @@
                           <a:latin typeface="+mn-lt"/>
                           <a:ea typeface="Times New Roman" panose="02020603050405020304" pitchFamily="18" charset="0"/>
                         </a:rPr>
-                        <a:t>ser desenvolvido para web</a:t>
+                        <a:t>ser desenvolvido para plataforma web</a:t>
                       </a:r>
                     </a:p>
                   </a:txBody>
@@ -11715,18 +11731,6 @@
           <a:p>
             <a:r>
               <a:rPr lang="pt-BR" dirty="0"/>
-              <a:t>Dificuldade em abstração 3D por parte dos alunos;</a:t>
-            </a:r>
-          </a:p>
-          <a:p>
-            <a:r>
-              <a:rPr lang="pt-BR" dirty="0"/>
-              <a:t>Conceito de Computação Gráfica (CG);</a:t>
-            </a:r>
-          </a:p>
-          <a:p>
-            <a:r>
-              <a:rPr lang="pt-BR" dirty="0"/>
               <a:t>Continuação do projeto </a:t>
             </a:r>
             <a:r>
@@ -11735,7 +11739,19 @@
             </a:r>
             <a:r>
               <a:rPr lang="pt-BR" dirty="0"/>
-              <a:t>-CG.</a:t>
+              <a:t>-CG;</a:t>
+            </a:r>
+          </a:p>
+          <a:p>
+            <a:r>
+              <a:rPr lang="pt-BR" dirty="0"/>
+              <a:t>Dificuldade em abstração 3D por parte dos alunos;</a:t>
+            </a:r>
+          </a:p>
+          <a:p>
+            <a:r>
+              <a:rPr lang="pt-BR" dirty="0"/>
+              <a:t>Computação Gráfica.</a:t>
             </a:r>
           </a:p>
         </p:txBody>
@@ -23477,7 +23493,7 @@
             <p:ph idx="1"/>
             <p:extLst>
               <p:ext uri="{D42A27DB-BD31-4B8C-83A1-F6EECF244321}">
-                <p14:modId xmlns:p14="http://schemas.microsoft.com/office/powerpoint/2010/main" val="3795900280"/>
+                <p14:modId xmlns:p14="http://schemas.microsoft.com/office/powerpoint/2010/main" val="3328858219"/>
               </p:ext>
             </p:extLst>
           </p:nvPr>
@@ -23637,12 +23653,20 @@
                     <a:lstStyle/>
                     <a:p>
                       <a:r>
+                        <a:rPr lang="pt-BR" sz="1600" b="0" dirty="0">
+                          <a:effectLst/>
+                          <a:latin typeface="+mn-lt"/>
+                          <a:ea typeface="Times New Roman" panose="02020603050405020304" pitchFamily="18" charset="0"/>
+                        </a:rPr>
+                        <a:t>Encaixar blocos </a:t>
+                      </a:r>
+                      <a:r>
                         <a:rPr lang="pt-BR" sz="1600" dirty="0">
                           <a:effectLst/>
                           <a:latin typeface="+mn-lt"/>
                           <a:ea typeface="Times New Roman" panose="02020603050405020304" pitchFamily="18" charset="0"/>
                         </a:rPr>
-                        <a:t>Encaixar blocos para atingir o objetivo de cada tarefa proposta</a:t>
+                        <a:t>para atingir o objetivo de cada tarefa proposta</a:t>
                       </a:r>
                     </a:p>
                   </a:txBody>
@@ -23796,7 +23820,7 @@
             <p:ph idx="1"/>
             <p:extLst>
               <p:ext uri="{D42A27DB-BD31-4B8C-83A1-F6EECF244321}">
-                <p14:modId xmlns:p14="http://schemas.microsoft.com/office/powerpoint/2010/main" val="1660845237"/>
+                <p14:modId xmlns:p14="http://schemas.microsoft.com/office/powerpoint/2010/main" val="505578769"/>
               </p:ext>
             </p:extLst>
           </p:nvPr>
@@ -23952,7 +23976,7 @@
                           <a:latin typeface="+mn-lt"/>
                           <a:ea typeface="Times New Roman" panose="02020603050405020304" pitchFamily="18" charset="0"/>
                         </a:rPr>
-                        <a:t>Germânio (Ge – memorizar elemento; Níquel (Ni) – relacionar com cotidiano; e Alumínio (Al) – relacionar posição da tabela com características</a:t>
+                        <a:t>Germânio (Ge) – memorizar elemento; Níquel (Ni) – relacionar com cotidiano; e Alumínio (Al) – relacionar posição da tabela com características</a:t>
                       </a:r>
                     </a:p>
                   </a:txBody>

--- a/Slides_NataliaSensWeise.pptx
+++ b/Slides_NataliaSensWeise.pptx
@@ -341,7 +341,7 @@
           <a:p>
             <a:fld id="{9E91C28F-2ED5-DD4F-AAC9-BEDA19D6365E}" type="datetimeFigureOut">
               <a:rPr lang="pt-BR" smtClean="0"/>
-              <a:t>29/06/2024</a:t>
+              <a:t>30/06/2024</a:t>
             </a:fld>
             <a:endParaRPr lang="pt-BR"/>
           </a:p>
@@ -23018,7 +23018,18 @@
             </a:r>
             <a:r>
               <a:rPr lang="pt-BR" sz="4000" dirty="0"/>
-              <a:t> da Câmera funcionem de forma satisfatória;</a:t>
+              <a:t> da </a:t>
+            </a:r>
+            <a:r>
+              <a:rPr lang="pt-BR" sz="4000" dirty="0">
+                <a:latin typeface="Courier New" panose="02070309020205020404" pitchFamily="49" charset="0"/>
+                <a:cs typeface="Courier New" panose="02070309020205020404" pitchFamily="49" charset="0"/>
+              </a:rPr>
+              <a:t>Câmera</a:t>
+            </a:r>
+            <a:r>
+              <a:rPr lang="pt-BR" sz="4000" dirty="0"/>
+              <a:t> funcionem de forma satisfatória;</a:t>
             </a:r>
           </a:p>
           <a:p>

--- a/Slides_NataliaSensWeise.pptx
+++ b/Slides_NataliaSensWeise.pptx
@@ -23504,13 +23504,13 @@
             <p:ph idx="1"/>
             <p:extLst>
               <p:ext uri="{D42A27DB-BD31-4B8C-83A1-F6EECF244321}">
-                <p14:modId xmlns:p14="http://schemas.microsoft.com/office/powerpoint/2010/main" val="3328858219"/>
+                <p14:modId xmlns:p14="http://schemas.microsoft.com/office/powerpoint/2010/main" val="1763803123"/>
               </p:ext>
             </p:extLst>
           </p:nvPr>
         </p:nvGraphicFramePr>
         <p:xfrm>
-          <a:off x="755576" y="1696244"/>
+          <a:off x="755576" y="2060848"/>
           <a:ext cx="7632848" cy="3248576"/>
         </p:xfrm>
         <a:graphic>
@@ -23785,6 +23785,49 @@
           </a:graphicData>
         </a:graphic>
       </p:graphicFrame>
+      <p:sp>
+        <p:nvSpPr>
+          <p:cNvPr id="3" name="CaixaDeTexto 2">
+            <a:extLst>
+              <a:ext uri="{FF2B5EF4-FFF2-40B4-BE49-F238E27FC236}">
+                <a16:creationId xmlns:a16="http://schemas.microsoft.com/office/drawing/2014/main" id="{65012856-97DD-CF6C-7ED9-ABAB86039210}"/>
+              </a:ext>
+            </a:extLst>
+          </p:cNvPr>
+          <p:cNvSpPr txBox="1"/>
+          <p:nvPr/>
+        </p:nvSpPr>
+        <p:spPr>
+          <a:xfrm>
+            <a:off x="155074" y="1256188"/>
+            <a:ext cx="8854540" cy="584775"/>
+          </a:xfrm>
+          <a:prstGeom prst="rect">
+            <a:avLst/>
+          </a:prstGeom>
+          <a:noFill/>
+        </p:spPr>
+        <p:txBody>
+          <a:bodyPr wrap="none" rtlCol="0">
+            <a:spAutoFit/>
+          </a:bodyPr>
+          <a:lstStyle/>
+          <a:p>
+            <a:pPr algn="ctr"/>
+            <a:r>
+              <a:rPr lang="pt-BR" sz="1600" b="1" dirty="0"/>
+              <a:t>SCRATCHIM: UMA ABORDAGEM PARA O ENSINO DO PENSAMENTO COMPUTACIONAL </a:t>
+            </a:r>
+          </a:p>
+          <a:p>
+            <a:pPr algn="ctr"/>
+            <a:r>
+              <a:rPr lang="pt-BR" sz="1600" b="1" dirty="0"/>
+              <a:t>PARA CRIANÇAS DE FORMA REMOTA E DESPLUGADA</a:t>
+            </a:r>
+          </a:p>
+        </p:txBody>
+      </p:sp>
     </p:spTree>
     <p:extLst>
       <p:ext uri="{BB962C8B-B14F-4D97-AF65-F5344CB8AC3E}">
@@ -23831,13 +23874,13 @@
             <p:ph idx="1"/>
             <p:extLst>
               <p:ext uri="{D42A27DB-BD31-4B8C-83A1-F6EECF244321}">
-                <p14:modId xmlns:p14="http://schemas.microsoft.com/office/powerpoint/2010/main" val="505578769"/>
+                <p14:modId xmlns:p14="http://schemas.microsoft.com/office/powerpoint/2010/main" val="2535781415"/>
               </p:ext>
             </p:extLst>
           </p:nvPr>
         </p:nvGraphicFramePr>
         <p:xfrm>
-          <a:off x="492191" y="1551523"/>
+          <a:off x="467544" y="1844824"/>
           <a:ext cx="8229600" cy="3754954"/>
         </p:xfrm>
         <a:graphic>
@@ -24137,6 +24180,42 @@
             <a:r>
               <a:rPr lang="pt-BR" dirty="0"/>
               <a:t>Trabalhos Correlatos</a:t>
+            </a:r>
+          </a:p>
+        </p:txBody>
+      </p:sp>
+      <p:sp>
+        <p:nvSpPr>
+          <p:cNvPr id="2" name="CaixaDeTexto 1">
+            <a:extLst>
+              <a:ext uri="{FF2B5EF4-FFF2-40B4-BE49-F238E27FC236}">
+                <a16:creationId xmlns:a16="http://schemas.microsoft.com/office/drawing/2014/main" id="{C2112873-7410-D842-D818-BF54C24EC16E}"/>
+              </a:ext>
+            </a:extLst>
+          </p:cNvPr>
+          <p:cNvSpPr txBox="1"/>
+          <p:nvPr/>
+        </p:nvSpPr>
+        <p:spPr>
+          <a:xfrm>
+            <a:off x="3045320" y="1256188"/>
+            <a:ext cx="3074047" cy="338554"/>
+          </a:xfrm>
+          <a:prstGeom prst="rect">
+            <a:avLst/>
+          </a:prstGeom>
+          <a:noFill/>
+        </p:spPr>
+        <p:txBody>
+          <a:bodyPr wrap="none" rtlCol="0">
+            <a:spAutoFit/>
+          </a:bodyPr>
+          <a:lstStyle/>
+          <a:p>
+            <a:pPr algn="ctr"/>
+            <a:r>
+              <a:rPr lang="pt-BR" sz="1600" b="1" dirty="0"/>
+              <a:t>JORNADA QUÍMICA GENIAL</a:t>
             </a:r>
           </a:p>
         </p:txBody>
@@ -24187,13 +24266,13 @@
             <p:ph idx="1"/>
             <p:extLst>
               <p:ext uri="{D42A27DB-BD31-4B8C-83A1-F6EECF244321}">
-                <p14:modId xmlns:p14="http://schemas.microsoft.com/office/powerpoint/2010/main" val="434914901"/>
+                <p14:modId xmlns:p14="http://schemas.microsoft.com/office/powerpoint/2010/main" val="62357738"/>
               </p:ext>
             </p:extLst>
           </p:nvPr>
         </p:nvGraphicFramePr>
         <p:xfrm>
-          <a:off x="323528" y="1331640"/>
+          <a:off x="282352" y="1628800"/>
           <a:ext cx="8599984" cy="4548985"/>
         </p:xfrm>
         <a:graphic>
@@ -24687,6 +24766,42 @@
             <a:r>
               <a:rPr lang="pt-BR" dirty="0"/>
               <a:t>Trabalhos Correlatos</a:t>
+            </a:r>
+          </a:p>
+        </p:txBody>
+      </p:sp>
+      <p:sp>
+        <p:nvSpPr>
+          <p:cNvPr id="3" name="CaixaDeTexto 2">
+            <a:extLst>
+              <a:ext uri="{FF2B5EF4-FFF2-40B4-BE49-F238E27FC236}">
+                <a16:creationId xmlns:a16="http://schemas.microsoft.com/office/drawing/2014/main" id="{773248B1-00A3-D805-9D8C-D1147895F2E1}"/>
+              </a:ext>
+            </a:extLst>
+          </p:cNvPr>
+          <p:cNvSpPr txBox="1"/>
+          <p:nvPr/>
+        </p:nvSpPr>
+        <p:spPr>
+          <a:xfrm>
+            <a:off x="98563" y="1162363"/>
+            <a:ext cx="8946873" cy="338554"/>
+          </a:xfrm>
+          <a:prstGeom prst="rect">
+            <a:avLst/>
+          </a:prstGeom>
+          <a:noFill/>
+        </p:spPr>
+        <p:txBody>
+          <a:bodyPr wrap="none" rtlCol="0">
+            <a:spAutoFit/>
+          </a:bodyPr>
+          <a:lstStyle/>
+          <a:p>
+            <a:pPr algn="ctr"/>
+            <a:r>
+              <a:rPr lang="pt-BR" sz="1600" b="1" dirty="0"/>
+              <a:t>ORBITANDO: UMA PLATAFORMA PARA ENSINO DE ASTRONOMIA DE OUTRO MUNDO</a:t>
             </a:r>
           </a:p>
         </p:txBody>

--- a/Slides_NataliaSensWeise.pptx
+++ b/Slides_NataliaSensWeise.pptx
@@ -341,7 +341,7 @@
           <a:p>
             <a:fld id="{9E91C28F-2ED5-DD4F-AAC9-BEDA19D6365E}" type="datetimeFigureOut">
               <a:rPr lang="pt-BR" smtClean="0"/>
-              <a:t>30/06/2024</a:t>
+              <a:t>01/07/2024</a:t>
             </a:fld>
             <a:endParaRPr lang="pt-BR"/>
           </a:p>
@@ -4836,6 +4836,41 @@
           </a:p>
         </p:txBody>
       </p:sp>
+      <p:sp>
+        <p:nvSpPr>
+          <p:cNvPr id="4" name="CaixaDeTexto 3">
+            <a:extLst>
+              <a:ext uri="{FF2B5EF4-FFF2-40B4-BE49-F238E27FC236}">
+                <a16:creationId xmlns:a16="http://schemas.microsoft.com/office/drawing/2014/main" id="{F68EE543-E753-2486-D71C-754A0B22D11E}"/>
+              </a:ext>
+            </a:extLst>
+          </p:cNvPr>
+          <p:cNvSpPr txBox="1"/>
+          <p:nvPr/>
+        </p:nvSpPr>
+        <p:spPr>
+          <a:xfrm>
+            <a:off x="390661" y="5683566"/>
+            <a:ext cx="2800767" cy="369332"/>
+          </a:xfrm>
+          <a:prstGeom prst="rect">
+            <a:avLst/>
+          </a:prstGeom>
+          <a:noFill/>
+        </p:spPr>
+        <p:txBody>
+          <a:bodyPr wrap="none" rtlCol="0">
+            <a:spAutoFit/>
+          </a:bodyPr>
+          <a:lstStyle/>
+          <a:p>
+            <a:r>
+              <a:rPr lang="pt-BR" dirty="0"/>
+              <a:t>Redundância: lista pronta</a:t>
+            </a:r>
+          </a:p>
+        </p:txBody>
+      </p:sp>
     </p:spTree>
     <p:extLst>
       <p:ext uri="{BB962C8B-B14F-4D97-AF65-F5344CB8AC3E}">
@@ -23874,14 +23909,14 @@
             <p:ph idx="1"/>
             <p:extLst>
               <p:ext uri="{D42A27DB-BD31-4B8C-83A1-F6EECF244321}">
-                <p14:modId xmlns:p14="http://schemas.microsoft.com/office/powerpoint/2010/main" val="2535781415"/>
+                <p14:modId xmlns:p14="http://schemas.microsoft.com/office/powerpoint/2010/main" val="3689150505"/>
               </p:ext>
             </p:extLst>
           </p:nvPr>
         </p:nvGraphicFramePr>
         <p:xfrm>
           <a:off x="467544" y="1844824"/>
-          <a:ext cx="8229600" cy="3754954"/>
+          <a:ext cx="8229600" cy="3961850"/>
         </p:xfrm>
         <a:graphic>
           <a:graphicData uri="http://schemas.openxmlformats.org/drawingml/2006/table">
@@ -23993,7 +24028,7 @@
                   </a:ext>
                 </a:extLst>
               </a:tr>
-              <a:tr h="979221">
+              <a:tr h="1186117">
                 <a:tc>
                   <a:txBody>
                     <a:bodyPr/>
@@ -24024,13 +24059,35 @@
                         </a:rPr>
                         <a:t>Três trilhas: </a:t>
                       </a:r>
+                    </a:p>
+                    <a:p>
                       <a:r>
                         <a:rPr lang="pt-BR" sz="1600" dirty="0">
                           <a:effectLst/>
                           <a:latin typeface="+mn-lt"/>
                           <a:ea typeface="Times New Roman" panose="02020603050405020304" pitchFamily="18" charset="0"/>
                         </a:rPr>
-                        <a:t>Germânio (Ge) – memorizar elemento; Níquel (Ni) – relacionar com cotidiano; e Alumínio (Al) – relacionar posição da tabela com características</a:t>
+                        <a:t>Germânio (Ge) – memorizar elemento;</a:t>
+                      </a:r>
+                    </a:p>
+                    <a:p>
+                      <a:r>
+                        <a:rPr lang="pt-BR" sz="1600" dirty="0">
+                          <a:effectLst/>
+                          <a:latin typeface="+mn-lt"/>
+                          <a:ea typeface="Times New Roman" panose="02020603050405020304" pitchFamily="18" charset="0"/>
+                        </a:rPr>
+                        <a:t>Níquel (Ni) – relacionar com cotidiano;</a:t>
+                      </a:r>
+                    </a:p>
+                    <a:p>
+                      <a:r>
+                        <a:rPr lang="pt-BR" sz="1600" dirty="0">
+                          <a:effectLst/>
+                          <a:latin typeface="+mn-lt"/>
+                          <a:ea typeface="Times New Roman" panose="02020603050405020304" pitchFamily="18" charset="0"/>
+                        </a:rPr>
+                        <a:t>Alumínio (Al) – relacionar posição da tabela com características</a:t>
                       </a:r>
                     </a:p>
                   </a:txBody>
@@ -24266,7 +24323,7 @@
             <p:ph idx="1"/>
             <p:extLst>
               <p:ext uri="{D42A27DB-BD31-4B8C-83A1-F6EECF244321}">
-                <p14:modId xmlns:p14="http://schemas.microsoft.com/office/powerpoint/2010/main" val="62357738"/>
+                <p14:modId xmlns:p14="http://schemas.microsoft.com/office/powerpoint/2010/main" val="250909028"/>
               </p:ext>
             </p:extLst>
           </p:nvPr>
@@ -24568,7 +24625,7 @@
                     <a:lstStyle/>
                     <a:p>
                       <a:r>
-                        <a:rPr lang="pt-BR" sz="1600" dirty="0">
+                        <a:rPr lang="pt-BR" sz="1600" b="1" dirty="0">
                           <a:effectLst/>
                           <a:latin typeface="+mn-lt"/>
                           <a:ea typeface="Times New Roman" panose="02020603050405020304" pitchFamily="18" charset="0"/>
@@ -24655,22 +24712,38 @@
                     </a:p>
                     <a:p>
                       <a:r>
+                        <a:rPr lang="pt-BR" sz="1600" b="1" dirty="0">
+                          <a:effectLst/>
+                          <a:latin typeface="+mn-lt"/>
+                          <a:ea typeface="Times New Roman" panose="02020603050405020304" pitchFamily="18" charset="0"/>
+                        </a:rPr>
+                        <a:t>Segundo jogo: </a:t>
+                      </a:r>
+                      <a:r>
                         <a:rPr lang="pt-BR" sz="1600" dirty="0">
                           <a:effectLst/>
                           <a:latin typeface="+mn-lt"/>
                           <a:ea typeface="Times New Roman" panose="02020603050405020304" pitchFamily="18" charset="0"/>
                         </a:rPr>
-                        <a:t>Segundo jogo: Unity</a:t>
-                      </a:r>
-                    </a:p>
-                    <a:p>
+                        <a:t>Unity</a:t>
+                      </a:r>
+                    </a:p>
+                    <a:p>
+                      <a:r>
+                        <a:rPr lang="pt-BR" sz="1600" b="1" dirty="0">
+                          <a:effectLst/>
+                          <a:latin typeface="+mn-lt"/>
+                          <a:ea typeface="Times New Roman" panose="02020603050405020304" pitchFamily="18" charset="0"/>
+                        </a:rPr>
+                        <a:t>Terceiro jogo: </a:t>
+                      </a:r>
                       <a:r>
                         <a:rPr lang="pt-BR" sz="1600" dirty="0">
                           <a:effectLst/>
                           <a:latin typeface="+mn-lt"/>
                           <a:ea typeface="Times New Roman" panose="02020603050405020304" pitchFamily="18" charset="0"/>
                         </a:rPr>
-                        <a:t>Terceiro jogo: Unity e Vuforia</a:t>
+                        <a:t>Unity e Vuforia</a:t>
                       </a:r>
                     </a:p>
                   </a:txBody>

--- a/Slides_NataliaSensWeise.pptx
+++ b/Slides_NataliaSensWeise.pptx
@@ -341,7 +341,7 @@
           <a:p>
             <a:fld id="{9E91C28F-2ED5-DD4F-AAC9-BEDA19D6365E}" type="datetimeFigureOut">
               <a:rPr lang="pt-BR" smtClean="0"/>
-              <a:t>01/07/2024</a:t>
+              <a:t>02/07/2024</a:t>
             </a:fld>
             <a:endParaRPr lang="pt-BR"/>
           </a:p>
@@ -3904,7 +3904,7 @@
             <p:ph idx="1"/>
             <p:extLst>
               <p:ext uri="{D42A27DB-BD31-4B8C-83A1-F6EECF244321}">
-                <p14:modId xmlns:p14="http://schemas.microsoft.com/office/powerpoint/2010/main" val="1402626058"/>
+                <p14:modId xmlns:p14="http://schemas.microsoft.com/office/powerpoint/2010/main" val="2707695446"/>
               </p:ext>
             </p:extLst>
           </p:nvPr>
@@ -4138,8 +4138,21 @@
                           <a:latin typeface="+mn-lt"/>
                           <a:ea typeface="Times New Roman" panose="02020603050405020304" pitchFamily="18" charset="0"/>
                         </a:rPr>
-                        <a:t>permitir que o usuário possa fazer uso da câmera com todas as suas propriedades.</a:t>
-                      </a:r>
+                        <a:t>permitir que o usuário possa fazer uso da câmera com todas as </a:t>
+                      </a:r>
+                      <a:r>
+                        <a:rPr lang="pt-BR" sz="1600">
+                          <a:effectLst/>
+                          <a:latin typeface="+mn-lt"/>
+                          <a:ea typeface="Times New Roman" panose="02020603050405020304" pitchFamily="18" charset="0"/>
+                        </a:rPr>
+                        <a:t>suas propriedades</a:t>
+                      </a:r>
+                      <a:endParaRPr lang="pt-BR" sz="1600" dirty="0">
+                        <a:effectLst/>
+                        <a:latin typeface="+mn-lt"/>
+                        <a:ea typeface="Times New Roman" panose="02020603050405020304" pitchFamily="18" charset="0"/>
+                      </a:endParaRPr>
                     </a:p>
                   </a:txBody>
                   <a:tcPr marL="44450" marR="44450" marT="0" marB="0"/>
